--- a/src/assets/EDD Understanding Angular 3D - Leonell Lagumbay.pptx
+++ b/src/assets/EDD Understanding Angular 3D - Leonell Lagumbay.pptx
@@ -5,27 +5,30 @@
     <p:sldMasterId id="2147483660" r:id="rId2"/>
   </p:sldMasterIdLst>
   <p:notesMasterIdLst>
-    <p:notesMasterId r:id="rId18"/>
+    <p:notesMasterId r:id="rId21"/>
   </p:notesMasterIdLst>
   <p:handoutMasterIdLst>
-    <p:handoutMasterId r:id="rId19"/>
+    <p:handoutMasterId r:id="rId22"/>
   </p:handoutMasterIdLst>
   <p:sldIdLst>
     <p:sldId id="320" r:id="rId3"/>
     <p:sldId id="337" r:id="rId4"/>
-    <p:sldId id="350" r:id="rId5"/>
-    <p:sldId id="359" r:id="rId6"/>
-    <p:sldId id="360" r:id="rId7"/>
-    <p:sldId id="351" r:id="rId8"/>
-    <p:sldId id="352" r:id="rId9"/>
-    <p:sldId id="353" r:id="rId10"/>
-    <p:sldId id="354" r:id="rId11"/>
-    <p:sldId id="355" r:id="rId12"/>
-    <p:sldId id="356" r:id="rId13"/>
-    <p:sldId id="357" r:id="rId14"/>
-    <p:sldId id="358" r:id="rId15"/>
-    <p:sldId id="338" r:id="rId16"/>
-    <p:sldId id="321" r:id="rId17"/>
+    <p:sldId id="362" r:id="rId5"/>
+    <p:sldId id="363" r:id="rId6"/>
+    <p:sldId id="361" r:id="rId7"/>
+    <p:sldId id="350" r:id="rId8"/>
+    <p:sldId id="359" r:id="rId9"/>
+    <p:sldId id="360" r:id="rId10"/>
+    <p:sldId id="351" r:id="rId11"/>
+    <p:sldId id="352" r:id="rId12"/>
+    <p:sldId id="353" r:id="rId13"/>
+    <p:sldId id="354" r:id="rId14"/>
+    <p:sldId id="355" r:id="rId15"/>
+    <p:sldId id="356" r:id="rId16"/>
+    <p:sldId id="357" r:id="rId17"/>
+    <p:sldId id="358" r:id="rId18"/>
+    <p:sldId id="338" r:id="rId19"/>
+    <p:sldId id="321" r:id="rId20"/>
   </p:sldIdLst>
   <p:sldSz cx="9144000" cy="5143500" type="screen16x9"/>
   <p:notesSz cx="6858000" cy="9144000"/>
@@ -879,15 +882,6 @@
           <a:lstStyle/>
           <a:p>
             <a:r>
-              <a:rPr lang="en-PH" dirty="0">
-                <a:hlinkClick r:id="rId3"/>
-              </a:rPr>
-              <a:t>https://threejs.org/examples/webgl_interactive_cubes.html</a:t>
-            </a:r>
-            <a:endParaRPr lang="en-PH" dirty="0"/>
-          </a:p>
-          <a:p>
-            <a:r>
               <a:rPr lang="en-US" sz="500" kern="1200" dirty="0">
                 <a:solidFill>
                   <a:schemeClr val="tx1"/>
@@ -896,7 +890,33 @@
                 <a:ea typeface="+mn-ea"/>
                 <a:cs typeface="+mn-cs"/>
               </a:rPr>
-              <a:t>For example, a skin defines whether a geometry is metallic-looking, transparent, or shown as a wireframe</a:t>
+              <a:t>The 'scene' is a container that is used to store and  keep track of all the objects we want to render and all the lights we want to use. (w/out it there isn't able to render anything)</a:t>
+            </a:r>
+          </a:p>
+          <a:p>
+            <a:r>
+              <a:rPr lang="en-US" sz="500" kern="1200" dirty="0">
+                <a:solidFill>
+                  <a:schemeClr val="tx1"/>
+                </a:solidFill>
+                <a:latin typeface="Lato" panose="020F0502020204030203" pitchFamily="34" charset="0"/>
+                <a:ea typeface="+mn-ea"/>
+                <a:cs typeface="+mn-cs"/>
+              </a:rPr>
+              <a:t>Scene - also called a scene graph, is a structure that can hold all necessary information of a graphical scene.</a:t>
+            </a:r>
+          </a:p>
+          <a:p>
+            <a:r>
+              <a:rPr lang="en-US" sz="500" kern="1200" dirty="0">
+                <a:solidFill>
+                  <a:schemeClr val="tx1"/>
+                </a:solidFill>
+                <a:latin typeface="Lato" panose="020F0502020204030203" pitchFamily="34" charset="0"/>
+                <a:ea typeface="+mn-ea"/>
+                <a:cs typeface="+mn-cs"/>
+              </a:rPr>
+              <a:t>Objects - these are the main objects that are rendered from the perspective of the camera: cubes, spheres, and the like. (these are the actors in a movie).</a:t>
             </a:r>
           </a:p>
           <a:p>
@@ -919,8 +939,72 @@
                 <a:ea typeface="+mn-ea"/>
                 <a:cs typeface="+mn-cs"/>
               </a:rPr>
-              <a:t>Without lights, we won't see anything rendered.</a:t>
-            </a:r>
+              <a:t>We also create the 'camera'. The 'camera' defines what we'll see when we render a scene.</a:t>
+            </a:r>
+          </a:p>
+          <a:p>
+            <a:r>
+              <a:rPr lang="en-US" sz="500" kern="1200" dirty="0">
+                <a:solidFill>
+                  <a:schemeClr val="tx1"/>
+                </a:solidFill>
+                <a:latin typeface="Lato" panose="020F0502020204030203" pitchFamily="34" charset="0"/>
+                <a:ea typeface="+mn-ea"/>
+                <a:cs typeface="+mn-cs"/>
+              </a:rPr>
+              <a:t>Next is 'renderer' object. The 'renderer' object is responsible for calculating what the scene object will look like in the browser based on the camera object's angle. We uses '</a:t>
+            </a:r>
+            <a:r>
+              <a:rPr lang="en-US" sz="500" kern="1200" dirty="0" err="1">
+                <a:solidFill>
+                  <a:schemeClr val="tx1"/>
+                </a:solidFill>
+                <a:latin typeface="Lato" panose="020F0502020204030203" pitchFamily="34" charset="0"/>
+                <a:ea typeface="+mn-ea"/>
+                <a:cs typeface="+mn-cs"/>
+              </a:rPr>
+              <a:t>WebGLRenderer</a:t>
+            </a:r>
+            <a:r>
+              <a:rPr lang="en-US" sz="500" kern="1200" dirty="0">
+                <a:solidFill>
+                  <a:schemeClr val="tx1"/>
+                </a:solidFill>
+                <a:latin typeface="Lato" panose="020F0502020204030203" pitchFamily="34" charset="0"/>
+                <a:ea typeface="+mn-ea"/>
+                <a:cs typeface="+mn-cs"/>
+              </a:rPr>
+              <a:t>' that uses your graphics card to render the scene.</a:t>
+            </a:r>
+          </a:p>
+          <a:p>
+            <a:r>
+              <a:rPr lang="en-US" sz="500" kern="1200" dirty="0">
+                <a:solidFill>
+                  <a:schemeClr val="tx1"/>
+                </a:solidFill>
+                <a:latin typeface="Lato" panose="020F0502020204030203" pitchFamily="34" charset="0"/>
+                <a:ea typeface="+mn-ea"/>
+                <a:cs typeface="+mn-cs"/>
+              </a:rPr>
+              <a:t>Another ex. For CSS3DRenderer </a:t>
+            </a:r>
+            <a:r>
+              <a:rPr lang="en-PH" dirty="0">
+                <a:hlinkClick r:id="rId3"/>
+              </a:rPr>
+              <a:t>https://threejs.org/examples/#css3d_periodictable</a:t>
+            </a:r>
+            <a:endParaRPr lang="en-US" sz="500" kern="1200" dirty="0">
+              <a:solidFill>
+                <a:schemeClr val="tx1"/>
+              </a:solidFill>
+              <a:latin typeface="Lato" panose="020F0502020204030203" pitchFamily="34" charset="0"/>
+              <a:ea typeface="+mn-ea"/>
+              <a:cs typeface="+mn-cs"/>
+            </a:endParaRPr>
+          </a:p>
+          <a:p>
             <a:endParaRPr lang="en-PH" dirty="0"/>
           </a:p>
         </p:txBody>
@@ -943,7 +1027,7 @@
             <a:fld id="{0CB6685D-1DC3-467A-9755-A4FC0193B359}" type="slidenum">
               <a:rPr lang="en-US" smtClean="0"/>
               <a:pPr/>
-              <a:t>10</a:t>
+              <a:t>12</a:t>
             </a:fld>
             <a:endParaRPr lang="en-US" dirty="0"/>
           </a:p>
@@ -952,7 +1036,7 @@
     </p:spTree>
     <p:extLst>
       <p:ext uri="{BB962C8B-B14F-4D97-AF65-F5344CB8AC3E}">
-        <p14:creationId xmlns:p14="http://schemas.microsoft.com/office/powerpoint/2010/main" val="2415008564"/>
+        <p14:creationId xmlns:p14="http://schemas.microsoft.com/office/powerpoint/2010/main" val="4267344740"/>
       </p:ext>
     </p:extLst>
   </p:cSld>
@@ -1007,35 +1091,49 @@
           <a:lstStyle/>
           <a:p>
             <a:r>
-              <a:rPr lang="en-US" sz="500" b="0" i="0" kern="1200" dirty="0">
+              <a:rPr lang="en-PH" dirty="0">
+                <a:hlinkClick r:id="rId3"/>
+              </a:rPr>
+              <a:t>https://threejs.org/examples/webgl_interactive_cubes.html</a:t>
+            </a:r>
+            <a:endParaRPr lang="en-PH" dirty="0"/>
+          </a:p>
+          <a:p>
+            <a:r>
+              <a:rPr lang="en-US" sz="500" kern="1200" dirty="0">
                 <a:solidFill>
                   <a:schemeClr val="tx1"/>
                 </a:solidFill>
-                <a:effectLst/>
                 <a:latin typeface="Lato" panose="020F0502020204030203" pitchFamily="34" charset="0"/>
                 <a:ea typeface="+mn-ea"/>
                 <a:cs typeface="+mn-cs"/>
               </a:rPr>
-              <a:t>Geometry defines the shape of the objects we draw in Three.js. Geometry is made up of a collection of vertices and often faces which combine three vertices into a triangle face.</a:t>
-            </a:r>
-          </a:p>
-          <a:p>
-            <a:r>
-              <a:rPr lang="en-PH" dirty="0">
-                <a:hlinkClick r:id="rId3"/>
+              <a:t>For example, a skin defines whether a geometry is metallic-looking, transparent, or shown as a wireframe</a:t>
+            </a:r>
+          </a:p>
+          <a:p>
+            <a:endParaRPr lang="en-US" sz="500" kern="1200" dirty="0">
+              <a:solidFill>
+                <a:schemeClr val="tx1"/>
+              </a:solidFill>
+              <a:latin typeface="Lato" panose="020F0502020204030203" pitchFamily="34" charset="0"/>
+              <a:ea typeface="+mn-ea"/>
+              <a:cs typeface="+mn-cs"/>
+            </a:endParaRPr>
+          </a:p>
+          <a:p>
+            <a:r>
+              <a:rPr lang="en-US" sz="500" kern="1200" dirty="0">
+                <a:solidFill>
+                  <a:schemeClr val="tx1"/>
+                </a:solidFill>
+                <a:latin typeface="Lato" panose="020F0502020204030203" pitchFamily="34" charset="0"/>
+                <a:ea typeface="+mn-ea"/>
+                <a:cs typeface="+mn-cs"/>
               </a:rPr>
-              <a:t>https://threejs.org/examples/webgl_geometries.html</a:t>
+              <a:t>Without lights, we won't see anything rendered.</a:t>
             </a:r>
             <a:endParaRPr lang="en-PH" dirty="0"/>
-          </a:p>
-          <a:p>
-            <a:endParaRPr lang="en-PH" dirty="0"/>
-          </a:p>
-          <a:p>
-            <a:r>
-              <a:rPr lang="en-PH" dirty="0"/>
-              <a:t>Mesh technique usually used in face recognition, terrain scanning, and in medical field.</a:t>
-            </a:r>
           </a:p>
         </p:txBody>
       </p:sp>
@@ -1057,7 +1155,7 @@
             <a:fld id="{0CB6685D-1DC3-467A-9755-A4FC0193B359}" type="slidenum">
               <a:rPr lang="en-US" smtClean="0"/>
               <a:pPr/>
-              <a:t>11</a:t>
+              <a:t>13</a:t>
             </a:fld>
             <a:endParaRPr lang="en-US" dirty="0"/>
           </a:p>
@@ -1066,7 +1164,7 @@
     </p:spTree>
     <p:extLst>
       <p:ext uri="{BB962C8B-B14F-4D97-AF65-F5344CB8AC3E}">
-        <p14:creationId xmlns:p14="http://schemas.microsoft.com/office/powerpoint/2010/main" val="718008772"/>
+        <p14:creationId xmlns:p14="http://schemas.microsoft.com/office/powerpoint/2010/main" val="2415008564"/>
       </p:ext>
     </p:extLst>
   </p:cSld>
@@ -1130,6 +1228,120 @@
                 <a:ea typeface="+mn-ea"/>
                 <a:cs typeface="+mn-cs"/>
               </a:rPr>
+              <a:t>Geometry defines the shape of the objects we draw in Three.js. Geometry is made up of a collection of vertices and often faces which combine three vertices into a triangle face.</a:t>
+            </a:r>
+          </a:p>
+          <a:p>
+            <a:r>
+              <a:rPr lang="en-PH" dirty="0">
+                <a:hlinkClick r:id="rId3"/>
+              </a:rPr>
+              <a:t>https://threejs.org/examples/webgl_geometries.html</a:t>
+            </a:r>
+            <a:endParaRPr lang="en-PH" dirty="0"/>
+          </a:p>
+          <a:p>
+            <a:endParaRPr lang="en-PH" dirty="0"/>
+          </a:p>
+          <a:p>
+            <a:r>
+              <a:rPr lang="en-PH" dirty="0"/>
+              <a:t>Mesh technique usually used in face recognition, terrain scanning, and in medical field.</a:t>
+            </a:r>
+          </a:p>
+        </p:txBody>
+      </p:sp>
+      <p:sp>
+        <p:nvSpPr>
+          <p:cNvPr id="4" name="Slide Number Placeholder 3"/>
+          <p:cNvSpPr>
+            <a:spLocks noGrp="1"/>
+          </p:cNvSpPr>
+          <p:nvPr>
+            <p:ph type="sldNum" sz="quarter" idx="5"/>
+          </p:nvPr>
+        </p:nvSpPr>
+        <p:spPr/>
+        <p:txBody>
+          <a:bodyPr/>
+          <a:lstStyle/>
+          <a:p>
+            <a:fld id="{0CB6685D-1DC3-467A-9755-A4FC0193B359}" type="slidenum">
+              <a:rPr lang="en-US" smtClean="0"/>
+              <a:pPr/>
+              <a:t>14</a:t>
+            </a:fld>
+            <a:endParaRPr lang="en-US" dirty="0"/>
+          </a:p>
+        </p:txBody>
+      </p:sp>
+    </p:spTree>
+    <p:extLst>
+      <p:ext uri="{BB962C8B-B14F-4D97-AF65-F5344CB8AC3E}">
+        <p14:creationId xmlns:p14="http://schemas.microsoft.com/office/powerpoint/2010/main" val="718008772"/>
+      </p:ext>
+    </p:extLst>
+  </p:cSld>
+  <p:clrMapOvr>
+    <a:masterClrMapping/>
+  </p:clrMapOvr>
+</p:notes>
+</file>
+
+<file path=ppt/notesSlides/notesSlide13.xml><?xml version="1.0" encoding="utf-8"?>
+<p:notes xmlns:a="http://schemas.openxmlformats.org/drawingml/2006/main" xmlns:r="http://schemas.openxmlformats.org/officeDocument/2006/relationships" xmlns:p="http://schemas.openxmlformats.org/presentationml/2006/main">
+  <p:cSld>
+    <p:spTree>
+      <p:nvGrpSpPr>
+        <p:cNvPr id="1" name=""/>
+        <p:cNvGrpSpPr/>
+        <p:nvPr/>
+      </p:nvGrpSpPr>
+      <p:grpSpPr>
+        <a:xfrm>
+          <a:off x="0" y="0"/>
+          <a:ext cx="0" cy="0"/>
+          <a:chOff x="0" y="0"/>
+          <a:chExt cx="0" cy="0"/>
+        </a:xfrm>
+      </p:grpSpPr>
+      <p:sp>
+        <p:nvSpPr>
+          <p:cNvPr id="2" name="Slide Image Placeholder 1"/>
+          <p:cNvSpPr>
+            <a:spLocks noGrp="1" noRot="1" noChangeAspect="1"/>
+          </p:cNvSpPr>
+          <p:nvPr>
+            <p:ph type="sldImg"/>
+          </p:nvPr>
+        </p:nvSpPr>
+        <p:spPr/>
+      </p:sp>
+      <p:sp>
+        <p:nvSpPr>
+          <p:cNvPr id="3" name="Notes Placeholder 2"/>
+          <p:cNvSpPr>
+            <a:spLocks noGrp="1"/>
+          </p:cNvSpPr>
+          <p:nvPr>
+            <p:ph type="body" idx="1"/>
+          </p:nvPr>
+        </p:nvSpPr>
+        <p:spPr/>
+        <p:txBody>
+          <a:bodyPr/>
+          <a:lstStyle/>
+          <a:p>
+            <a:r>
+              <a:rPr lang="en-US" sz="500" b="0" i="0" kern="1200" dirty="0">
+                <a:solidFill>
+                  <a:schemeClr val="tx1"/>
+                </a:solidFill>
+                <a:effectLst/>
+                <a:latin typeface="Lato" panose="020F0502020204030203" pitchFamily="34" charset="0"/>
+                <a:ea typeface="+mn-ea"/>
+                <a:cs typeface="+mn-cs"/>
+              </a:rPr>
               <a:t>3D programming in a browser is best paired with game controls.</a:t>
             </a:r>
           </a:p>
@@ -1342,29 +1554,8 @@
                 <a:ea typeface="+mn-ea"/>
                 <a:cs typeface="+mn-cs"/>
               </a:rPr>
-              <a:t>Ask possible app </a:t>
-            </a:r>
-            <a:r>
-              <a:rPr lang="en-US" sz="500" b="0" i="0" kern="1200">
-                <a:solidFill>
-                  <a:schemeClr val="tx1"/>
-                </a:solidFill>
-                <a:effectLst/>
-                <a:latin typeface="Lato" panose="020F0502020204030203" pitchFamily="34" charset="0"/>
-                <a:ea typeface="+mn-ea"/>
-                <a:cs typeface="+mn-cs"/>
-              </a:rPr>
-              <a:t>to create</a:t>
-            </a:r>
-            <a:endParaRPr lang="en-US" sz="500" b="0" i="0" kern="1200" dirty="0">
-              <a:solidFill>
-                <a:schemeClr val="tx1"/>
-              </a:solidFill>
-              <a:effectLst/>
-              <a:latin typeface="Lato" panose="020F0502020204030203" pitchFamily="34" charset="0"/>
-              <a:ea typeface="+mn-ea"/>
-              <a:cs typeface="+mn-cs"/>
-            </a:endParaRPr>
+              <a:t>Ask possible app to create</a:t>
+            </a:r>
           </a:p>
           <a:p>
             <a:r>
@@ -1401,7 +1592,7 @@
             <a:fld id="{0CB6685D-1DC3-467A-9755-A4FC0193B359}" type="slidenum">
               <a:rPr lang="en-US" smtClean="0"/>
               <a:pPr/>
-              <a:t>13</a:t>
+              <a:t>16</a:t>
             </a:fld>
             <a:endParaRPr lang="en-US" dirty="0"/>
           </a:p>
@@ -1552,7 +1743,10 @@
           <a:bodyPr/>
           <a:lstStyle/>
           <a:p>
-            <a:endParaRPr lang="en-PH" dirty="0"/>
+            <a:r>
+              <a:rPr lang="en-PH" dirty="0"/>
+              <a:t>I chose this topic to</a:t>
+            </a:r>
           </a:p>
         </p:txBody>
       </p:sp>
@@ -1574,7 +1768,7 @@
             <a:fld id="{0CB6685D-1DC3-467A-9755-A4FC0193B359}" type="slidenum">
               <a:rPr lang="en-US" smtClean="0"/>
               <a:pPr/>
-              <a:t>3</a:t>
+              <a:t>5</a:t>
             </a:fld>
             <a:endParaRPr lang="en-US" dirty="0"/>
           </a:p>
@@ -1583,7 +1777,7 @@
     </p:spTree>
     <p:extLst>
       <p:ext uri="{BB962C8B-B14F-4D97-AF65-F5344CB8AC3E}">
-        <p14:creationId xmlns:p14="http://schemas.microsoft.com/office/powerpoint/2010/main" val="2714390979"/>
+        <p14:creationId xmlns:p14="http://schemas.microsoft.com/office/powerpoint/2010/main" val="3568937824"/>
       </p:ext>
     </p:extLst>
   </p:cSld>
@@ -1637,74 +1831,6 @@
           <a:bodyPr/>
           <a:lstStyle/>
           <a:p>
-            <a:r>
-              <a:rPr lang="en-US" sz="500" b="0" i="0" kern="1200" dirty="0">
-                <a:solidFill>
-                  <a:schemeClr val="tx1"/>
-                </a:solidFill>
-                <a:effectLst/>
-                <a:latin typeface="Lato" panose="020F0502020204030203" pitchFamily="34" charset="0"/>
-                <a:ea typeface="+mn-ea"/>
-                <a:cs typeface="+mn-cs"/>
-              </a:rPr>
-              <a:t>In a cube there are 6 plane surfaces. There are 8 vertices and 12 edges. Two adjoining plane – surfaces meet at an edge.</a:t>
-            </a:r>
-          </a:p>
-          <a:p>
-            <a:r>
-              <a:rPr lang="en-US" sz="500" b="0" i="0" kern="1200" dirty="0">
-                <a:solidFill>
-                  <a:schemeClr val="tx1"/>
-                </a:solidFill>
-                <a:effectLst/>
-                <a:latin typeface="Lato" panose="020F0502020204030203" pitchFamily="34" charset="0"/>
-                <a:ea typeface="+mn-ea"/>
-                <a:cs typeface="+mn-cs"/>
-              </a:rPr>
-              <a:t>A cylinder stands on a circular plane surface having circular plane surfaces on its top and bottom.</a:t>
-            </a:r>
-          </a:p>
-          <a:p>
-            <a:r>
-              <a:rPr lang="en-US" sz="500" b="0" i="0" kern="1200" dirty="0">
-                <a:solidFill>
-                  <a:schemeClr val="tx1"/>
-                </a:solidFill>
-                <a:effectLst/>
-                <a:latin typeface="Lato" panose="020F0502020204030203" pitchFamily="34" charset="0"/>
-                <a:ea typeface="+mn-ea"/>
-                <a:cs typeface="+mn-cs"/>
-              </a:rPr>
-              <a:t>In a cylinder there are 2 plane surfaces and 1 curved surface. There are 2 edges and no vertices.</a:t>
-            </a:r>
-          </a:p>
-          <a:p>
-            <a:r>
-              <a:rPr lang="en-US" sz="500" b="0" i="0" kern="1200" dirty="0">
-                <a:solidFill>
-                  <a:schemeClr val="tx1"/>
-                </a:solidFill>
-                <a:effectLst/>
-                <a:latin typeface="Lato" panose="020F0502020204030203" pitchFamily="34" charset="0"/>
-                <a:ea typeface="+mn-ea"/>
-                <a:cs typeface="+mn-cs"/>
-              </a:rPr>
-              <a:t>A cone has one plane circular surface, i.e. its base and only one curved surface. There are 1 edge and 1 vertex.</a:t>
-            </a:r>
-          </a:p>
-          <a:p>
-            <a:r>
-              <a:rPr lang="en-US" sz="500" b="0" i="0" kern="1200" dirty="0">
-                <a:solidFill>
-                  <a:schemeClr val="tx1"/>
-                </a:solidFill>
-                <a:effectLst/>
-                <a:latin typeface="Lato" panose="020F0502020204030203" pitchFamily="34" charset="0"/>
-                <a:ea typeface="+mn-ea"/>
-                <a:cs typeface="+mn-cs"/>
-              </a:rPr>
-              <a:t>The ball-like shape is called a sphere. In sphere there is curve surface, no edge and no vertex.</a:t>
-            </a:r>
             <a:endParaRPr lang="en-PH" dirty="0"/>
           </a:p>
         </p:txBody>
@@ -1727,7 +1853,7 @@
             <a:fld id="{0CB6685D-1DC3-467A-9755-A4FC0193B359}" type="slidenum">
               <a:rPr lang="en-US" smtClean="0"/>
               <a:pPr/>
-              <a:t>4</a:t>
+              <a:t>6</a:t>
             </a:fld>
             <a:endParaRPr lang="en-US" dirty="0"/>
           </a:p>
@@ -1736,7 +1862,7 @@
     </p:spTree>
     <p:extLst>
       <p:ext uri="{BB962C8B-B14F-4D97-AF65-F5344CB8AC3E}">
-        <p14:creationId xmlns:p14="http://schemas.microsoft.com/office/powerpoint/2010/main" val="3998366667"/>
+        <p14:creationId xmlns:p14="http://schemas.microsoft.com/office/powerpoint/2010/main" val="2714390979"/>
       </p:ext>
     </p:extLst>
   </p:cSld>
@@ -1791,9 +1917,74 @@
           <a:lstStyle/>
           <a:p>
             <a:r>
-              <a:rPr lang="en-PH" dirty="0"/>
-              <a:t>This is the crucial part of 3D design and programming. Most of the 3D objects requires us to position the object we want to render or view.</a:t>
-            </a:r>
+              <a:rPr lang="en-US" sz="500" b="0" i="0" kern="1200" dirty="0">
+                <a:solidFill>
+                  <a:schemeClr val="tx1"/>
+                </a:solidFill>
+                <a:effectLst/>
+                <a:latin typeface="Lato" panose="020F0502020204030203" pitchFamily="34" charset="0"/>
+                <a:ea typeface="+mn-ea"/>
+                <a:cs typeface="+mn-cs"/>
+              </a:rPr>
+              <a:t>In a cube there are 6 plane surfaces. There are 8 vertices and 12 edges. Two adjoining plane – surfaces meet at an edge.</a:t>
+            </a:r>
+          </a:p>
+          <a:p>
+            <a:r>
+              <a:rPr lang="en-US" sz="500" b="0" i="0" kern="1200" dirty="0">
+                <a:solidFill>
+                  <a:schemeClr val="tx1"/>
+                </a:solidFill>
+                <a:effectLst/>
+                <a:latin typeface="Lato" panose="020F0502020204030203" pitchFamily="34" charset="0"/>
+                <a:ea typeface="+mn-ea"/>
+                <a:cs typeface="+mn-cs"/>
+              </a:rPr>
+              <a:t>A cylinder stands on a circular plane surface having circular plane surfaces on its top and bottom.</a:t>
+            </a:r>
+          </a:p>
+          <a:p>
+            <a:r>
+              <a:rPr lang="en-US" sz="500" b="0" i="0" kern="1200" dirty="0">
+                <a:solidFill>
+                  <a:schemeClr val="tx1"/>
+                </a:solidFill>
+                <a:effectLst/>
+                <a:latin typeface="Lato" panose="020F0502020204030203" pitchFamily="34" charset="0"/>
+                <a:ea typeface="+mn-ea"/>
+                <a:cs typeface="+mn-cs"/>
+              </a:rPr>
+              <a:t>In a cylinder there are 2 plane surfaces and 1 curved surface. There are 2 edges and no vertices.</a:t>
+            </a:r>
+          </a:p>
+          <a:p>
+            <a:r>
+              <a:rPr lang="en-US" sz="500" b="0" i="0" kern="1200" dirty="0">
+                <a:solidFill>
+                  <a:schemeClr val="tx1"/>
+                </a:solidFill>
+                <a:effectLst/>
+                <a:latin typeface="Lato" panose="020F0502020204030203" pitchFamily="34" charset="0"/>
+                <a:ea typeface="+mn-ea"/>
+                <a:cs typeface="+mn-cs"/>
+              </a:rPr>
+              <a:t>A cone has one plane circular surface, i.e. its base and only one curved surface. There are 1 edge and 1 vertex.</a:t>
+            </a:r>
+          </a:p>
+          <a:p>
+            <a:r>
+              <a:rPr lang="en-US" sz="500" b="0" i="0" kern="1200" dirty="0">
+                <a:solidFill>
+                  <a:schemeClr val="tx1"/>
+                </a:solidFill>
+                <a:effectLst/>
+                <a:latin typeface="Lato" panose="020F0502020204030203" pitchFamily="34" charset="0"/>
+                <a:ea typeface="+mn-ea"/>
+                <a:cs typeface="+mn-cs"/>
+              </a:rPr>
+              <a:t>The ball-like shape is called a sphere. In sphere there is curve surface, no edge and no vertex.</a:t>
+            </a:r>
+            <a:endParaRPr lang="en-PH" dirty="0"/>
           </a:p>
         </p:txBody>
       </p:sp>
@@ -1815,7 +2006,7 @@
             <a:fld id="{0CB6685D-1DC3-467A-9755-A4FC0193B359}" type="slidenum">
               <a:rPr lang="en-US" smtClean="0"/>
               <a:pPr/>
-              <a:t>5</a:t>
+              <a:t>7</a:t>
             </a:fld>
             <a:endParaRPr lang="en-US" dirty="0"/>
           </a:p>
@@ -1824,7 +2015,7 @@
     </p:spTree>
     <p:extLst>
       <p:ext uri="{BB962C8B-B14F-4D97-AF65-F5344CB8AC3E}">
-        <p14:creationId xmlns:p14="http://schemas.microsoft.com/office/powerpoint/2010/main" val="2625954576"/>
+        <p14:creationId xmlns:p14="http://schemas.microsoft.com/office/powerpoint/2010/main" val="3998366667"/>
       </p:ext>
     </p:extLst>
   </p:cSld>
@@ -1878,137 +2069,10 @@
           <a:bodyPr/>
           <a:lstStyle/>
           <a:p>
-            <a:pPr marL="0" marR="0" lvl="0" indent="0" algn="l" defTabSz="914400" rtl="0" eaLnBrk="0" fontAlgn="base" latinLnBrk="0" hangingPunct="0">
-              <a:lnSpc>
-                <a:spcPct val="100000"/>
-              </a:lnSpc>
-              <a:spcBef>
-                <a:spcPct val="0"/>
-              </a:spcBef>
-              <a:spcAft>
-                <a:spcPct val="0"/>
-              </a:spcAft>
-              <a:buClrTx/>
-              <a:buSzTx/>
-              <a:buFontTx/>
-              <a:buNone/>
-              <a:tabLst/>
-            </a:pPr>
-            <a:r>
-              <a:rPr kumimoji="0" lang="en-US" altLang="en-US" sz="800" b="0" i="0" u="none" strike="noStrike" cap="none" normalizeH="0" baseline="0" dirty="0">
-                <a:ln>
-                  <a:noFill/>
-                </a:ln>
-                <a:solidFill>
-                  <a:srgbClr val="333333"/>
-                </a:solidFill>
-                <a:effectLst/>
-                <a:latin typeface="Arial" panose="020B0604020202020204" pitchFamily="34" charset="0"/>
-                <a:cs typeface="Arial" panose="020B0604020202020204" pitchFamily="34" charset="0"/>
-              </a:rPr>
-              <a:t>This conformance makes it possible for the API to take advantage of hardware graphics acceleration</a:t>
-            </a:r>
-          </a:p>
-          <a:p>
-            <a:pPr marL="0" marR="0" lvl="0" indent="0" algn="l" defTabSz="914400" rtl="0" eaLnBrk="0" fontAlgn="base" latinLnBrk="0" hangingPunct="0">
-              <a:lnSpc>
-                <a:spcPct val="100000"/>
-              </a:lnSpc>
-              <a:spcBef>
-                <a:spcPct val="0"/>
-              </a:spcBef>
-              <a:spcAft>
-                <a:spcPct val="0"/>
-              </a:spcAft>
-              <a:buClrTx/>
-              <a:buSzTx/>
-              <a:buFontTx/>
-              <a:buNone/>
-              <a:tabLst/>
-            </a:pPr>
-            <a:r>
-              <a:rPr kumimoji="0" lang="en-US" altLang="en-US" sz="800" b="0" i="0" u="none" strike="noStrike" cap="none" normalizeH="0" baseline="0" dirty="0">
-                <a:ln>
-                  <a:noFill/>
-                </a:ln>
-                <a:solidFill>
-                  <a:srgbClr val="333333"/>
-                </a:solidFill>
-                <a:effectLst/>
-                <a:latin typeface="Arial" panose="020B0604020202020204" pitchFamily="34" charset="0"/>
-                <a:cs typeface="Arial" panose="020B0604020202020204" pitchFamily="34" charset="0"/>
-              </a:rPr>
-              <a:t>provided by the user's device.</a:t>
-            </a:r>
-            <a:r>
-              <a:rPr kumimoji="0" lang="en-US" altLang="en-US" sz="100" b="0" i="0" u="none" strike="noStrike" cap="none" normalizeH="0" baseline="0" dirty="0">
-                <a:ln>
-                  <a:noFill/>
-                </a:ln>
-                <a:solidFill>
-                  <a:schemeClr val="tx1"/>
-                </a:solidFill>
-                <a:effectLst/>
-              </a:rPr>
-              <a:t> </a:t>
-            </a:r>
-            <a:endParaRPr kumimoji="0" lang="en-US" altLang="en-US" sz="1050" b="0" i="0" u="none" strike="noStrike" cap="none" normalizeH="0" baseline="0" dirty="0">
-              <a:ln>
-                <a:noFill/>
-              </a:ln>
-              <a:solidFill>
-                <a:schemeClr val="tx1"/>
-              </a:solidFill>
-              <a:effectLst/>
-              <a:latin typeface="Arial" panose="020B0604020202020204" pitchFamily="34" charset="0"/>
-            </a:endParaRPr>
-          </a:p>
-          <a:p>
-            <a:endParaRPr lang="en-US" sz="500" kern="1200" dirty="0">
-              <a:solidFill>
-                <a:schemeClr val="tx1"/>
-              </a:solidFill>
-              <a:latin typeface="Lato" panose="020F0502020204030203" pitchFamily="34" charset="0"/>
-              <a:ea typeface="+mn-ea"/>
-              <a:cs typeface="+mn-cs"/>
-            </a:endParaRPr>
-          </a:p>
-          <a:p>
-            <a:endParaRPr lang="en-US" sz="500" kern="1200" dirty="0">
-              <a:solidFill>
-                <a:schemeClr val="tx1"/>
-              </a:solidFill>
-              <a:latin typeface="Lato" panose="020F0502020204030203" pitchFamily="34" charset="0"/>
-              <a:ea typeface="+mn-ea"/>
-              <a:cs typeface="+mn-cs"/>
-            </a:endParaRPr>
-          </a:p>
-          <a:p>
-            <a:r>
-              <a:rPr lang="en-US" sz="500" kern="1200" dirty="0">
-                <a:solidFill>
-                  <a:schemeClr val="tx1"/>
-                </a:solidFill>
-                <a:latin typeface="Lato" panose="020F0502020204030203" pitchFamily="34" charset="0"/>
-                <a:ea typeface="+mn-ea"/>
-                <a:cs typeface="+mn-cs"/>
-              </a:rPr>
-              <a:t>Programming WebGL directly, however, is very complex. You need to know the inner details of WebGL and learn a complex shader language to get the most out of WebGL. Three.js provides a very easy to use JavaScript API around the features of WebGL, so you can create beautiful 3D graphics without having to learn WebGL </a:t>
-            </a:r>
-            <a:r>
-              <a:rPr lang="en-PH" sz="500" kern="1200" dirty="0">
-                <a:solidFill>
-                  <a:schemeClr val="tx1"/>
-                </a:solidFill>
-                <a:latin typeface="Lato" panose="020F0502020204030203" pitchFamily="34" charset="0"/>
-                <a:ea typeface="+mn-ea"/>
-                <a:cs typeface="+mn-cs"/>
-              </a:rPr>
-              <a:t>in detail".</a:t>
-            </a:r>
-          </a:p>
-          <a:p>
-            <a:endParaRPr lang="en-PH" dirty="0"/>
+            <a:r>
+              <a:rPr lang="en-PH" dirty="0"/>
+              <a:t>This is the crucial part of 3D design and programming. Most of the 3D objects requires us to position the object we want to render or view.</a:t>
+            </a:r>
           </a:p>
         </p:txBody>
       </p:sp>
@@ -2030,7 +2094,7 @@
             <a:fld id="{0CB6685D-1DC3-467A-9755-A4FC0193B359}" type="slidenum">
               <a:rPr lang="en-US" smtClean="0"/>
               <a:pPr/>
-              <a:t>6</a:t>
+              <a:t>8</a:t>
             </a:fld>
             <a:endParaRPr lang="en-US" dirty="0"/>
           </a:p>
@@ -2039,7 +2103,7 @@
     </p:spTree>
     <p:extLst>
       <p:ext uri="{BB962C8B-B14F-4D97-AF65-F5344CB8AC3E}">
-        <p14:creationId xmlns:p14="http://schemas.microsoft.com/office/powerpoint/2010/main" val="737238726"/>
+        <p14:creationId xmlns:p14="http://schemas.microsoft.com/office/powerpoint/2010/main" val="2625954576"/>
       </p:ext>
     </p:extLst>
   </p:cSld>
@@ -2093,54 +2157,92 @@
           <a:bodyPr/>
           <a:lstStyle/>
           <a:p>
-            <a:r>
-              <a:rPr lang="en-US" sz="500" kern="1200" dirty="0">
+            <a:pPr marL="0" marR="0" lvl="0" indent="0" algn="l" defTabSz="914400" rtl="0" eaLnBrk="0" fontAlgn="base" latinLnBrk="0" hangingPunct="0">
+              <a:lnSpc>
+                <a:spcPct val="100000"/>
+              </a:lnSpc>
+              <a:spcBef>
+                <a:spcPct val="0"/>
+              </a:spcBef>
+              <a:spcAft>
+                <a:spcPct val="0"/>
+              </a:spcAft>
+              <a:buClrTx/>
+              <a:buSzTx/>
+              <a:buFontTx/>
+              <a:buNone/>
+              <a:tabLst/>
+            </a:pPr>
+            <a:r>
+              <a:rPr kumimoji="0" lang="en-US" altLang="en-US" sz="800" b="0" i="0" u="none" strike="noStrike" cap="none" normalizeH="0" baseline="0" dirty="0">
+                <a:ln>
+                  <a:noFill/>
+                </a:ln>
+                <a:solidFill>
+                  <a:srgbClr val="333333"/>
+                </a:solidFill>
+                <a:effectLst/>
+                <a:latin typeface="Arial" panose="020B0604020202020204" pitchFamily="34" charset="0"/>
+                <a:cs typeface="Arial" panose="020B0604020202020204" pitchFamily="34" charset="0"/>
+              </a:rPr>
+              <a:t>This conformance makes it possible for the API to take advantage of hardware graphics acceleration</a:t>
+            </a:r>
+          </a:p>
+          <a:p>
+            <a:pPr marL="0" marR="0" lvl="0" indent="0" algn="l" defTabSz="914400" rtl="0" eaLnBrk="0" fontAlgn="base" latinLnBrk="0" hangingPunct="0">
+              <a:lnSpc>
+                <a:spcPct val="100000"/>
+              </a:lnSpc>
+              <a:spcBef>
+                <a:spcPct val="0"/>
+              </a:spcBef>
+              <a:spcAft>
+                <a:spcPct val="0"/>
+              </a:spcAft>
+              <a:buClrTx/>
+              <a:buSzTx/>
+              <a:buFontTx/>
+              <a:buNone/>
+              <a:tabLst/>
+            </a:pPr>
+            <a:r>
+              <a:rPr kumimoji="0" lang="en-US" altLang="en-US" sz="800" b="0" i="0" u="none" strike="noStrike" cap="none" normalizeH="0" baseline="0" dirty="0">
+                <a:ln>
+                  <a:noFill/>
+                </a:ln>
+                <a:solidFill>
+                  <a:srgbClr val="333333"/>
+                </a:solidFill>
+                <a:effectLst/>
+                <a:latin typeface="Arial" panose="020B0604020202020204" pitchFamily="34" charset="0"/>
+                <a:cs typeface="Arial" panose="020B0604020202020204" pitchFamily="34" charset="0"/>
+              </a:rPr>
+              <a:t>provided by the user's device.</a:t>
+            </a:r>
+            <a:r>
+              <a:rPr kumimoji="0" lang="en-US" altLang="en-US" sz="100" b="0" i="0" u="none" strike="noStrike" cap="none" normalizeH="0" baseline="0" dirty="0">
+                <a:ln>
+                  <a:noFill/>
+                </a:ln>
                 <a:solidFill>
                   <a:schemeClr val="tx1"/>
                 </a:solidFill>
-                <a:latin typeface="Lato" panose="020F0502020204030203" pitchFamily="34" charset="0"/>
-                <a:ea typeface="+mn-ea"/>
-                <a:cs typeface="+mn-cs"/>
+                <a:effectLst/>
               </a:rPr>
-              <a:t>For rendering, Three.js uses WebGL.</a:t>
-            </a:r>
-          </a:p>
-          <a:p>
-            <a:r>
-              <a:rPr lang="en-US" sz="500" kern="1200" dirty="0">
-                <a:solidFill>
-                  <a:schemeClr val="tx1"/>
-                </a:solidFill>
-                <a:latin typeface="Lato" panose="020F0502020204030203" pitchFamily="34" charset="0"/>
-                <a:ea typeface="+mn-ea"/>
-                <a:cs typeface="+mn-cs"/>
-              </a:rPr>
-              <a:t>Three.js was released by </a:t>
-            </a:r>
-            <a:r>
-              <a:rPr lang="en-PH" sz="500" b="0" i="0" kern="1200" dirty="0">
-                <a:solidFill>
-                  <a:schemeClr val="tx1"/>
-                </a:solidFill>
-                <a:effectLst/>
-                <a:latin typeface="Lato" panose="020F0502020204030203" pitchFamily="34" charset="0"/>
-                <a:ea typeface="+mn-ea"/>
-                <a:cs typeface="+mn-cs"/>
-              </a:rPr>
-              <a:t>Ricardo Cabello known as </a:t>
-            </a:r>
-            <a:r>
-              <a:rPr lang="en-PH" sz="500" b="0" i="0" kern="1200" dirty="0" err="1">
-                <a:solidFill>
-                  <a:schemeClr val="tx1"/>
-                </a:solidFill>
-                <a:effectLst/>
-                <a:latin typeface="Lato" panose="020F0502020204030203" pitchFamily="34" charset="0"/>
-                <a:ea typeface="+mn-ea"/>
-                <a:cs typeface="+mn-cs"/>
-              </a:rPr>
-              <a:t>mrdoob</a:t>
-            </a:r>
+              <a:t> </a:t>
+            </a:r>
+            <a:endParaRPr kumimoji="0" lang="en-US" altLang="en-US" sz="1050" b="0" i="0" u="none" strike="noStrike" cap="none" normalizeH="0" baseline="0" dirty="0">
+              <a:ln>
+                <a:noFill/>
+              </a:ln>
+              <a:solidFill>
+                <a:schemeClr val="tx1"/>
+              </a:solidFill>
+              <a:effectLst/>
+              <a:latin typeface="Arial" panose="020B0604020202020204" pitchFamily="34" charset="0"/>
+            </a:endParaRPr>
+          </a:p>
+          <a:p>
             <a:endParaRPr lang="en-US" sz="500" kern="1200" dirty="0">
               <a:solidFill>
                 <a:schemeClr val="tx1"/>
@@ -2151,16 +2253,41 @@
             </a:endParaRPr>
           </a:p>
           <a:p>
-            <a:r>
-              <a:rPr lang="en-PH" dirty="0">
-                <a:hlinkClick r:id="rId3"/>
+            <a:endParaRPr lang="en-US" sz="500" kern="1200" dirty="0">
+              <a:solidFill>
+                <a:schemeClr val="tx1"/>
+              </a:solidFill>
+              <a:latin typeface="Lato" panose="020F0502020204030203" pitchFamily="34" charset="0"/>
+              <a:ea typeface="+mn-ea"/>
+              <a:cs typeface="+mn-cs"/>
+            </a:endParaRPr>
+          </a:p>
+          <a:p>
+            <a:r>
+              <a:rPr lang="en-US" sz="500" kern="1200" dirty="0">
+                <a:solidFill>
+                  <a:schemeClr val="tx1"/>
+                </a:solidFill>
+                <a:latin typeface="Lato" panose="020F0502020204030203" pitchFamily="34" charset="0"/>
+                <a:ea typeface="+mn-ea"/>
+                <a:cs typeface="+mn-cs"/>
               </a:rPr>
-              <a:t>https://mrdoob.com/projects/htmleditor/</a:t>
-            </a:r>
-            <a:r>
-              <a:rPr lang="en-PH" dirty="0"/>
-              <a:t> </a:t>
-            </a:r>
+              <a:t>Programming WebGL directly, however, is very complex. You need to know the inner details of WebGL and learn a complex shader language to get the most out of WebGL. Three.js provides a very easy to use JavaScript API around the features of WebGL, so you can create beautiful 3D graphics without having to learn WebGL </a:t>
+            </a:r>
+            <a:r>
+              <a:rPr lang="en-PH" sz="500" kern="1200" dirty="0">
+                <a:solidFill>
+                  <a:schemeClr val="tx1"/>
+                </a:solidFill>
+                <a:latin typeface="Lato" panose="020F0502020204030203" pitchFamily="34" charset="0"/>
+                <a:ea typeface="+mn-ea"/>
+                <a:cs typeface="+mn-cs"/>
+              </a:rPr>
+              <a:t>in detail".</a:t>
+            </a:r>
+          </a:p>
+          <a:p>
+            <a:endParaRPr lang="en-PH" dirty="0"/>
           </a:p>
         </p:txBody>
       </p:sp>
@@ -2182,7 +2309,7 @@
             <a:fld id="{0CB6685D-1DC3-467A-9755-A4FC0193B359}" type="slidenum">
               <a:rPr lang="en-US" smtClean="0"/>
               <a:pPr/>
-              <a:t>7</a:t>
+              <a:t>9</a:t>
             </a:fld>
             <a:endParaRPr lang="en-US" dirty="0"/>
           </a:p>
@@ -2191,7 +2318,7 @@
     </p:spTree>
     <p:extLst>
       <p:ext uri="{BB962C8B-B14F-4D97-AF65-F5344CB8AC3E}">
-        <p14:creationId xmlns:p14="http://schemas.microsoft.com/office/powerpoint/2010/main" val="3700819457"/>
+        <p14:creationId xmlns:p14="http://schemas.microsoft.com/office/powerpoint/2010/main" val="737238726"/>
       </p:ext>
     </p:extLst>
   </p:cSld>
@@ -2246,41 +2373,53 @@
           <a:lstStyle/>
           <a:p>
             <a:r>
-              <a:rPr lang="en-PH" dirty="0">
-                <a:hlinkClick r:id="rId3"/>
+              <a:rPr lang="en-US" sz="500" kern="1200" dirty="0">
+                <a:solidFill>
+                  <a:schemeClr val="tx1"/>
+                </a:solidFill>
+                <a:latin typeface="Lato" panose="020F0502020204030203" pitchFamily="34" charset="0"/>
+                <a:ea typeface="+mn-ea"/>
+                <a:cs typeface="+mn-cs"/>
               </a:rPr>
-              <a:t>https://threejs.org/examples/webgl_geometry_cube.html</a:t>
-            </a:r>
-            <a:endParaRPr lang="en-PH" dirty="0"/>
-          </a:p>
-          <a:p>
-            <a:r>
-              <a:rPr lang="en-PH" dirty="0">
-                <a:hlinkClick r:id="rId4"/>
+              <a:t>For rendering, Three.js uses WebGL.</a:t>
+            </a:r>
+          </a:p>
+          <a:p>
+            <a:r>
+              <a:rPr lang="en-US" sz="500" kern="1200" dirty="0">
+                <a:solidFill>
+                  <a:schemeClr val="tx1"/>
+                </a:solidFill>
+                <a:latin typeface="Lato" panose="020F0502020204030203" pitchFamily="34" charset="0"/>
+                <a:ea typeface="+mn-ea"/>
+                <a:cs typeface="+mn-cs"/>
               </a:rPr>
-              <a:t>https://threejs.org/examples/webgl_lights_physical.html</a:t>
-            </a:r>
-            <a:endParaRPr lang="en-PH" dirty="0"/>
-          </a:p>
-          <a:p>
-            <a:r>
-              <a:rPr lang="en-PH" dirty="0">
-                <a:hlinkClick r:id="rId5"/>
+              <a:t>Three.js was released by </a:t>
+            </a:r>
+            <a:r>
+              <a:rPr lang="en-PH" sz="500" b="0" i="0" kern="1200" dirty="0">
+                <a:solidFill>
+                  <a:schemeClr val="tx1"/>
+                </a:solidFill>
+                <a:effectLst/>
+                <a:latin typeface="Lato" panose="020F0502020204030203" pitchFamily="34" charset="0"/>
+                <a:ea typeface="+mn-ea"/>
+                <a:cs typeface="+mn-cs"/>
               </a:rPr>
-              <a:t>https://threejs.org/examples/webgl_loader_collada_skinning.html</a:t>
-            </a:r>
-            <a:endParaRPr lang="en-PH" dirty="0"/>
-          </a:p>
-          <a:p>
-            <a:r>
-              <a:rPr lang="en-PH" dirty="0">
-                <a:hlinkClick r:id="rId6"/>
+              <a:t>Ricardo Cabello known as </a:t>
+            </a:r>
+            <a:r>
+              <a:rPr lang="en-PH" sz="500" b="0" i="0" kern="1200" dirty="0" err="1">
+                <a:solidFill>
+                  <a:schemeClr val="tx1"/>
+                </a:solidFill>
+                <a:effectLst/>
+                <a:latin typeface="Lato" panose="020F0502020204030203" pitchFamily="34" charset="0"/>
+                <a:ea typeface="+mn-ea"/>
+                <a:cs typeface="+mn-cs"/>
               </a:rPr>
-              <a:t>https://threejs.org/examples/webgl_geometry_terrain_fog.html</a:t>
-            </a:r>
-            <a:endParaRPr lang="en-PH" dirty="0"/>
-          </a:p>
-          <a:p>
+              <a:t>mrdoob</a:t>
+            </a:r>
             <a:endParaRPr lang="en-US" sz="500" kern="1200" dirty="0">
               <a:solidFill>
                 <a:schemeClr val="tx1"/>
@@ -2292,66 +2431,15 @@
           </a:p>
           <a:p>
             <a:r>
-              <a:rPr lang="en-US" sz="500" kern="1200" dirty="0">
-                <a:solidFill>
-                  <a:schemeClr val="tx1"/>
-                </a:solidFill>
-                <a:latin typeface="Lato" panose="020F0502020204030203" pitchFamily="34" charset="0"/>
-                <a:ea typeface="+mn-ea"/>
-                <a:cs typeface="+mn-cs"/>
+              <a:rPr lang="en-PH" dirty="0">
+                <a:hlinkClick r:id="rId3"/>
               </a:rPr>
-              <a:t>With a couple of lines of JavaScript, you can create anything, from simple 3D models </a:t>
-            </a:r>
-            <a:r>
-              <a:rPr lang="en-PH" sz="500" kern="1200" dirty="0">
-                <a:solidFill>
-                  <a:schemeClr val="tx1"/>
-                </a:solidFill>
-                <a:latin typeface="Lato" panose="020F0502020204030203" pitchFamily="34" charset="0"/>
-                <a:ea typeface="+mn-ea"/>
-                <a:cs typeface="+mn-cs"/>
-              </a:rPr>
-              <a:t>to photorealistic real-time scenes.</a:t>
-            </a:r>
-          </a:p>
-          <a:p>
-            <a:endParaRPr lang="en-PH" sz="500" kern="1200" dirty="0">
-              <a:solidFill>
-                <a:schemeClr val="tx1"/>
-              </a:solidFill>
-              <a:latin typeface="Lato" panose="020F0502020204030203" pitchFamily="34" charset="0"/>
-              <a:ea typeface="+mn-ea"/>
-              <a:cs typeface="+mn-cs"/>
-            </a:endParaRPr>
-          </a:p>
-          <a:p>
-            <a:r>
-              <a:rPr lang="en-US" sz="500" kern="1200" dirty="0">
-                <a:solidFill>
-                  <a:schemeClr val="tx1"/>
-                </a:solidFill>
-                <a:latin typeface="Lato" panose="020F0502020204030203" pitchFamily="34" charset="0"/>
-                <a:ea typeface="+mn-ea"/>
-                <a:cs typeface="+mn-cs"/>
-              </a:rPr>
-              <a:t>Basically, Three.js runs on any of the modern browsers.</a:t>
-            </a:r>
-          </a:p>
-          <a:p>
-            <a:r>
-              <a:rPr lang="en-US" sz="500" kern="1200" dirty="0">
-                <a:solidFill>
-                  <a:schemeClr val="tx1"/>
-                </a:solidFill>
-                <a:latin typeface="Lato" panose="020F0502020204030203" pitchFamily="34" charset="0"/>
-                <a:ea typeface="+mn-ea"/>
-                <a:cs typeface="+mn-cs"/>
-              </a:rPr>
-              <a:t>It is also possible to run Three.js on mobile devices.</a:t>
-            </a:r>
-          </a:p>
-          <a:p>
-            <a:endParaRPr lang="en-PH" dirty="0"/>
+              <a:t>https://mrdoob.com/projects/htmleditor/</a:t>
+            </a:r>
+            <a:r>
+              <a:rPr lang="en-PH" dirty="0"/>
+              <a:t> </a:t>
+            </a:r>
           </a:p>
         </p:txBody>
       </p:sp>
@@ -2373,7 +2461,7 @@
             <a:fld id="{0CB6685D-1DC3-467A-9755-A4FC0193B359}" type="slidenum">
               <a:rPr lang="en-US" smtClean="0"/>
               <a:pPr/>
-              <a:t>8</a:t>
+              <a:t>10</a:t>
             </a:fld>
             <a:endParaRPr lang="en-US" dirty="0"/>
           </a:p>
@@ -2382,7 +2470,7 @@
     </p:spTree>
     <p:extLst>
       <p:ext uri="{BB962C8B-B14F-4D97-AF65-F5344CB8AC3E}">
-        <p14:creationId xmlns:p14="http://schemas.microsoft.com/office/powerpoint/2010/main" val="2436195109"/>
+        <p14:creationId xmlns:p14="http://schemas.microsoft.com/office/powerpoint/2010/main" val="3700819457"/>
       </p:ext>
     </p:extLst>
   </p:cSld>
@@ -2437,42 +2525,39 @@
           <a:lstStyle/>
           <a:p>
             <a:r>
-              <a:rPr lang="en-US" sz="500" kern="1200" dirty="0">
-                <a:solidFill>
-                  <a:schemeClr val="tx1"/>
-                </a:solidFill>
-                <a:latin typeface="Lato" panose="020F0502020204030203" pitchFamily="34" charset="0"/>
-                <a:ea typeface="+mn-ea"/>
-                <a:cs typeface="+mn-cs"/>
+              <a:rPr lang="en-PH" dirty="0">
+                <a:hlinkClick r:id="rId3"/>
               </a:rPr>
-              <a:t>The 'scene' is a container that is used to store and  keep track of all the objects we want to render and all the lights we want to use. (w/out it there isn't able to render anything)</a:t>
-            </a:r>
-          </a:p>
-          <a:p>
-            <a:r>
-              <a:rPr lang="en-US" sz="500" kern="1200" dirty="0">
-                <a:solidFill>
-                  <a:schemeClr val="tx1"/>
-                </a:solidFill>
-                <a:latin typeface="Lato" panose="020F0502020204030203" pitchFamily="34" charset="0"/>
-                <a:ea typeface="+mn-ea"/>
-                <a:cs typeface="+mn-cs"/>
+              <a:t>https://threejs.org/examples/webgl_geometry_cube.html</a:t>
+            </a:r>
+            <a:endParaRPr lang="en-PH" dirty="0"/>
+          </a:p>
+          <a:p>
+            <a:r>
+              <a:rPr lang="en-PH" dirty="0">
+                <a:hlinkClick r:id="rId4"/>
               </a:rPr>
-              <a:t>Scene - also called a scene graph, is a structure that can hold all necessary information of a graphical scene.</a:t>
-            </a:r>
-          </a:p>
-          <a:p>
-            <a:r>
-              <a:rPr lang="en-US" sz="500" kern="1200" dirty="0">
-                <a:solidFill>
-                  <a:schemeClr val="tx1"/>
-                </a:solidFill>
-                <a:latin typeface="Lato" panose="020F0502020204030203" pitchFamily="34" charset="0"/>
-                <a:ea typeface="+mn-ea"/>
-                <a:cs typeface="+mn-cs"/>
+              <a:t>https://threejs.org/examples/webgl_lights_physical.html</a:t>
+            </a:r>
+            <a:endParaRPr lang="en-PH" dirty="0"/>
+          </a:p>
+          <a:p>
+            <a:r>
+              <a:rPr lang="en-PH" dirty="0">
+                <a:hlinkClick r:id="rId5"/>
               </a:rPr>
-              <a:t>Objects - these are the main objects that are rendered from the perspective of the camera: cubes, spheres, and the like. (these are the actors in a movie).</a:t>
-            </a:r>
+              <a:t>https://threejs.org/examples/webgl_loader_collada_skinning.html</a:t>
+            </a:r>
+            <a:endParaRPr lang="en-PH" dirty="0"/>
+          </a:p>
+          <a:p>
+            <a:r>
+              <a:rPr lang="en-PH" dirty="0">
+                <a:hlinkClick r:id="rId6"/>
+              </a:rPr>
+              <a:t>https://threejs.org/examples/webgl_geometry_terrain_fog.html</a:t>
+            </a:r>
+            <a:endParaRPr lang="en-PH" dirty="0"/>
           </a:p>
           <a:p>
             <a:endParaRPr lang="en-US" sz="500" kern="1200" dirty="0">
@@ -2494,12 +2579,10 @@
                 <a:ea typeface="+mn-ea"/>
                 <a:cs typeface="+mn-cs"/>
               </a:rPr>
-              <a:t>We also create the 'camera'. The 'camera' defines what we'll see when we render a scene.</a:t>
-            </a:r>
-          </a:p>
-          <a:p>
-            <a:r>
-              <a:rPr lang="en-US" sz="500" kern="1200" dirty="0">
+              <a:t>With a couple of lines of JavaScript, you can create anything, from simple 3D models </a:t>
+            </a:r>
+            <a:r>
+              <a:rPr lang="en-PH" sz="500" kern="1200" dirty="0">
                 <a:solidFill>
                   <a:schemeClr val="tx1"/>
                 </a:solidFill>
@@ -2507,10 +2590,22 @@
                 <a:ea typeface="+mn-ea"/>
                 <a:cs typeface="+mn-cs"/>
               </a:rPr>
-              <a:t>Next is 'renderer' object. The 'renderer' object is responsible for calculating what the scene object will look like in the browser based on the camera object's angle. We uses '</a:t>
-            </a:r>
-            <a:r>
-              <a:rPr lang="en-US" sz="500" kern="1200" dirty="0" err="1">
+              <a:t>to photorealistic real-time scenes.</a:t>
+            </a:r>
+          </a:p>
+          <a:p>
+            <a:endParaRPr lang="en-PH" sz="500" kern="1200" dirty="0">
+              <a:solidFill>
+                <a:schemeClr val="tx1"/>
+              </a:solidFill>
+              <a:latin typeface="Lato" panose="020F0502020204030203" pitchFamily="34" charset="0"/>
+              <a:ea typeface="+mn-ea"/>
+              <a:cs typeface="+mn-cs"/>
+            </a:endParaRPr>
+          </a:p>
+          <a:p>
+            <a:r>
+              <a:rPr lang="en-US" sz="500" kern="1200" dirty="0">
                 <a:solidFill>
                   <a:schemeClr val="tx1"/>
                 </a:solidFill>
@@ -2518,8 +2613,10 @@
                 <a:ea typeface="+mn-ea"/>
                 <a:cs typeface="+mn-cs"/>
               </a:rPr>
-              <a:t>WebGLRenderer</a:t>
-            </a:r>
+              <a:t>Basically, Three.js runs on any of the modern browsers.</a:t>
+            </a:r>
+          </a:p>
+          <a:p>
             <a:r>
               <a:rPr lang="en-US" sz="500" kern="1200" dirty="0">
                 <a:solidFill>
@@ -2529,7 +2626,7 @@
                 <a:ea typeface="+mn-ea"/>
                 <a:cs typeface="+mn-cs"/>
               </a:rPr>
-              <a:t>' that uses your graphics card to render the scene.</a:t>
+              <a:t>It is also possible to run Three.js on mobile devices.</a:t>
             </a:r>
           </a:p>
           <a:p>
@@ -2555,7 +2652,7 @@
             <a:fld id="{0CB6685D-1DC3-467A-9755-A4FC0193B359}" type="slidenum">
               <a:rPr lang="en-US" smtClean="0"/>
               <a:pPr/>
-              <a:t>9</a:t>
+              <a:t>11</a:t>
             </a:fld>
             <a:endParaRPr lang="en-US" dirty="0"/>
           </a:p>
@@ -2564,7 +2661,7 @@
     </p:spTree>
     <p:extLst>
       <p:ext uri="{BB962C8B-B14F-4D97-AF65-F5344CB8AC3E}">
-        <p14:creationId xmlns:p14="http://schemas.microsoft.com/office/powerpoint/2010/main" val="4267344740"/>
+        <p14:creationId xmlns:p14="http://schemas.microsoft.com/office/powerpoint/2010/main" val="2436195109"/>
       </p:ext>
     </p:extLst>
   </p:cSld>
@@ -11208,2396 +11305,6 @@
           <p:cNvPr id="2" name="Title 1">
             <a:extLst>
               <a:ext uri="{FF2B5EF4-FFF2-40B4-BE49-F238E27FC236}">
-                <a16:creationId xmlns:a16="http://schemas.microsoft.com/office/drawing/2014/main" id="{0BA25EAF-76BD-4870-8ED9-DBD5F3677947}"/>
-              </a:ext>
-            </a:extLst>
-          </p:cNvPr>
-          <p:cNvSpPr>
-            <a:spLocks noGrp="1"/>
-          </p:cNvSpPr>
-          <p:nvPr>
-            <p:ph type="title"/>
-          </p:nvPr>
-        </p:nvSpPr>
-        <p:spPr/>
-        <p:txBody>
-          <a:bodyPr/>
-          <a:lstStyle/>
-          <a:p>
-            <a:r>
-              <a:rPr lang="en-PH" dirty="0"/>
-              <a:t>Materials, Lights, and Shadows</a:t>
-            </a:r>
-          </a:p>
-        </p:txBody>
-      </p:sp>
-      <p:sp>
-        <p:nvSpPr>
-          <p:cNvPr id="3" name="Text Placeholder 2">
-            <a:extLst>
-              <a:ext uri="{FF2B5EF4-FFF2-40B4-BE49-F238E27FC236}">
-                <a16:creationId xmlns:a16="http://schemas.microsoft.com/office/drawing/2014/main" id="{1A85301C-460C-4F21-BAEF-ADB3C94AD56B}"/>
-              </a:ext>
-            </a:extLst>
-          </p:cNvPr>
-          <p:cNvSpPr>
-            <a:spLocks noGrp="1"/>
-          </p:cNvSpPr>
-          <p:nvPr>
-            <p:ph type="body" sz="quarter" idx="10"/>
-          </p:nvPr>
-        </p:nvSpPr>
-        <p:spPr>
-          <a:xfrm>
-            <a:off x="245764" y="822614"/>
-            <a:ext cx="8549292" cy="1642794"/>
-          </a:xfrm>
-        </p:spPr>
-        <p:txBody>
-          <a:bodyPr/>
-          <a:lstStyle/>
-          <a:p>
-            <a:r>
-              <a:rPr lang="en-US" dirty="0"/>
-              <a:t>The material is like the skin of the object that defines what the outside of a geometry looks like.</a:t>
-            </a:r>
-          </a:p>
-          <a:p>
-            <a:r>
-              <a:rPr lang="en-US" dirty="0"/>
-              <a:t>Different materials respond differently to light.</a:t>
-            </a:r>
-          </a:p>
-          <a:p>
-            <a:endParaRPr lang="en-US" dirty="0"/>
-          </a:p>
-          <a:p>
-            <a:r>
-              <a:rPr lang="en-US" dirty="0"/>
-              <a:t>Lights - These have an effect on how materials are shown and used when creating shadow effects.</a:t>
-            </a:r>
-          </a:p>
-          <a:p>
-            <a:endParaRPr lang="en-PH" dirty="0"/>
-          </a:p>
-        </p:txBody>
-      </p:sp>
-      <p:sp>
-        <p:nvSpPr>
-          <p:cNvPr id="4" name="Footer Placeholder 3">
-            <a:extLst>
-              <a:ext uri="{FF2B5EF4-FFF2-40B4-BE49-F238E27FC236}">
-                <a16:creationId xmlns:a16="http://schemas.microsoft.com/office/drawing/2014/main" id="{84E83826-5BB3-4627-B4DB-43DDB3D16802}"/>
-              </a:ext>
-            </a:extLst>
-          </p:cNvPr>
-          <p:cNvSpPr>
-            <a:spLocks noGrp="1"/>
-          </p:cNvSpPr>
-          <p:nvPr>
-            <p:ph type="ftr" sz="quarter" idx="12"/>
-          </p:nvPr>
-        </p:nvSpPr>
-        <p:spPr/>
-        <p:txBody>
-          <a:bodyPr/>
-          <a:lstStyle/>
-          <a:p>
-            <a:r>
-              <a:rPr lang="en-GB" noProof="0"/>
-              <a:t>Swiss Software Engineering: </a:t>
-            </a:r>
-            <a:r>
-              <a:rPr lang="en-GB" b="1" noProof="0">
-                <a:latin typeface="Calibri"/>
-                <a:cs typeface="Calibri"/>
-              </a:rPr>
-              <a:t>betterask.erni</a:t>
-            </a:r>
-            <a:endParaRPr lang="en-GB" b="1" noProof="0" dirty="0">
-              <a:latin typeface="Calibri"/>
-              <a:cs typeface="Calibri"/>
-            </a:endParaRPr>
-          </a:p>
-        </p:txBody>
-      </p:sp>
-      <p:sp>
-        <p:nvSpPr>
-          <p:cNvPr id="5" name="Slide Number Placeholder 4">
-            <a:extLst>
-              <a:ext uri="{FF2B5EF4-FFF2-40B4-BE49-F238E27FC236}">
-                <a16:creationId xmlns:a16="http://schemas.microsoft.com/office/drawing/2014/main" id="{D071EBB8-A56D-4B75-BB58-00030B134957}"/>
-              </a:ext>
-            </a:extLst>
-          </p:cNvPr>
-          <p:cNvSpPr>
-            <a:spLocks noGrp="1"/>
-          </p:cNvSpPr>
-          <p:nvPr>
-            <p:ph type="sldNum" sz="quarter" idx="13"/>
-          </p:nvPr>
-        </p:nvSpPr>
-        <p:spPr/>
-        <p:txBody>
-          <a:bodyPr/>
-          <a:lstStyle/>
-          <a:p>
-            <a:fld id="{9F5F539E-0E69-451B-AC12-57C40F9178F7}" type="slidenum">
-              <a:rPr lang="en-GB" noProof="0" smtClean="0"/>
-              <a:pPr/>
-              <a:t>10</a:t>
-            </a:fld>
-            <a:endParaRPr lang="en-GB" noProof="0" dirty="0"/>
-          </a:p>
-        </p:txBody>
-      </p:sp>
-    </p:spTree>
-    <p:extLst>
-      <p:ext uri="{BB962C8B-B14F-4D97-AF65-F5344CB8AC3E}">
-        <p14:creationId xmlns:p14="http://schemas.microsoft.com/office/powerpoint/2010/main" val="4247981639"/>
-      </p:ext>
-    </p:extLst>
-  </p:cSld>
-  <p:clrMapOvr>
-    <a:masterClrMapping/>
-  </p:clrMapOvr>
-</p:sld>
-</file>
-
-<file path=ppt/slides/slide11.xml><?xml version="1.0" encoding="utf-8"?>
-<p:sld xmlns:a="http://schemas.openxmlformats.org/drawingml/2006/main" xmlns:r="http://schemas.openxmlformats.org/officeDocument/2006/relationships" xmlns:p="http://schemas.openxmlformats.org/presentationml/2006/main">
-  <p:cSld>
-    <p:spTree>
-      <p:nvGrpSpPr>
-        <p:cNvPr id="1" name=""/>
-        <p:cNvGrpSpPr/>
-        <p:nvPr/>
-      </p:nvGrpSpPr>
-      <p:grpSpPr>
-        <a:xfrm>
-          <a:off x="0" y="0"/>
-          <a:ext cx="0" cy="0"/>
-          <a:chOff x="0" y="0"/>
-          <a:chExt cx="0" cy="0"/>
-        </a:xfrm>
-      </p:grpSpPr>
-      <p:sp>
-        <p:nvSpPr>
-          <p:cNvPr id="2" name="Title 1">
-            <a:extLst>
-              <a:ext uri="{FF2B5EF4-FFF2-40B4-BE49-F238E27FC236}">
-                <a16:creationId xmlns:a16="http://schemas.microsoft.com/office/drawing/2014/main" id="{8A837DF9-6165-4DD3-9ECD-8C0B997AB081}"/>
-              </a:ext>
-            </a:extLst>
-          </p:cNvPr>
-          <p:cNvSpPr>
-            <a:spLocks noGrp="1"/>
-          </p:cNvSpPr>
-          <p:nvPr>
-            <p:ph type="title"/>
-          </p:nvPr>
-        </p:nvSpPr>
-        <p:spPr/>
-        <p:txBody>
-          <a:bodyPr/>
-          <a:lstStyle/>
-          <a:p>
-            <a:r>
-              <a:rPr lang="en-PH" dirty="0"/>
-              <a:t>Geometries (rendered with triangular Mesh technology)</a:t>
-            </a:r>
-          </a:p>
-        </p:txBody>
-      </p:sp>
-      <p:sp>
-        <p:nvSpPr>
-          <p:cNvPr id="3" name="Text Placeholder 2">
-            <a:extLst>
-              <a:ext uri="{FF2B5EF4-FFF2-40B4-BE49-F238E27FC236}">
-                <a16:creationId xmlns:a16="http://schemas.microsoft.com/office/drawing/2014/main" id="{1B65A60E-F2B7-451F-ABC0-8057B0E88657}"/>
-              </a:ext>
-            </a:extLst>
-          </p:cNvPr>
-          <p:cNvSpPr>
-            <a:spLocks noGrp="1"/>
-          </p:cNvSpPr>
-          <p:nvPr>
-            <p:ph type="body" sz="quarter" idx="10"/>
-          </p:nvPr>
-        </p:nvSpPr>
-        <p:spPr>
-          <a:xfrm>
-            <a:off x="245764" y="822612"/>
-            <a:ext cx="8549292" cy="3774325"/>
-          </a:xfrm>
-        </p:spPr>
-        <p:txBody>
-          <a:bodyPr/>
-          <a:lstStyle/>
-          <a:p>
-            <a:pPr marL="342900" indent="-342900">
-              <a:buAutoNum type="arabicPeriod"/>
-            </a:pPr>
-            <a:r>
-              <a:rPr lang="en-PH" dirty="0"/>
-              <a:t>Circle </a:t>
-            </a:r>
-          </a:p>
-          <a:p>
-            <a:pPr marL="342900" indent="-342900">
-              <a:buAutoNum type="arabicPeriod"/>
-            </a:pPr>
-            <a:r>
-              <a:rPr lang="en-PH" dirty="0"/>
-              <a:t>Ring</a:t>
-            </a:r>
-          </a:p>
-          <a:p>
-            <a:pPr marL="342900" indent="-342900">
-              <a:buAutoNum type="arabicPeriod"/>
-            </a:pPr>
-            <a:r>
-              <a:rPr lang="en-PH" dirty="0"/>
-              <a:t>Plane</a:t>
-            </a:r>
-          </a:p>
-          <a:p>
-            <a:pPr marL="342900" indent="-342900">
-              <a:buAutoNum type="arabicPeriod"/>
-            </a:pPr>
-            <a:r>
-              <a:rPr lang="en-PH" dirty="0"/>
-              <a:t>Shape</a:t>
-            </a:r>
-          </a:p>
-          <a:p>
-            <a:pPr marL="342900" indent="-342900">
-              <a:buAutoNum type="arabicPeriod"/>
-            </a:pPr>
-            <a:r>
-              <a:rPr lang="en-PH" dirty="0"/>
-              <a:t>Box</a:t>
-            </a:r>
-          </a:p>
-          <a:p>
-            <a:pPr marL="342900" indent="-342900">
-              <a:buAutoNum type="arabicPeriod"/>
-            </a:pPr>
-            <a:r>
-              <a:rPr lang="en-PH" dirty="0"/>
-              <a:t>Sphere </a:t>
-            </a:r>
-          </a:p>
-          <a:p>
-            <a:pPr marL="342900" indent="-342900">
-              <a:buAutoNum type="arabicPeriod"/>
-            </a:pPr>
-            <a:r>
-              <a:rPr lang="en-PH" dirty="0"/>
-              <a:t>Cylinder</a:t>
-            </a:r>
-          </a:p>
-          <a:p>
-            <a:pPr marL="342900" indent="-342900">
-              <a:buAutoNum type="arabicPeriod"/>
-            </a:pPr>
-            <a:r>
-              <a:rPr lang="en-PH" dirty="0"/>
-              <a:t>Torus</a:t>
-            </a:r>
-          </a:p>
-          <a:p>
-            <a:pPr marL="342900" indent="-342900">
-              <a:buAutoNum type="arabicPeriod"/>
-            </a:pPr>
-            <a:r>
-              <a:rPr lang="en-PH" dirty="0" err="1"/>
-              <a:t>TorusKnot</a:t>
-            </a:r>
-            <a:endParaRPr lang="en-PH" dirty="0"/>
-          </a:p>
-          <a:p>
-            <a:pPr marL="342900" indent="-342900">
-              <a:buAutoNum type="arabicPeriod"/>
-            </a:pPr>
-            <a:r>
-              <a:rPr lang="en-PH" dirty="0"/>
-              <a:t>Polyhedron</a:t>
-            </a:r>
-          </a:p>
-          <a:p>
-            <a:pPr marL="342900" indent="-342900">
-              <a:buAutoNum type="arabicPeriod"/>
-            </a:pPr>
-            <a:r>
-              <a:rPr lang="en-PH" dirty="0" err="1"/>
-              <a:t>IcosahedronGeometry</a:t>
-            </a:r>
-            <a:endParaRPr lang="en-PH" dirty="0"/>
-          </a:p>
-          <a:p>
-            <a:pPr marL="342900" indent="-342900">
-              <a:buAutoNum type="arabicPeriod"/>
-            </a:pPr>
-            <a:r>
-              <a:rPr lang="en-PH" dirty="0" err="1"/>
-              <a:t>OctahedronGeometry</a:t>
-            </a:r>
-            <a:endParaRPr lang="en-PH" dirty="0"/>
-          </a:p>
-          <a:p>
-            <a:pPr marL="342900" indent="-342900">
-              <a:buAutoNum type="arabicPeriod"/>
-            </a:pPr>
-            <a:r>
-              <a:rPr lang="en-PH" dirty="0"/>
-              <a:t>Text </a:t>
-            </a:r>
-            <a:r>
-              <a:rPr lang="en-PH" dirty="0" err="1"/>
-              <a:t>etc</a:t>
-            </a:r>
-            <a:endParaRPr lang="en-PH" dirty="0"/>
-          </a:p>
-        </p:txBody>
-      </p:sp>
-      <p:sp>
-        <p:nvSpPr>
-          <p:cNvPr id="4" name="Footer Placeholder 3">
-            <a:extLst>
-              <a:ext uri="{FF2B5EF4-FFF2-40B4-BE49-F238E27FC236}">
-                <a16:creationId xmlns:a16="http://schemas.microsoft.com/office/drawing/2014/main" id="{04966294-92F8-4A6A-8B08-460E6DD28B02}"/>
-              </a:ext>
-            </a:extLst>
-          </p:cNvPr>
-          <p:cNvSpPr>
-            <a:spLocks noGrp="1"/>
-          </p:cNvSpPr>
-          <p:nvPr>
-            <p:ph type="ftr" sz="quarter" idx="12"/>
-          </p:nvPr>
-        </p:nvSpPr>
-        <p:spPr/>
-        <p:txBody>
-          <a:bodyPr/>
-          <a:lstStyle/>
-          <a:p>
-            <a:r>
-              <a:rPr lang="en-GB" noProof="0"/>
-              <a:t>Swiss Software Engineering: </a:t>
-            </a:r>
-            <a:r>
-              <a:rPr lang="en-GB" b="1" noProof="0">
-                <a:latin typeface="Calibri"/>
-                <a:cs typeface="Calibri"/>
-              </a:rPr>
-              <a:t>betterask.erni</a:t>
-            </a:r>
-            <a:endParaRPr lang="en-GB" b="1" noProof="0" dirty="0">
-              <a:latin typeface="Calibri"/>
-              <a:cs typeface="Calibri"/>
-            </a:endParaRPr>
-          </a:p>
-        </p:txBody>
-      </p:sp>
-      <p:sp>
-        <p:nvSpPr>
-          <p:cNvPr id="5" name="Slide Number Placeholder 4">
-            <a:extLst>
-              <a:ext uri="{FF2B5EF4-FFF2-40B4-BE49-F238E27FC236}">
-                <a16:creationId xmlns:a16="http://schemas.microsoft.com/office/drawing/2014/main" id="{24D00C49-FDF7-466E-80A0-C13238577F17}"/>
-              </a:ext>
-            </a:extLst>
-          </p:cNvPr>
-          <p:cNvSpPr>
-            <a:spLocks noGrp="1"/>
-          </p:cNvSpPr>
-          <p:nvPr>
-            <p:ph type="sldNum" sz="quarter" idx="13"/>
-          </p:nvPr>
-        </p:nvSpPr>
-        <p:spPr/>
-        <p:txBody>
-          <a:bodyPr/>
-          <a:lstStyle/>
-          <a:p>
-            <a:fld id="{9F5F539E-0E69-451B-AC12-57C40F9178F7}" type="slidenum">
-              <a:rPr lang="en-GB" noProof="0" smtClean="0"/>
-              <a:pPr/>
-              <a:t>11</a:t>
-            </a:fld>
-            <a:endParaRPr lang="en-GB" noProof="0" dirty="0"/>
-          </a:p>
-        </p:txBody>
-      </p:sp>
-      <p:pic>
-        <p:nvPicPr>
-          <p:cNvPr id="6" name="Picture 5">
-            <a:extLst>
-              <a:ext uri="{FF2B5EF4-FFF2-40B4-BE49-F238E27FC236}">
-                <a16:creationId xmlns:a16="http://schemas.microsoft.com/office/drawing/2014/main" id="{0D55A50F-EB30-4BE8-877A-75B1B393453B}"/>
-              </a:ext>
-            </a:extLst>
-          </p:cNvPr>
-          <p:cNvPicPr>
-            <a:picLocks noChangeAspect="1"/>
-          </p:cNvPicPr>
-          <p:nvPr/>
-        </p:nvPicPr>
-        <p:blipFill>
-          <a:blip r:embed="rId3"/>
-          <a:stretch>
-            <a:fillRect/>
-          </a:stretch>
-        </p:blipFill>
-        <p:spPr>
-          <a:xfrm>
-            <a:off x="2996697" y="961051"/>
-            <a:ext cx="3680328" cy="3568086"/>
-          </a:xfrm>
-          <a:prstGeom prst="rect">
-            <a:avLst/>
-          </a:prstGeom>
-        </p:spPr>
-      </p:pic>
-    </p:spTree>
-    <p:extLst>
-      <p:ext uri="{BB962C8B-B14F-4D97-AF65-F5344CB8AC3E}">
-        <p14:creationId xmlns:p14="http://schemas.microsoft.com/office/powerpoint/2010/main" val="1481370410"/>
-      </p:ext>
-    </p:extLst>
-  </p:cSld>
-  <p:clrMapOvr>
-    <a:masterClrMapping/>
-  </p:clrMapOvr>
-</p:sld>
-</file>
-
-<file path=ppt/slides/slide12.xml><?xml version="1.0" encoding="utf-8"?>
-<p:sld xmlns:a="http://schemas.openxmlformats.org/drawingml/2006/main" xmlns:r="http://schemas.openxmlformats.org/officeDocument/2006/relationships" xmlns:p="http://schemas.openxmlformats.org/presentationml/2006/main">
-  <p:cSld>
-    <p:spTree>
-      <p:nvGrpSpPr>
-        <p:cNvPr id="1" name=""/>
-        <p:cNvGrpSpPr/>
-        <p:nvPr/>
-      </p:nvGrpSpPr>
-      <p:grpSpPr>
-        <a:xfrm>
-          <a:off x="0" y="0"/>
-          <a:ext cx="0" cy="0"/>
-          <a:chOff x="0" y="0"/>
-          <a:chExt cx="0" cy="0"/>
-        </a:xfrm>
-      </p:grpSpPr>
-      <p:sp>
-        <p:nvSpPr>
-          <p:cNvPr id="2" name="Title 1">
-            <a:extLst>
-              <a:ext uri="{FF2B5EF4-FFF2-40B4-BE49-F238E27FC236}">
-                <a16:creationId xmlns:a16="http://schemas.microsoft.com/office/drawing/2014/main" id="{8B569737-6362-443E-B5E8-B4F4AEA30A99}"/>
-              </a:ext>
-            </a:extLst>
-          </p:cNvPr>
-          <p:cNvSpPr>
-            <a:spLocks noGrp="1"/>
-          </p:cNvSpPr>
-          <p:nvPr>
-            <p:ph type="title"/>
-          </p:nvPr>
-        </p:nvSpPr>
-        <p:spPr/>
-        <p:txBody>
-          <a:bodyPr/>
-          <a:lstStyle/>
-          <a:p>
-            <a:r>
-              <a:rPr lang="en-PH" dirty="0"/>
-              <a:t>Sample</a:t>
-            </a:r>
-          </a:p>
-        </p:txBody>
-      </p:sp>
-      <p:sp>
-        <p:nvSpPr>
-          <p:cNvPr id="3" name="Text Placeholder 2">
-            <a:extLst>
-              <a:ext uri="{FF2B5EF4-FFF2-40B4-BE49-F238E27FC236}">
-                <a16:creationId xmlns:a16="http://schemas.microsoft.com/office/drawing/2014/main" id="{60C8D967-3AA6-4006-AF36-C7C8EC764784}"/>
-              </a:ext>
-            </a:extLst>
-          </p:cNvPr>
-          <p:cNvSpPr>
-            <a:spLocks noGrp="1"/>
-          </p:cNvSpPr>
-          <p:nvPr>
-            <p:ph type="body" sz="quarter" idx="10"/>
-          </p:nvPr>
-        </p:nvSpPr>
-        <p:spPr/>
-        <p:txBody>
-          <a:bodyPr/>
-          <a:lstStyle/>
-          <a:p>
-            <a:endParaRPr lang="en-PH"/>
-          </a:p>
-        </p:txBody>
-      </p:sp>
-      <p:sp>
-        <p:nvSpPr>
-          <p:cNvPr id="4" name="Footer Placeholder 3">
-            <a:extLst>
-              <a:ext uri="{FF2B5EF4-FFF2-40B4-BE49-F238E27FC236}">
-                <a16:creationId xmlns:a16="http://schemas.microsoft.com/office/drawing/2014/main" id="{F0202C52-58E7-4DBF-AB9B-C4CE1B34706F}"/>
-              </a:ext>
-            </a:extLst>
-          </p:cNvPr>
-          <p:cNvSpPr>
-            <a:spLocks noGrp="1"/>
-          </p:cNvSpPr>
-          <p:nvPr>
-            <p:ph type="ftr" sz="quarter" idx="12"/>
-          </p:nvPr>
-        </p:nvSpPr>
-        <p:spPr/>
-        <p:txBody>
-          <a:bodyPr/>
-          <a:lstStyle/>
-          <a:p>
-            <a:r>
-              <a:rPr lang="en-GB" noProof="0"/>
-              <a:t>Swiss Software Engineering: </a:t>
-            </a:r>
-            <a:r>
-              <a:rPr lang="en-GB" b="1" noProof="0">
-                <a:latin typeface="Calibri"/>
-                <a:cs typeface="Calibri"/>
-              </a:rPr>
-              <a:t>betterask.erni</a:t>
-            </a:r>
-            <a:endParaRPr lang="en-GB" b="1" noProof="0" dirty="0">
-              <a:latin typeface="Calibri"/>
-              <a:cs typeface="Calibri"/>
-            </a:endParaRPr>
-          </a:p>
-        </p:txBody>
-      </p:sp>
-      <p:sp>
-        <p:nvSpPr>
-          <p:cNvPr id="5" name="Slide Number Placeholder 4">
-            <a:extLst>
-              <a:ext uri="{FF2B5EF4-FFF2-40B4-BE49-F238E27FC236}">
-                <a16:creationId xmlns:a16="http://schemas.microsoft.com/office/drawing/2014/main" id="{DE146642-359F-4879-8F3A-63446852B4FA}"/>
-              </a:ext>
-            </a:extLst>
-          </p:cNvPr>
-          <p:cNvSpPr>
-            <a:spLocks noGrp="1"/>
-          </p:cNvSpPr>
-          <p:nvPr>
-            <p:ph type="sldNum" sz="quarter" idx="13"/>
-          </p:nvPr>
-        </p:nvSpPr>
-        <p:spPr/>
-        <p:txBody>
-          <a:bodyPr/>
-          <a:lstStyle/>
-          <a:p>
-            <a:fld id="{9F5F539E-0E69-451B-AC12-57C40F9178F7}" type="slidenum">
-              <a:rPr lang="en-GB" noProof="0" smtClean="0"/>
-              <a:pPr/>
-              <a:t>12</a:t>
-            </a:fld>
-            <a:endParaRPr lang="en-GB" noProof="0" dirty="0"/>
-          </a:p>
-        </p:txBody>
-      </p:sp>
-    </p:spTree>
-    <p:extLst>
-      <p:ext uri="{BB962C8B-B14F-4D97-AF65-F5344CB8AC3E}">
-        <p14:creationId xmlns:p14="http://schemas.microsoft.com/office/powerpoint/2010/main" val="2612721371"/>
-      </p:ext>
-    </p:extLst>
-  </p:cSld>
-  <p:clrMapOvr>
-    <a:masterClrMapping/>
-  </p:clrMapOvr>
-</p:sld>
-</file>
-
-<file path=ppt/slides/slide13.xml><?xml version="1.0" encoding="utf-8"?>
-<p:sld xmlns:a="http://schemas.openxmlformats.org/drawingml/2006/main" xmlns:r="http://schemas.openxmlformats.org/officeDocument/2006/relationships" xmlns:p="http://schemas.openxmlformats.org/presentationml/2006/main">
-  <p:cSld>
-    <p:spTree>
-      <p:nvGrpSpPr>
-        <p:cNvPr id="1" name=""/>
-        <p:cNvGrpSpPr/>
-        <p:nvPr/>
-      </p:nvGrpSpPr>
-      <p:grpSpPr>
-        <a:xfrm>
-          <a:off x="0" y="0"/>
-          <a:ext cx="0" cy="0"/>
-          <a:chOff x="0" y="0"/>
-          <a:chExt cx="0" cy="0"/>
-        </a:xfrm>
-      </p:grpSpPr>
-      <p:sp>
-        <p:nvSpPr>
-          <p:cNvPr id="2" name="Title 1">
-            <a:extLst>
-              <a:ext uri="{FF2B5EF4-FFF2-40B4-BE49-F238E27FC236}">
-                <a16:creationId xmlns:a16="http://schemas.microsoft.com/office/drawing/2014/main" id="{1EC31602-A94F-45AF-8978-33BC0F94D8B7}"/>
-              </a:ext>
-            </a:extLst>
-          </p:cNvPr>
-          <p:cNvSpPr>
-            <a:spLocks noGrp="1"/>
-          </p:cNvSpPr>
-          <p:nvPr>
-            <p:ph type="title"/>
-          </p:nvPr>
-        </p:nvSpPr>
-        <p:spPr/>
-        <p:txBody>
-          <a:bodyPr/>
-          <a:lstStyle/>
-          <a:p>
-            <a:r>
-              <a:rPr lang="en-PH" dirty="0"/>
-              <a:t>Gamepad API</a:t>
-            </a:r>
-          </a:p>
-        </p:txBody>
-      </p:sp>
-      <p:sp>
-        <p:nvSpPr>
-          <p:cNvPr id="3" name="Text Placeholder 2">
-            <a:extLst>
-              <a:ext uri="{FF2B5EF4-FFF2-40B4-BE49-F238E27FC236}">
-                <a16:creationId xmlns:a16="http://schemas.microsoft.com/office/drawing/2014/main" id="{DBF856BA-0D1B-4F35-A1DA-4DBB7DD3494D}"/>
-              </a:ext>
-            </a:extLst>
-          </p:cNvPr>
-          <p:cNvSpPr>
-            <a:spLocks noGrp="1"/>
-          </p:cNvSpPr>
-          <p:nvPr>
-            <p:ph type="body" sz="quarter" idx="10"/>
-          </p:nvPr>
-        </p:nvSpPr>
-        <p:spPr>
-          <a:xfrm>
-            <a:off x="245764" y="822614"/>
-            <a:ext cx="8549292" cy="855715"/>
-          </a:xfrm>
-        </p:spPr>
-        <p:txBody>
-          <a:bodyPr/>
-          <a:lstStyle/>
-          <a:p>
-            <a:r>
-              <a:rPr lang="en-US" dirty="0"/>
-              <a:t>The Gamepad API is a way for developers and designers to access and use gamepads and other game controllers.</a:t>
-            </a:r>
-          </a:p>
-          <a:p>
-            <a:r>
-              <a:rPr lang="en-US" dirty="0"/>
-              <a:t>- Connecting to gamepad</a:t>
-            </a:r>
-          </a:p>
-          <a:p>
-            <a:endParaRPr lang="en-PH" dirty="0"/>
-          </a:p>
-        </p:txBody>
-      </p:sp>
-      <p:sp>
-        <p:nvSpPr>
-          <p:cNvPr id="4" name="Footer Placeholder 3">
-            <a:extLst>
-              <a:ext uri="{FF2B5EF4-FFF2-40B4-BE49-F238E27FC236}">
-                <a16:creationId xmlns:a16="http://schemas.microsoft.com/office/drawing/2014/main" id="{6646BEA3-FA64-49FB-B7A6-49FC01A675B5}"/>
-              </a:ext>
-            </a:extLst>
-          </p:cNvPr>
-          <p:cNvSpPr>
-            <a:spLocks noGrp="1"/>
-          </p:cNvSpPr>
-          <p:nvPr>
-            <p:ph type="ftr" sz="quarter" idx="12"/>
-          </p:nvPr>
-        </p:nvSpPr>
-        <p:spPr/>
-        <p:txBody>
-          <a:bodyPr/>
-          <a:lstStyle/>
-          <a:p>
-            <a:r>
-              <a:rPr lang="en-GB" noProof="0"/>
-              <a:t>Swiss Software Engineering: </a:t>
-            </a:r>
-            <a:r>
-              <a:rPr lang="en-GB" b="1" noProof="0">
-                <a:latin typeface="Calibri"/>
-                <a:cs typeface="Calibri"/>
-              </a:rPr>
-              <a:t>betterask.erni</a:t>
-            </a:r>
-            <a:endParaRPr lang="en-GB" b="1" noProof="0" dirty="0">
-              <a:latin typeface="Calibri"/>
-              <a:cs typeface="Calibri"/>
-            </a:endParaRPr>
-          </a:p>
-        </p:txBody>
-      </p:sp>
-      <p:sp>
-        <p:nvSpPr>
-          <p:cNvPr id="5" name="Slide Number Placeholder 4">
-            <a:extLst>
-              <a:ext uri="{FF2B5EF4-FFF2-40B4-BE49-F238E27FC236}">
-                <a16:creationId xmlns:a16="http://schemas.microsoft.com/office/drawing/2014/main" id="{35F640F2-6243-4958-BB31-30FAF6034E9F}"/>
-              </a:ext>
-            </a:extLst>
-          </p:cNvPr>
-          <p:cNvSpPr>
-            <a:spLocks noGrp="1"/>
-          </p:cNvSpPr>
-          <p:nvPr>
-            <p:ph type="sldNum" sz="quarter" idx="13"/>
-          </p:nvPr>
-        </p:nvSpPr>
-        <p:spPr/>
-        <p:txBody>
-          <a:bodyPr/>
-          <a:lstStyle/>
-          <a:p>
-            <a:fld id="{9F5F539E-0E69-451B-AC12-57C40F9178F7}" type="slidenum">
-              <a:rPr lang="en-GB" noProof="0" smtClean="0"/>
-              <a:pPr/>
-              <a:t>13</a:t>
-            </a:fld>
-            <a:endParaRPr lang="en-GB" noProof="0" dirty="0"/>
-          </a:p>
-        </p:txBody>
-      </p:sp>
-    </p:spTree>
-    <p:extLst>
-      <p:ext uri="{BB962C8B-B14F-4D97-AF65-F5344CB8AC3E}">
-        <p14:creationId xmlns:p14="http://schemas.microsoft.com/office/powerpoint/2010/main" val="3446657906"/>
-      </p:ext>
-    </p:extLst>
-  </p:cSld>
-  <p:clrMapOvr>
-    <a:masterClrMapping/>
-  </p:clrMapOvr>
-</p:sld>
-</file>
-
-<file path=ppt/slides/slide14.xml><?xml version="1.0" encoding="utf-8"?>
-<p:sld xmlns:a="http://schemas.openxmlformats.org/drawingml/2006/main" xmlns:r="http://schemas.openxmlformats.org/officeDocument/2006/relationships" xmlns:p="http://schemas.openxmlformats.org/presentationml/2006/main">
-  <p:cSld>
-    <p:spTree>
-      <p:nvGrpSpPr>
-        <p:cNvPr id="1" name=""/>
-        <p:cNvGrpSpPr/>
-        <p:nvPr/>
-      </p:nvGrpSpPr>
-      <p:grpSpPr>
-        <a:xfrm>
-          <a:off x="0" y="0"/>
-          <a:ext cx="0" cy="0"/>
-          <a:chOff x="0" y="0"/>
-          <a:chExt cx="0" cy="0"/>
-        </a:xfrm>
-      </p:grpSpPr>
-      <p:sp>
-        <p:nvSpPr>
-          <p:cNvPr id="2" name="Title 1">
-            <a:extLst>
-              <a:ext uri="{FF2B5EF4-FFF2-40B4-BE49-F238E27FC236}">
-                <a16:creationId xmlns:a16="http://schemas.microsoft.com/office/drawing/2014/main" id="{47BB6A11-2BE6-49CD-ACD4-5E193752A81E}"/>
-              </a:ext>
-            </a:extLst>
-          </p:cNvPr>
-          <p:cNvSpPr>
-            <a:spLocks noGrp="1"/>
-          </p:cNvSpPr>
-          <p:nvPr>
-            <p:ph type="title"/>
-          </p:nvPr>
-        </p:nvSpPr>
-        <p:spPr/>
-        <p:txBody>
-          <a:bodyPr/>
-          <a:lstStyle/>
-          <a:p>
-            <a:r>
-              <a:rPr lang="en-PH" dirty="0"/>
-              <a:t>Thank you so much </a:t>
-            </a:r>
-            <a:r>
-              <a:rPr lang="en-PH" dirty="0">
-                <a:sym typeface="Wingdings" panose="05000000000000000000" pitchFamily="2" charset="2"/>
-              </a:rPr>
-              <a:t></a:t>
-            </a:r>
-            <a:endParaRPr lang="en-PH" dirty="0"/>
-          </a:p>
-        </p:txBody>
-      </p:sp>
-      <p:sp>
-        <p:nvSpPr>
-          <p:cNvPr id="3" name="Text Placeholder 2">
-            <a:extLst>
-              <a:ext uri="{FF2B5EF4-FFF2-40B4-BE49-F238E27FC236}">
-                <a16:creationId xmlns:a16="http://schemas.microsoft.com/office/drawing/2014/main" id="{786355E4-9103-4E17-B219-A00DAA773F18}"/>
-              </a:ext>
-            </a:extLst>
-          </p:cNvPr>
-          <p:cNvSpPr>
-            <a:spLocks noGrp="1"/>
-          </p:cNvSpPr>
-          <p:nvPr>
-            <p:ph type="body" sz="quarter" idx="10"/>
-          </p:nvPr>
-        </p:nvSpPr>
-        <p:spPr/>
-        <p:txBody>
-          <a:bodyPr/>
-          <a:lstStyle/>
-          <a:p>
-            <a:endParaRPr lang="en-PH" dirty="0"/>
-          </a:p>
-        </p:txBody>
-      </p:sp>
-      <p:sp>
-        <p:nvSpPr>
-          <p:cNvPr id="4" name="Footer Placeholder 3">
-            <a:extLst>
-              <a:ext uri="{FF2B5EF4-FFF2-40B4-BE49-F238E27FC236}">
-                <a16:creationId xmlns:a16="http://schemas.microsoft.com/office/drawing/2014/main" id="{13965F57-3AA5-4FE9-BA51-7B6A2CD0C57C}"/>
-              </a:ext>
-            </a:extLst>
-          </p:cNvPr>
-          <p:cNvSpPr>
-            <a:spLocks noGrp="1"/>
-          </p:cNvSpPr>
-          <p:nvPr>
-            <p:ph type="ftr" sz="quarter" idx="12"/>
-          </p:nvPr>
-        </p:nvSpPr>
-        <p:spPr/>
-        <p:txBody>
-          <a:bodyPr/>
-          <a:lstStyle/>
-          <a:p>
-            <a:r>
-              <a:rPr lang="en-GB" noProof="0"/>
-              <a:t>Swiss Software Engineering: </a:t>
-            </a:r>
-            <a:r>
-              <a:rPr lang="en-GB" b="1" noProof="0">
-                <a:latin typeface="Calibri"/>
-                <a:cs typeface="Calibri"/>
-              </a:rPr>
-              <a:t>betterask.erni</a:t>
-            </a:r>
-            <a:endParaRPr lang="en-GB" b="1" noProof="0" dirty="0">
-              <a:latin typeface="Calibri"/>
-              <a:cs typeface="Calibri"/>
-            </a:endParaRPr>
-          </a:p>
-        </p:txBody>
-      </p:sp>
-      <p:sp>
-        <p:nvSpPr>
-          <p:cNvPr id="5" name="Slide Number Placeholder 4">
-            <a:extLst>
-              <a:ext uri="{FF2B5EF4-FFF2-40B4-BE49-F238E27FC236}">
-                <a16:creationId xmlns:a16="http://schemas.microsoft.com/office/drawing/2014/main" id="{AA1DDC62-9103-4096-9C73-7BEC4BE7A779}"/>
-              </a:ext>
-            </a:extLst>
-          </p:cNvPr>
-          <p:cNvSpPr>
-            <a:spLocks noGrp="1"/>
-          </p:cNvSpPr>
-          <p:nvPr>
-            <p:ph type="sldNum" sz="quarter" idx="13"/>
-          </p:nvPr>
-        </p:nvSpPr>
-        <p:spPr/>
-        <p:txBody>
-          <a:bodyPr/>
-          <a:lstStyle/>
-          <a:p>
-            <a:fld id="{9F5F539E-0E69-451B-AC12-57C40F9178F7}" type="slidenum">
-              <a:rPr lang="en-GB" noProof="0" smtClean="0"/>
-              <a:pPr/>
-              <a:t>14</a:t>
-            </a:fld>
-            <a:endParaRPr lang="en-GB" noProof="0" dirty="0"/>
-          </a:p>
-        </p:txBody>
-      </p:sp>
-    </p:spTree>
-    <p:extLst>
-      <p:ext uri="{BB962C8B-B14F-4D97-AF65-F5344CB8AC3E}">
-        <p14:creationId xmlns:p14="http://schemas.microsoft.com/office/powerpoint/2010/main" val="3266900472"/>
-      </p:ext>
-    </p:extLst>
-  </p:cSld>
-  <p:clrMapOvr>
-    <a:masterClrMapping/>
-  </p:clrMapOvr>
-</p:sld>
-</file>
-
-<file path=ppt/slides/slide15.xml><?xml version="1.0" encoding="utf-8"?>
-<p:sld xmlns:a="http://schemas.openxmlformats.org/drawingml/2006/main" xmlns:r="http://schemas.openxmlformats.org/officeDocument/2006/relationships" xmlns:p="http://schemas.openxmlformats.org/presentationml/2006/main">
-  <p:cSld>
-    <p:spTree>
-      <p:nvGrpSpPr>
-        <p:cNvPr id="1" name=""/>
-        <p:cNvGrpSpPr/>
-        <p:nvPr/>
-      </p:nvGrpSpPr>
-      <p:grpSpPr>
-        <a:xfrm>
-          <a:off x="0" y="0"/>
-          <a:ext cx="0" cy="0"/>
-          <a:chOff x="0" y="0"/>
-          <a:chExt cx="0" cy="0"/>
-        </a:xfrm>
-      </p:grpSpPr>
-    </p:spTree>
-    <p:extLst>
-      <p:ext uri="{BB962C8B-B14F-4D97-AF65-F5344CB8AC3E}">
-        <p14:creationId xmlns:p14="http://schemas.microsoft.com/office/powerpoint/2010/main" val="269812124"/>
-      </p:ext>
-    </p:extLst>
-  </p:cSld>
-  <p:clrMapOvr>
-    <a:masterClrMapping/>
-  </p:clrMapOvr>
-</p:sld>
-</file>
-
-<file path=ppt/slides/slide2.xml><?xml version="1.0" encoding="utf-8"?>
-<p:sld xmlns:a="http://schemas.openxmlformats.org/drawingml/2006/main" xmlns:r="http://schemas.openxmlformats.org/officeDocument/2006/relationships" xmlns:p="http://schemas.openxmlformats.org/presentationml/2006/main">
-  <p:cSld>
-    <p:spTree>
-      <p:nvGrpSpPr>
-        <p:cNvPr id="1" name=""/>
-        <p:cNvGrpSpPr/>
-        <p:nvPr/>
-      </p:nvGrpSpPr>
-      <p:grpSpPr>
-        <a:xfrm>
-          <a:off x="0" y="0"/>
-          <a:ext cx="0" cy="0"/>
-          <a:chOff x="0" y="0"/>
-          <a:chExt cx="0" cy="0"/>
-        </a:xfrm>
-      </p:grpSpPr>
-      <p:sp>
-        <p:nvSpPr>
-          <p:cNvPr id="2" name="Title 1">
-            <a:extLst>
-              <a:ext uri="{FF2B5EF4-FFF2-40B4-BE49-F238E27FC236}">
-                <a16:creationId xmlns:a16="http://schemas.microsoft.com/office/drawing/2014/main" id="{CAEC3679-2AFD-49B3-9677-F615FE2AAA96}"/>
-              </a:ext>
-            </a:extLst>
-          </p:cNvPr>
-          <p:cNvSpPr>
-            <a:spLocks noGrp="1"/>
-          </p:cNvSpPr>
-          <p:nvPr>
-            <p:ph type="title"/>
-          </p:nvPr>
-        </p:nvSpPr>
-        <p:spPr/>
-        <p:txBody>
-          <a:bodyPr/>
-          <a:lstStyle/>
-          <a:p>
-            <a:r>
-              <a:rPr lang="en-PH" dirty="0"/>
-              <a:t>Purpose</a:t>
-            </a:r>
-          </a:p>
-        </p:txBody>
-      </p:sp>
-      <p:sp>
-        <p:nvSpPr>
-          <p:cNvPr id="3" name="Text Placeholder 2">
-            <a:extLst>
-              <a:ext uri="{FF2B5EF4-FFF2-40B4-BE49-F238E27FC236}">
-                <a16:creationId xmlns:a16="http://schemas.microsoft.com/office/drawing/2014/main" id="{857A2F18-B8A2-4782-9390-FF89FB7CECB4}"/>
-              </a:ext>
-            </a:extLst>
-          </p:cNvPr>
-          <p:cNvSpPr>
-            <a:spLocks noGrp="1"/>
-          </p:cNvSpPr>
-          <p:nvPr>
-            <p:ph type="body" sz="quarter" idx="10"/>
-          </p:nvPr>
-        </p:nvSpPr>
-        <p:spPr>
-          <a:xfrm>
-            <a:off x="245764" y="822613"/>
-            <a:ext cx="8549292" cy="2022999"/>
-          </a:xfrm>
-        </p:spPr>
-        <p:txBody>
-          <a:bodyPr/>
-          <a:lstStyle/>
-          <a:p>
-            <a:pPr marL="285750" indent="-285750">
-              <a:buFontTx/>
-              <a:buChar char="-"/>
-            </a:pPr>
-            <a:r>
-              <a:rPr lang="en-PH" dirty="0"/>
-              <a:t>to motivate developers to work on 3D programming using their favorite browser</a:t>
-            </a:r>
-          </a:p>
-          <a:p>
-            <a:pPr marL="285750" indent="-285750">
-              <a:buFontTx/>
-              <a:buChar char="-"/>
-            </a:pPr>
-            <a:r>
-              <a:rPr lang="en-PH" dirty="0"/>
-              <a:t>encourage everyone to explore game programming</a:t>
-            </a:r>
-          </a:p>
-          <a:p>
-            <a:pPr marL="285750" indent="-285750">
-              <a:buFontTx/>
-              <a:buChar char="-"/>
-            </a:pPr>
-            <a:r>
-              <a:rPr lang="en-PH" dirty="0"/>
-              <a:t>discover modern browser’s potential</a:t>
-            </a:r>
-          </a:p>
-          <a:p>
-            <a:pPr marL="285750" indent="-285750">
-              <a:buFontTx/>
-              <a:buChar char="-"/>
-            </a:pPr>
-            <a:r>
-              <a:rPr lang="en-PH" dirty="0"/>
-              <a:t>To encourage developers to deep dive into web graphics language and libraries</a:t>
-            </a:r>
-          </a:p>
-          <a:p>
-            <a:pPr marL="285750" indent="-285750">
-              <a:buFontTx/>
-              <a:buChar char="-"/>
-            </a:pPr>
-            <a:r>
-              <a:rPr lang="en-PH" dirty="0"/>
-              <a:t>to refresh terms in 3D world</a:t>
-            </a:r>
-          </a:p>
-          <a:p>
-            <a:pPr marL="285750" indent="-285750">
-              <a:buFontTx/>
-              <a:buChar char="-"/>
-            </a:pPr>
-            <a:r>
-              <a:rPr lang="en-PH" dirty="0"/>
-              <a:t>to appreciate the shape of nature and art</a:t>
-            </a:r>
-          </a:p>
-        </p:txBody>
-      </p:sp>
-      <p:sp>
-        <p:nvSpPr>
-          <p:cNvPr id="4" name="Footer Placeholder 3">
-            <a:extLst>
-              <a:ext uri="{FF2B5EF4-FFF2-40B4-BE49-F238E27FC236}">
-                <a16:creationId xmlns:a16="http://schemas.microsoft.com/office/drawing/2014/main" id="{E8DC8C89-64A4-4632-A5DD-DD38705F6181}"/>
-              </a:ext>
-            </a:extLst>
-          </p:cNvPr>
-          <p:cNvSpPr>
-            <a:spLocks noGrp="1"/>
-          </p:cNvSpPr>
-          <p:nvPr>
-            <p:ph type="ftr" sz="quarter" idx="12"/>
-          </p:nvPr>
-        </p:nvSpPr>
-        <p:spPr/>
-        <p:txBody>
-          <a:bodyPr/>
-          <a:lstStyle/>
-          <a:p>
-            <a:r>
-              <a:rPr lang="en-GB" noProof="0"/>
-              <a:t>Swiss Software Engineering: </a:t>
-            </a:r>
-            <a:r>
-              <a:rPr lang="en-GB" b="1" noProof="0">
-                <a:latin typeface="Calibri"/>
-                <a:cs typeface="Calibri"/>
-              </a:rPr>
-              <a:t>betterask.erni</a:t>
-            </a:r>
-            <a:endParaRPr lang="en-GB" b="1" noProof="0" dirty="0">
-              <a:latin typeface="Calibri"/>
-              <a:cs typeface="Calibri"/>
-            </a:endParaRPr>
-          </a:p>
-        </p:txBody>
-      </p:sp>
-      <p:sp>
-        <p:nvSpPr>
-          <p:cNvPr id="5" name="Slide Number Placeholder 4">
-            <a:extLst>
-              <a:ext uri="{FF2B5EF4-FFF2-40B4-BE49-F238E27FC236}">
-                <a16:creationId xmlns:a16="http://schemas.microsoft.com/office/drawing/2014/main" id="{31D66420-7FFC-4A61-9954-74F8639806A7}"/>
-              </a:ext>
-            </a:extLst>
-          </p:cNvPr>
-          <p:cNvSpPr>
-            <a:spLocks noGrp="1"/>
-          </p:cNvSpPr>
-          <p:nvPr>
-            <p:ph type="sldNum" sz="quarter" idx="13"/>
-          </p:nvPr>
-        </p:nvSpPr>
-        <p:spPr/>
-        <p:txBody>
-          <a:bodyPr/>
-          <a:lstStyle/>
-          <a:p>
-            <a:fld id="{9F5F539E-0E69-451B-AC12-57C40F9178F7}" type="slidenum">
-              <a:rPr lang="en-GB" noProof="0" smtClean="0"/>
-              <a:pPr/>
-              <a:t>2</a:t>
-            </a:fld>
-            <a:endParaRPr lang="en-GB" noProof="0" dirty="0"/>
-          </a:p>
-        </p:txBody>
-      </p:sp>
-      <p:pic>
-        <p:nvPicPr>
-          <p:cNvPr id="7" name="Picture 6">
-            <a:extLst>
-              <a:ext uri="{FF2B5EF4-FFF2-40B4-BE49-F238E27FC236}">
-                <a16:creationId xmlns:a16="http://schemas.microsoft.com/office/drawing/2014/main" id="{E46197A6-9A8E-45AA-BE70-E42383844848}"/>
-              </a:ext>
-            </a:extLst>
-          </p:cNvPr>
-          <p:cNvPicPr>
-            <a:picLocks noChangeAspect="1"/>
-          </p:cNvPicPr>
-          <p:nvPr/>
-        </p:nvPicPr>
-        <p:blipFill>
-          <a:blip r:embed="rId3"/>
-          <a:stretch>
-            <a:fillRect/>
-          </a:stretch>
-        </p:blipFill>
-        <p:spPr>
-          <a:xfrm>
-            <a:off x="1191422" y="2712376"/>
-            <a:ext cx="6657975" cy="2119793"/>
-          </a:xfrm>
-          <a:prstGeom prst="rect">
-            <a:avLst/>
-          </a:prstGeom>
-        </p:spPr>
-      </p:pic>
-    </p:spTree>
-    <p:extLst>
-      <p:ext uri="{BB962C8B-B14F-4D97-AF65-F5344CB8AC3E}">
-        <p14:creationId xmlns:p14="http://schemas.microsoft.com/office/powerpoint/2010/main" val="1970054128"/>
-      </p:ext>
-    </p:extLst>
-  </p:cSld>
-  <p:clrMapOvr>
-    <a:masterClrMapping/>
-  </p:clrMapOvr>
-</p:sld>
-</file>
-
-<file path=ppt/slides/slide3.xml><?xml version="1.0" encoding="utf-8"?>
-<p:sld xmlns:a="http://schemas.openxmlformats.org/drawingml/2006/main" xmlns:r="http://schemas.openxmlformats.org/officeDocument/2006/relationships" xmlns:p="http://schemas.openxmlformats.org/presentationml/2006/main">
-  <p:cSld>
-    <p:spTree>
-      <p:nvGrpSpPr>
-        <p:cNvPr id="1" name=""/>
-        <p:cNvGrpSpPr/>
-        <p:nvPr/>
-      </p:nvGrpSpPr>
-      <p:grpSpPr>
-        <a:xfrm>
-          <a:off x="0" y="0"/>
-          <a:ext cx="0" cy="0"/>
-          <a:chOff x="0" y="0"/>
-          <a:chExt cx="0" cy="0"/>
-        </a:xfrm>
-      </p:grpSpPr>
-      <p:sp>
-        <p:nvSpPr>
-          <p:cNvPr id="2" name="Title 1">
-            <a:extLst>
-              <a:ext uri="{FF2B5EF4-FFF2-40B4-BE49-F238E27FC236}">
-                <a16:creationId xmlns:a16="http://schemas.microsoft.com/office/drawing/2014/main" id="{B76F2E55-D00D-4F94-9C44-7786478CAD6A}"/>
-              </a:ext>
-            </a:extLst>
-          </p:cNvPr>
-          <p:cNvSpPr>
-            <a:spLocks noGrp="1"/>
-          </p:cNvSpPr>
-          <p:nvPr>
-            <p:ph type="title"/>
-          </p:nvPr>
-        </p:nvSpPr>
-        <p:spPr/>
-        <p:txBody>
-          <a:bodyPr/>
-          <a:lstStyle/>
-          <a:p>
-            <a:r>
-              <a:rPr lang="en-PH" dirty="0"/>
-              <a:t>For me:</a:t>
-            </a:r>
-          </a:p>
-        </p:txBody>
-      </p:sp>
-      <p:sp>
-        <p:nvSpPr>
-          <p:cNvPr id="3" name="Text Placeholder 2">
-            <a:extLst>
-              <a:ext uri="{FF2B5EF4-FFF2-40B4-BE49-F238E27FC236}">
-                <a16:creationId xmlns:a16="http://schemas.microsoft.com/office/drawing/2014/main" id="{F32C3765-E489-407D-B347-144E6ED9AA35}"/>
-              </a:ext>
-            </a:extLst>
-          </p:cNvPr>
-          <p:cNvSpPr>
-            <a:spLocks noGrp="1"/>
-          </p:cNvSpPr>
-          <p:nvPr>
-            <p:ph type="body" sz="quarter" idx="10"/>
-          </p:nvPr>
-        </p:nvSpPr>
-        <p:spPr>
-          <a:xfrm>
-            <a:off x="233535" y="1068200"/>
-            <a:ext cx="8549292" cy="1294609"/>
-          </a:xfrm>
-        </p:spPr>
-        <p:txBody>
-          <a:bodyPr/>
-          <a:lstStyle/>
-          <a:p>
-            <a:pPr marL="285750" indent="-285750">
-              <a:buFontTx/>
-              <a:buChar char="-"/>
-            </a:pPr>
-            <a:r>
-              <a:rPr lang="en-PH" dirty="0"/>
-              <a:t>Understanding JavaScript 3D is for everyone.</a:t>
-            </a:r>
-          </a:p>
-          <a:p>
-            <a:pPr marL="285750" indent="-285750">
-              <a:buFontTx/>
-              <a:buChar char="-"/>
-            </a:pPr>
-            <a:r>
-              <a:rPr lang="en-PH" dirty="0"/>
-              <a:t>Your imagination is your limit.</a:t>
-            </a:r>
-          </a:p>
-          <a:p>
-            <a:pPr marL="285750" indent="-285750">
-              <a:buFontTx/>
-              <a:buChar char="-"/>
-            </a:pPr>
-            <a:r>
-              <a:rPr lang="en-PH" dirty="0"/>
-              <a:t>Your browser is your best friend.</a:t>
-            </a:r>
-          </a:p>
-        </p:txBody>
-      </p:sp>
-      <p:sp>
-        <p:nvSpPr>
-          <p:cNvPr id="4" name="Footer Placeholder 3">
-            <a:extLst>
-              <a:ext uri="{FF2B5EF4-FFF2-40B4-BE49-F238E27FC236}">
-                <a16:creationId xmlns:a16="http://schemas.microsoft.com/office/drawing/2014/main" id="{CE0B1724-32FF-435E-AA41-3E5F327DE364}"/>
-              </a:ext>
-            </a:extLst>
-          </p:cNvPr>
-          <p:cNvSpPr>
-            <a:spLocks noGrp="1"/>
-          </p:cNvSpPr>
-          <p:nvPr>
-            <p:ph type="ftr" sz="quarter" idx="12"/>
-          </p:nvPr>
-        </p:nvSpPr>
-        <p:spPr/>
-        <p:txBody>
-          <a:bodyPr/>
-          <a:lstStyle/>
-          <a:p>
-            <a:r>
-              <a:rPr lang="en-GB" noProof="0"/>
-              <a:t>Swiss Software Engineering: </a:t>
-            </a:r>
-            <a:r>
-              <a:rPr lang="en-GB" b="1" noProof="0">
-                <a:latin typeface="Calibri"/>
-                <a:cs typeface="Calibri"/>
-              </a:rPr>
-              <a:t>betterask.erni</a:t>
-            </a:r>
-            <a:endParaRPr lang="en-GB" b="1" noProof="0" dirty="0">
-              <a:latin typeface="Calibri"/>
-              <a:cs typeface="Calibri"/>
-            </a:endParaRPr>
-          </a:p>
-        </p:txBody>
-      </p:sp>
-      <p:sp>
-        <p:nvSpPr>
-          <p:cNvPr id="5" name="Slide Number Placeholder 4">
-            <a:extLst>
-              <a:ext uri="{FF2B5EF4-FFF2-40B4-BE49-F238E27FC236}">
-                <a16:creationId xmlns:a16="http://schemas.microsoft.com/office/drawing/2014/main" id="{390E29E3-427C-4EBB-86CD-691D1299735E}"/>
-              </a:ext>
-            </a:extLst>
-          </p:cNvPr>
-          <p:cNvSpPr>
-            <a:spLocks noGrp="1"/>
-          </p:cNvSpPr>
-          <p:nvPr>
-            <p:ph type="sldNum" sz="quarter" idx="13"/>
-          </p:nvPr>
-        </p:nvSpPr>
-        <p:spPr/>
-        <p:txBody>
-          <a:bodyPr/>
-          <a:lstStyle/>
-          <a:p>
-            <a:fld id="{9F5F539E-0E69-451B-AC12-57C40F9178F7}" type="slidenum">
-              <a:rPr lang="en-GB" noProof="0" smtClean="0"/>
-              <a:pPr/>
-              <a:t>3</a:t>
-            </a:fld>
-            <a:endParaRPr lang="en-GB" noProof="0" dirty="0"/>
-          </a:p>
-        </p:txBody>
-      </p:sp>
-      <p:pic>
-        <p:nvPicPr>
-          <p:cNvPr id="7" name="Picture 6">
-            <a:extLst>
-              <a:ext uri="{FF2B5EF4-FFF2-40B4-BE49-F238E27FC236}">
-                <a16:creationId xmlns:a16="http://schemas.microsoft.com/office/drawing/2014/main" id="{FEEC4E9C-075A-425E-A333-F11B525F190E}"/>
-              </a:ext>
-            </a:extLst>
-          </p:cNvPr>
-          <p:cNvPicPr>
-            <a:picLocks noChangeAspect="1"/>
-          </p:cNvPicPr>
-          <p:nvPr/>
-        </p:nvPicPr>
-        <p:blipFill>
-          <a:blip r:embed="rId3"/>
-          <a:stretch>
-            <a:fillRect/>
-          </a:stretch>
-        </p:blipFill>
-        <p:spPr>
-          <a:xfrm>
-            <a:off x="1141093" y="2362809"/>
-            <a:ext cx="6734175" cy="2324100"/>
-          </a:xfrm>
-          <a:prstGeom prst="rect">
-            <a:avLst/>
-          </a:prstGeom>
-        </p:spPr>
-      </p:pic>
-    </p:spTree>
-    <p:extLst>
-      <p:ext uri="{BB962C8B-B14F-4D97-AF65-F5344CB8AC3E}">
-        <p14:creationId xmlns:p14="http://schemas.microsoft.com/office/powerpoint/2010/main" val="3242796477"/>
-      </p:ext>
-    </p:extLst>
-  </p:cSld>
-  <p:clrMapOvr>
-    <a:masterClrMapping/>
-  </p:clrMapOvr>
-</p:sld>
-</file>
-
-<file path=ppt/slides/slide4.xml><?xml version="1.0" encoding="utf-8"?>
-<p:sld xmlns:a="http://schemas.openxmlformats.org/drawingml/2006/main" xmlns:r="http://schemas.openxmlformats.org/officeDocument/2006/relationships" xmlns:p="http://schemas.openxmlformats.org/presentationml/2006/main">
-  <p:cSld>
-    <p:spTree>
-      <p:nvGrpSpPr>
-        <p:cNvPr id="1" name=""/>
-        <p:cNvGrpSpPr/>
-        <p:nvPr/>
-      </p:nvGrpSpPr>
-      <p:grpSpPr>
-        <a:xfrm>
-          <a:off x="0" y="0"/>
-          <a:ext cx="0" cy="0"/>
-          <a:chOff x="0" y="0"/>
-          <a:chExt cx="0" cy="0"/>
-        </a:xfrm>
-      </p:grpSpPr>
-      <p:sp>
-        <p:nvSpPr>
-          <p:cNvPr id="2" name="Title 1">
-            <a:extLst>
-              <a:ext uri="{FF2B5EF4-FFF2-40B4-BE49-F238E27FC236}">
-                <a16:creationId xmlns:a16="http://schemas.microsoft.com/office/drawing/2014/main" id="{A6A24204-527A-4594-A101-155E67964D0E}"/>
-              </a:ext>
-            </a:extLst>
-          </p:cNvPr>
-          <p:cNvSpPr>
-            <a:spLocks noGrp="1"/>
-          </p:cNvSpPr>
-          <p:nvPr>
-            <p:ph type="title"/>
-          </p:nvPr>
-        </p:nvSpPr>
-        <p:spPr/>
-        <p:txBody>
-          <a:bodyPr/>
-          <a:lstStyle/>
-          <a:p>
-            <a:r>
-              <a:rPr lang="en-PH" dirty="0"/>
-              <a:t>Common Solid Figures</a:t>
-            </a:r>
-          </a:p>
-        </p:txBody>
-      </p:sp>
-      <p:sp>
-        <p:nvSpPr>
-          <p:cNvPr id="3" name="Text Placeholder 2">
-            <a:extLst>
-              <a:ext uri="{FF2B5EF4-FFF2-40B4-BE49-F238E27FC236}">
-                <a16:creationId xmlns:a16="http://schemas.microsoft.com/office/drawing/2014/main" id="{ED30A696-020A-424A-A319-DE1A46487A55}"/>
-              </a:ext>
-            </a:extLst>
-          </p:cNvPr>
-          <p:cNvSpPr>
-            <a:spLocks noGrp="1"/>
-          </p:cNvSpPr>
-          <p:nvPr>
-            <p:ph type="body" sz="quarter" idx="10"/>
-          </p:nvPr>
-        </p:nvSpPr>
-        <p:spPr/>
-        <p:txBody>
-          <a:bodyPr/>
-          <a:lstStyle/>
-          <a:p>
-            <a:endParaRPr lang="en-PH"/>
-          </a:p>
-        </p:txBody>
-      </p:sp>
-      <p:sp>
-        <p:nvSpPr>
-          <p:cNvPr id="4" name="Footer Placeholder 3">
-            <a:extLst>
-              <a:ext uri="{FF2B5EF4-FFF2-40B4-BE49-F238E27FC236}">
-                <a16:creationId xmlns:a16="http://schemas.microsoft.com/office/drawing/2014/main" id="{612AA7EB-1075-4E87-A274-C58003DF95DE}"/>
-              </a:ext>
-            </a:extLst>
-          </p:cNvPr>
-          <p:cNvSpPr>
-            <a:spLocks noGrp="1"/>
-          </p:cNvSpPr>
-          <p:nvPr>
-            <p:ph type="ftr" sz="quarter" idx="12"/>
-          </p:nvPr>
-        </p:nvSpPr>
-        <p:spPr/>
-        <p:txBody>
-          <a:bodyPr/>
-          <a:lstStyle/>
-          <a:p>
-            <a:r>
-              <a:rPr lang="en-GB" noProof="0"/>
-              <a:t>Swiss Software Engineering: </a:t>
-            </a:r>
-            <a:r>
-              <a:rPr lang="en-GB" b="1" noProof="0">
-                <a:latin typeface="Calibri"/>
-                <a:cs typeface="Calibri"/>
-              </a:rPr>
-              <a:t>betterask.erni</a:t>
-            </a:r>
-            <a:endParaRPr lang="en-GB" b="1" noProof="0" dirty="0">
-              <a:latin typeface="Calibri"/>
-              <a:cs typeface="Calibri"/>
-            </a:endParaRPr>
-          </a:p>
-        </p:txBody>
-      </p:sp>
-      <p:sp>
-        <p:nvSpPr>
-          <p:cNvPr id="5" name="Slide Number Placeholder 4">
-            <a:extLst>
-              <a:ext uri="{FF2B5EF4-FFF2-40B4-BE49-F238E27FC236}">
-                <a16:creationId xmlns:a16="http://schemas.microsoft.com/office/drawing/2014/main" id="{E3F73E45-206A-4728-870A-8CE4802A117E}"/>
-              </a:ext>
-            </a:extLst>
-          </p:cNvPr>
-          <p:cNvSpPr>
-            <a:spLocks noGrp="1"/>
-          </p:cNvSpPr>
-          <p:nvPr>
-            <p:ph type="sldNum" sz="quarter" idx="13"/>
-          </p:nvPr>
-        </p:nvSpPr>
-        <p:spPr/>
-        <p:txBody>
-          <a:bodyPr/>
-          <a:lstStyle/>
-          <a:p>
-            <a:fld id="{9F5F539E-0E69-451B-AC12-57C40F9178F7}" type="slidenum">
-              <a:rPr lang="en-GB" noProof="0" smtClean="0"/>
-              <a:pPr/>
-              <a:t>4</a:t>
-            </a:fld>
-            <a:endParaRPr lang="en-GB" noProof="0" dirty="0"/>
-          </a:p>
-        </p:txBody>
-      </p:sp>
-      <p:pic>
-        <p:nvPicPr>
-          <p:cNvPr id="2050" name="Picture 2" descr="Parts of a Cube">
-            <a:extLst>
-              <a:ext uri="{FF2B5EF4-FFF2-40B4-BE49-F238E27FC236}">
-                <a16:creationId xmlns:a16="http://schemas.microsoft.com/office/drawing/2014/main" id="{D5C76EBC-EB72-48A7-AC17-1B8F47EC0C1F}"/>
-              </a:ext>
-            </a:extLst>
-          </p:cNvPr>
-          <p:cNvPicPr>
-            <a:picLocks noChangeAspect="1" noChangeArrowheads="1"/>
-          </p:cNvPicPr>
-          <p:nvPr/>
-        </p:nvPicPr>
-        <p:blipFill>
-          <a:blip r:embed="rId3">
-            <a:extLst>
-              <a:ext uri="{28A0092B-C50C-407E-A947-70E740481C1C}">
-                <a14:useLocalDpi xmlns:a14="http://schemas.microsoft.com/office/drawing/2010/main" val="0"/>
-              </a:ext>
-            </a:extLst>
-          </a:blip>
-          <a:srcRect/>
-          <a:stretch>
-            <a:fillRect/>
-          </a:stretch>
-        </p:blipFill>
-        <p:spPr bwMode="auto">
-          <a:xfrm>
-            <a:off x="139480" y="1081087"/>
-            <a:ext cx="3644869" cy="2612727"/>
-          </a:xfrm>
-          <a:prstGeom prst="rect">
-            <a:avLst/>
-          </a:prstGeom>
-          <a:noFill/>
-          <a:extLst>
-            <a:ext uri="{909E8E84-426E-40DD-AFC4-6F175D3DCCD1}">
-              <a14:hiddenFill xmlns:a14="http://schemas.microsoft.com/office/drawing/2010/main">
-                <a:solidFill>
-                  <a:srgbClr val="FFFFFF"/>
-                </a:solidFill>
-              </a14:hiddenFill>
-            </a:ext>
-          </a:extLst>
-        </p:spPr>
-      </p:pic>
-      <p:pic>
-        <p:nvPicPr>
-          <p:cNvPr id="2052" name="Picture 4" descr="Parts of a Cylinder">
-            <a:extLst>
-              <a:ext uri="{FF2B5EF4-FFF2-40B4-BE49-F238E27FC236}">
-                <a16:creationId xmlns:a16="http://schemas.microsoft.com/office/drawing/2014/main" id="{7F0E3A29-9C30-49FC-91CD-59ED7CDD907B}"/>
-              </a:ext>
-            </a:extLst>
-          </p:cNvPr>
-          <p:cNvPicPr>
-            <a:picLocks noChangeAspect="1" noChangeArrowheads="1"/>
-          </p:cNvPicPr>
-          <p:nvPr/>
-        </p:nvPicPr>
-        <p:blipFill>
-          <a:blip r:embed="rId4">
-            <a:extLst>
-              <a:ext uri="{28A0092B-C50C-407E-A947-70E740481C1C}">
-                <a14:useLocalDpi xmlns:a14="http://schemas.microsoft.com/office/drawing/2010/main" val="0"/>
-              </a:ext>
-            </a:extLst>
-          </a:blip>
-          <a:srcRect/>
-          <a:stretch>
-            <a:fillRect/>
-          </a:stretch>
-        </p:blipFill>
-        <p:spPr bwMode="auto">
-          <a:xfrm>
-            <a:off x="4761325" y="1081087"/>
-            <a:ext cx="3618240" cy="2141947"/>
-          </a:xfrm>
-          <a:prstGeom prst="rect">
-            <a:avLst/>
-          </a:prstGeom>
-          <a:noFill/>
-          <a:extLst>
-            <a:ext uri="{909E8E84-426E-40DD-AFC4-6F175D3DCCD1}">
-              <a14:hiddenFill xmlns:a14="http://schemas.microsoft.com/office/drawing/2010/main">
-                <a:solidFill>
-                  <a:srgbClr val="FFFFFF"/>
-                </a:solidFill>
-              </a14:hiddenFill>
-            </a:ext>
-          </a:extLst>
-        </p:spPr>
-      </p:pic>
-      <p:pic>
-        <p:nvPicPr>
-          <p:cNvPr id="2054" name="Picture 6" descr="Parts of a Cone">
-            <a:extLst>
-              <a:ext uri="{FF2B5EF4-FFF2-40B4-BE49-F238E27FC236}">
-                <a16:creationId xmlns:a16="http://schemas.microsoft.com/office/drawing/2014/main" id="{4D863AD8-7444-42CA-B984-20C18FD2BBCE}"/>
-              </a:ext>
-            </a:extLst>
-          </p:cNvPr>
-          <p:cNvPicPr>
-            <a:picLocks noChangeAspect="1" noChangeArrowheads="1"/>
-          </p:cNvPicPr>
-          <p:nvPr/>
-        </p:nvPicPr>
-        <p:blipFill>
-          <a:blip r:embed="rId5">
-            <a:extLst>
-              <a:ext uri="{28A0092B-C50C-407E-A947-70E740481C1C}">
-                <a14:useLocalDpi xmlns:a14="http://schemas.microsoft.com/office/drawing/2010/main" val="0"/>
-              </a:ext>
-            </a:extLst>
-          </a:blip>
-          <a:srcRect/>
-          <a:stretch>
-            <a:fillRect/>
-          </a:stretch>
-        </p:blipFill>
-        <p:spPr bwMode="auto">
-          <a:xfrm>
-            <a:off x="2653587" y="2978589"/>
-            <a:ext cx="3238500" cy="1765811"/>
-          </a:xfrm>
-          <a:prstGeom prst="rect">
-            <a:avLst/>
-          </a:prstGeom>
-          <a:noFill/>
-          <a:extLst>
-            <a:ext uri="{909E8E84-426E-40DD-AFC4-6F175D3DCCD1}">
-              <a14:hiddenFill xmlns:a14="http://schemas.microsoft.com/office/drawing/2010/main">
-                <a:solidFill>
-                  <a:srgbClr val="FFFFFF"/>
-                </a:solidFill>
-              </a14:hiddenFill>
-            </a:ext>
-          </a:extLst>
-        </p:spPr>
-      </p:pic>
-      <p:pic>
-        <p:nvPicPr>
-          <p:cNvPr id="2056" name="Picture 8" descr="Parts of a Sphere">
-            <a:extLst>
-              <a:ext uri="{FF2B5EF4-FFF2-40B4-BE49-F238E27FC236}">
-                <a16:creationId xmlns:a16="http://schemas.microsoft.com/office/drawing/2014/main" id="{65BB0E92-89B0-481B-BAD1-7E1009D0731F}"/>
-              </a:ext>
-            </a:extLst>
-          </p:cNvPr>
-          <p:cNvPicPr>
-            <a:picLocks noChangeAspect="1" noChangeArrowheads="1"/>
-          </p:cNvPicPr>
-          <p:nvPr/>
-        </p:nvPicPr>
-        <p:blipFill>
-          <a:blip r:embed="rId6">
-            <a:extLst>
-              <a:ext uri="{28A0092B-C50C-407E-A947-70E740481C1C}">
-                <a14:useLocalDpi xmlns:a14="http://schemas.microsoft.com/office/drawing/2010/main" val="0"/>
-              </a:ext>
-            </a:extLst>
-          </a:blip>
-          <a:srcRect/>
-          <a:stretch>
-            <a:fillRect/>
-          </a:stretch>
-        </p:blipFill>
-        <p:spPr bwMode="auto">
-          <a:xfrm>
-            <a:off x="6570445" y="3468468"/>
-            <a:ext cx="2252643" cy="1187889"/>
-          </a:xfrm>
-          <a:prstGeom prst="rect">
-            <a:avLst/>
-          </a:prstGeom>
-          <a:noFill/>
-          <a:extLst>
-            <a:ext uri="{909E8E84-426E-40DD-AFC4-6F175D3DCCD1}">
-              <a14:hiddenFill xmlns:a14="http://schemas.microsoft.com/office/drawing/2010/main">
-                <a:solidFill>
-                  <a:srgbClr val="FFFFFF"/>
-                </a:solidFill>
-              </a14:hiddenFill>
-            </a:ext>
-          </a:extLst>
-        </p:spPr>
-      </p:pic>
-    </p:spTree>
-    <p:extLst>
-      <p:ext uri="{BB962C8B-B14F-4D97-AF65-F5344CB8AC3E}">
-        <p14:creationId xmlns:p14="http://schemas.microsoft.com/office/powerpoint/2010/main" val="2143259789"/>
-      </p:ext>
-    </p:extLst>
-  </p:cSld>
-  <p:clrMapOvr>
-    <a:masterClrMapping/>
-  </p:clrMapOvr>
-</p:sld>
-</file>
-
-<file path=ppt/slides/slide5.xml><?xml version="1.0" encoding="utf-8"?>
-<p:sld xmlns:a="http://schemas.openxmlformats.org/drawingml/2006/main" xmlns:r="http://schemas.openxmlformats.org/officeDocument/2006/relationships" xmlns:p="http://schemas.openxmlformats.org/presentationml/2006/main">
-  <p:cSld>
-    <p:spTree>
-      <p:nvGrpSpPr>
-        <p:cNvPr id="1" name=""/>
-        <p:cNvGrpSpPr/>
-        <p:nvPr/>
-      </p:nvGrpSpPr>
-      <p:grpSpPr>
-        <a:xfrm>
-          <a:off x="0" y="0"/>
-          <a:ext cx="0" cy="0"/>
-          <a:chOff x="0" y="0"/>
-          <a:chExt cx="0" cy="0"/>
-        </a:xfrm>
-      </p:grpSpPr>
-      <p:sp>
-        <p:nvSpPr>
-          <p:cNvPr id="2" name="Title 1">
-            <a:extLst>
-              <a:ext uri="{FF2B5EF4-FFF2-40B4-BE49-F238E27FC236}">
-                <a16:creationId xmlns:a16="http://schemas.microsoft.com/office/drawing/2014/main" id="{8CFB6B93-7258-4FCF-B613-7FA9354164C9}"/>
-              </a:ext>
-            </a:extLst>
-          </p:cNvPr>
-          <p:cNvSpPr>
-            <a:spLocks noGrp="1"/>
-          </p:cNvSpPr>
-          <p:nvPr>
-            <p:ph type="title"/>
-          </p:nvPr>
-        </p:nvSpPr>
-        <p:spPr/>
-        <p:txBody>
-          <a:bodyPr/>
-          <a:lstStyle/>
-          <a:p>
-            <a:r>
-              <a:rPr lang="en-PH" dirty="0"/>
-              <a:t>Coordinates review</a:t>
-            </a:r>
-          </a:p>
-        </p:txBody>
-      </p:sp>
-      <p:sp>
-        <p:nvSpPr>
-          <p:cNvPr id="3" name="Text Placeholder 2">
-            <a:extLst>
-              <a:ext uri="{FF2B5EF4-FFF2-40B4-BE49-F238E27FC236}">
-                <a16:creationId xmlns:a16="http://schemas.microsoft.com/office/drawing/2014/main" id="{7A484010-3C8B-4792-8DFD-958390CB3727}"/>
-              </a:ext>
-            </a:extLst>
-          </p:cNvPr>
-          <p:cNvSpPr>
-            <a:spLocks noGrp="1"/>
-          </p:cNvSpPr>
-          <p:nvPr>
-            <p:ph type="body" sz="quarter" idx="10"/>
-          </p:nvPr>
-        </p:nvSpPr>
-        <p:spPr/>
-        <p:txBody>
-          <a:bodyPr/>
-          <a:lstStyle/>
-          <a:p>
-            <a:endParaRPr lang="en-PH"/>
-          </a:p>
-        </p:txBody>
-      </p:sp>
-      <p:sp>
-        <p:nvSpPr>
-          <p:cNvPr id="4" name="Footer Placeholder 3">
-            <a:extLst>
-              <a:ext uri="{FF2B5EF4-FFF2-40B4-BE49-F238E27FC236}">
-                <a16:creationId xmlns:a16="http://schemas.microsoft.com/office/drawing/2014/main" id="{570E42A7-FAD4-4B4C-95B9-A63098FB1D48}"/>
-              </a:ext>
-            </a:extLst>
-          </p:cNvPr>
-          <p:cNvSpPr>
-            <a:spLocks noGrp="1"/>
-          </p:cNvSpPr>
-          <p:nvPr>
-            <p:ph type="ftr" sz="quarter" idx="12"/>
-          </p:nvPr>
-        </p:nvSpPr>
-        <p:spPr/>
-        <p:txBody>
-          <a:bodyPr/>
-          <a:lstStyle/>
-          <a:p>
-            <a:r>
-              <a:rPr lang="en-GB" noProof="0"/>
-              <a:t>Swiss Software Engineering: </a:t>
-            </a:r>
-            <a:r>
-              <a:rPr lang="en-GB" b="1" noProof="0">
-                <a:latin typeface="Calibri"/>
-                <a:cs typeface="Calibri"/>
-              </a:rPr>
-              <a:t>betterask.erni</a:t>
-            </a:r>
-            <a:endParaRPr lang="en-GB" b="1" noProof="0" dirty="0">
-              <a:latin typeface="Calibri"/>
-              <a:cs typeface="Calibri"/>
-            </a:endParaRPr>
-          </a:p>
-        </p:txBody>
-      </p:sp>
-      <p:sp>
-        <p:nvSpPr>
-          <p:cNvPr id="5" name="Slide Number Placeholder 4">
-            <a:extLst>
-              <a:ext uri="{FF2B5EF4-FFF2-40B4-BE49-F238E27FC236}">
-                <a16:creationId xmlns:a16="http://schemas.microsoft.com/office/drawing/2014/main" id="{DD1687FA-83D8-4381-AA10-0F8FD4191599}"/>
-              </a:ext>
-            </a:extLst>
-          </p:cNvPr>
-          <p:cNvSpPr>
-            <a:spLocks noGrp="1"/>
-          </p:cNvSpPr>
-          <p:nvPr>
-            <p:ph type="sldNum" sz="quarter" idx="13"/>
-          </p:nvPr>
-        </p:nvSpPr>
-        <p:spPr/>
-        <p:txBody>
-          <a:bodyPr/>
-          <a:lstStyle/>
-          <a:p>
-            <a:fld id="{9F5F539E-0E69-451B-AC12-57C40F9178F7}" type="slidenum">
-              <a:rPr lang="en-GB" noProof="0" smtClean="0"/>
-              <a:pPr/>
-              <a:t>5</a:t>
-            </a:fld>
-            <a:endParaRPr lang="en-GB" noProof="0" dirty="0"/>
-          </a:p>
-        </p:txBody>
-      </p:sp>
-      <p:pic>
-        <p:nvPicPr>
-          <p:cNvPr id="6" name="Picture 5">
-            <a:extLst>
-              <a:ext uri="{FF2B5EF4-FFF2-40B4-BE49-F238E27FC236}">
-                <a16:creationId xmlns:a16="http://schemas.microsoft.com/office/drawing/2014/main" id="{5FC0B263-F65A-48DD-9858-8CBC07F70C3A}"/>
-              </a:ext>
-            </a:extLst>
-          </p:cNvPr>
-          <p:cNvPicPr>
-            <a:picLocks noChangeAspect="1"/>
-          </p:cNvPicPr>
-          <p:nvPr/>
-        </p:nvPicPr>
-        <p:blipFill>
-          <a:blip r:embed="rId3"/>
-          <a:stretch>
-            <a:fillRect/>
-          </a:stretch>
-        </p:blipFill>
-        <p:spPr>
-          <a:xfrm>
-            <a:off x="0" y="937631"/>
-            <a:ext cx="8157172" cy="3718033"/>
-          </a:xfrm>
-          <a:prstGeom prst="rect">
-            <a:avLst/>
-          </a:prstGeom>
-        </p:spPr>
-      </p:pic>
-    </p:spTree>
-    <p:extLst>
-      <p:ext uri="{BB962C8B-B14F-4D97-AF65-F5344CB8AC3E}">
-        <p14:creationId xmlns:p14="http://schemas.microsoft.com/office/powerpoint/2010/main" val="3042201063"/>
-      </p:ext>
-    </p:extLst>
-  </p:cSld>
-  <p:clrMapOvr>
-    <a:masterClrMapping/>
-  </p:clrMapOvr>
-</p:sld>
-</file>
-
-<file path=ppt/slides/slide6.xml><?xml version="1.0" encoding="utf-8"?>
-<p:sld xmlns:a="http://schemas.openxmlformats.org/drawingml/2006/main" xmlns:r="http://schemas.openxmlformats.org/officeDocument/2006/relationships" xmlns:p="http://schemas.openxmlformats.org/presentationml/2006/main">
-  <p:cSld>
-    <p:spTree>
-      <p:nvGrpSpPr>
-        <p:cNvPr id="1" name=""/>
-        <p:cNvGrpSpPr/>
-        <p:nvPr/>
-      </p:nvGrpSpPr>
-      <p:grpSpPr>
-        <a:xfrm>
-          <a:off x="0" y="0"/>
-          <a:ext cx="0" cy="0"/>
-          <a:chOff x="0" y="0"/>
-          <a:chExt cx="0" cy="0"/>
-        </a:xfrm>
-      </p:grpSpPr>
-      <p:sp>
-        <p:nvSpPr>
-          <p:cNvPr id="2" name="Title 1">
-            <a:extLst>
-              <a:ext uri="{FF2B5EF4-FFF2-40B4-BE49-F238E27FC236}">
-                <a16:creationId xmlns:a16="http://schemas.microsoft.com/office/drawing/2014/main" id="{6E31C451-ABDE-4D14-971D-66245A78D68C}"/>
-              </a:ext>
-            </a:extLst>
-          </p:cNvPr>
-          <p:cNvSpPr>
-            <a:spLocks noGrp="1"/>
-          </p:cNvSpPr>
-          <p:nvPr>
-            <p:ph type="title"/>
-          </p:nvPr>
-        </p:nvSpPr>
-        <p:spPr/>
-        <p:txBody>
-          <a:bodyPr/>
-          <a:lstStyle/>
-          <a:p>
-            <a:r>
-              <a:rPr lang="en-PH" dirty="0"/>
-              <a:t>WebGL</a:t>
-            </a:r>
-          </a:p>
-        </p:txBody>
-      </p:sp>
-      <p:sp>
-        <p:nvSpPr>
-          <p:cNvPr id="4" name="Footer Placeholder 3">
-            <a:extLst>
-              <a:ext uri="{FF2B5EF4-FFF2-40B4-BE49-F238E27FC236}">
-                <a16:creationId xmlns:a16="http://schemas.microsoft.com/office/drawing/2014/main" id="{BA4EBAF4-503F-4AAA-BF09-A93992ED3972}"/>
-              </a:ext>
-            </a:extLst>
-          </p:cNvPr>
-          <p:cNvSpPr>
-            <a:spLocks noGrp="1"/>
-          </p:cNvSpPr>
-          <p:nvPr>
-            <p:ph type="ftr" sz="quarter" idx="12"/>
-          </p:nvPr>
-        </p:nvSpPr>
-        <p:spPr/>
-        <p:txBody>
-          <a:bodyPr/>
-          <a:lstStyle/>
-          <a:p>
-            <a:r>
-              <a:rPr lang="en-GB" noProof="0"/>
-              <a:t>Swiss Software Engineering: </a:t>
-            </a:r>
-            <a:r>
-              <a:rPr lang="en-GB" b="1" noProof="0">
-                <a:latin typeface="Calibri"/>
-                <a:cs typeface="Calibri"/>
-              </a:rPr>
-              <a:t>betterask.erni</a:t>
-            </a:r>
-            <a:endParaRPr lang="en-GB" b="1" noProof="0" dirty="0">
-              <a:latin typeface="Calibri"/>
-              <a:cs typeface="Calibri"/>
-            </a:endParaRPr>
-          </a:p>
-        </p:txBody>
-      </p:sp>
-      <p:sp>
-        <p:nvSpPr>
-          <p:cNvPr id="5" name="Slide Number Placeholder 4">
-            <a:extLst>
-              <a:ext uri="{FF2B5EF4-FFF2-40B4-BE49-F238E27FC236}">
-                <a16:creationId xmlns:a16="http://schemas.microsoft.com/office/drawing/2014/main" id="{3D0220FA-602F-4881-B55B-680AB3C8866E}"/>
-              </a:ext>
-            </a:extLst>
-          </p:cNvPr>
-          <p:cNvSpPr>
-            <a:spLocks noGrp="1"/>
-          </p:cNvSpPr>
-          <p:nvPr>
-            <p:ph type="sldNum" sz="quarter" idx="13"/>
-          </p:nvPr>
-        </p:nvSpPr>
-        <p:spPr/>
-        <p:txBody>
-          <a:bodyPr/>
-          <a:lstStyle/>
-          <a:p>
-            <a:fld id="{9F5F539E-0E69-451B-AC12-57C40F9178F7}" type="slidenum">
-              <a:rPr lang="en-GB" noProof="0" smtClean="0"/>
-              <a:pPr/>
-              <a:t>6</a:t>
-            </a:fld>
-            <a:endParaRPr lang="en-GB" noProof="0" dirty="0"/>
-          </a:p>
-        </p:txBody>
-      </p:sp>
-      <p:sp>
-        <p:nvSpPr>
-          <p:cNvPr id="6" name="Rectangle 1">
-            <a:extLst>
-              <a:ext uri="{FF2B5EF4-FFF2-40B4-BE49-F238E27FC236}">
-                <a16:creationId xmlns:a16="http://schemas.microsoft.com/office/drawing/2014/main" id="{BC0F07C7-4771-4801-8C82-D111609FDD70}"/>
-              </a:ext>
-            </a:extLst>
-          </p:cNvPr>
-          <p:cNvSpPr>
-            <a:spLocks noGrp="1" noChangeArrowheads="1"/>
-          </p:cNvSpPr>
-          <p:nvPr>
-            <p:ph type="body" sz="quarter" idx="10"/>
-          </p:nvPr>
-        </p:nvSpPr>
-        <p:spPr bwMode="auto">
-          <a:xfrm>
-            <a:off x="245764" y="1174124"/>
-            <a:ext cx="7257949" cy="553998"/>
-          </a:xfrm>
-          <a:prstGeom prst="rect">
-            <a:avLst/>
-          </a:prstGeom>
-          <a:solidFill>
-            <a:srgbClr val="FFFFFF"/>
-          </a:solidFill>
-          <a:ln>
-            <a:noFill/>
-          </a:ln>
-          <a:effectLst/>
-          <a:extLst>
-            <a:ext uri="{91240B29-F687-4F45-9708-019B960494DF}">
-              <a14:hiddenLine xmlns:a14="http://schemas.microsoft.com/office/drawing/2010/main" w="9525">
-                <a:solidFill>
-                  <a:schemeClr val="tx1"/>
-                </a:solidFill>
-                <a:miter lim="800000"/>
-                <a:headEnd/>
-                <a:tailEnd/>
-              </a14:hiddenLine>
-            </a:ext>
-            <a:ext uri="{AF507438-7753-43E0-B8FC-AC1667EBCBE1}">
-              <a14:hiddenEffects xmlns:a14="http://schemas.microsoft.com/office/drawing/2010/main">
-                <a:effectLst>
-                  <a:outerShdw dist="35921" dir="2700000" algn="ctr" rotWithShape="0">
-                    <a:schemeClr val="bg2"/>
-                  </a:outerShdw>
-                </a:effectLst>
-              </a14:hiddenEffects>
-            </a:ext>
-          </a:extLst>
-        </p:spPr>
-        <p:txBody>
-          <a:bodyPr vert="horz" wrap="none" lIns="0" tIns="0" rIns="0" bIns="0" numCol="1" anchor="ctr" anchorCtr="0" compatLnSpc="1">
-            <a:prstTxWarp prst="textNoShape">
-              <a:avLst/>
-            </a:prstTxWarp>
-            <a:spAutoFit/>
-          </a:bodyPr>
-          <a:lstStyle>
-            <a:lvl1pPr eaLnBrk="0" fontAlgn="base" hangingPunct="0">
-              <a:spcBef>
-                <a:spcPct val="0"/>
-              </a:spcBef>
-              <a:spcAft>
-                <a:spcPct val="0"/>
-              </a:spcAft>
-              <a:defRPr>
-                <a:solidFill>
-                  <a:schemeClr val="tx1"/>
-                </a:solidFill>
-                <a:latin typeface="Arial" panose="020B0604020202020204" pitchFamily="34" charset="0"/>
-              </a:defRPr>
-            </a:lvl1pPr>
-            <a:lvl2pPr marL="457200" eaLnBrk="0" fontAlgn="base" hangingPunct="0">
-              <a:spcBef>
-                <a:spcPct val="0"/>
-              </a:spcBef>
-              <a:spcAft>
-                <a:spcPct val="0"/>
-              </a:spcAft>
-              <a:defRPr>
-                <a:solidFill>
-                  <a:schemeClr val="tx1"/>
-                </a:solidFill>
-                <a:latin typeface="Arial" panose="020B0604020202020204" pitchFamily="34" charset="0"/>
-              </a:defRPr>
-            </a:lvl2pPr>
-            <a:lvl3pPr marL="914400" eaLnBrk="0" fontAlgn="base" hangingPunct="0">
-              <a:spcBef>
-                <a:spcPct val="0"/>
-              </a:spcBef>
-              <a:spcAft>
-                <a:spcPct val="0"/>
-              </a:spcAft>
-              <a:defRPr>
-                <a:solidFill>
-                  <a:schemeClr val="tx1"/>
-                </a:solidFill>
-                <a:latin typeface="Arial" panose="020B0604020202020204" pitchFamily="34" charset="0"/>
-              </a:defRPr>
-            </a:lvl3pPr>
-            <a:lvl4pPr marL="1371600" eaLnBrk="0" fontAlgn="base" hangingPunct="0">
-              <a:spcBef>
-                <a:spcPct val="0"/>
-              </a:spcBef>
-              <a:spcAft>
-                <a:spcPct val="0"/>
-              </a:spcAft>
-              <a:defRPr>
-                <a:solidFill>
-                  <a:schemeClr val="tx1"/>
-                </a:solidFill>
-                <a:latin typeface="Arial" panose="020B0604020202020204" pitchFamily="34" charset="0"/>
-              </a:defRPr>
-            </a:lvl4pPr>
-            <a:lvl5pPr marL="1828800" eaLnBrk="0" fontAlgn="base" hangingPunct="0">
-              <a:spcBef>
-                <a:spcPct val="0"/>
-              </a:spcBef>
-              <a:spcAft>
-                <a:spcPct val="0"/>
-              </a:spcAft>
-              <a:defRPr>
-                <a:solidFill>
-                  <a:schemeClr val="tx1"/>
-                </a:solidFill>
-                <a:latin typeface="Arial" panose="020B0604020202020204" pitchFamily="34" charset="0"/>
-              </a:defRPr>
-            </a:lvl5pPr>
-            <a:lvl6pPr marL="2286000" eaLnBrk="0" fontAlgn="base" hangingPunct="0">
-              <a:spcBef>
-                <a:spcPct val="0"/>
-              </a:spcBef>
-              <a:spcAft>
-                <a:spcPct val="0"/>
-              </a:spcAft>
-              <a:defRPr>
-                <a:solidFill>
-                  <a:schemeClr val="tx1"/>
-                </a:solidFill>
-                <a:latin typeface="Arial" panose="020B0604020202020204" pitchFamily="34" charset="0"/>
-              </a:defRPr>
-            </a:lvl6pPr>
-            <a:lvl7pPr marL="2743200" eaLnBrk="0" fontAlgn="base" hangingPunct="0">
-              <a:spcBef>
-                <a:spcPct val="0"/>
-              </a:spcBef>
-              <a:spcAft>
-                <a:spcPct val="0"/>
-              </a:spcAft>
-              <a:defRPr>
-                <a:solidFill>
-                  <a:schemeClr val="tx1"/>
-                </a:solidFill>
-                <a:latin typeface="Arial" panose="020B0604020202020204" pitchFamily="34" charset="0"/>
-              </a:defRPr>
-            </a:lvl7pPr>
-            <a:lvl8pPr marL="3200400" eaLnBrk="0" fontAlgn="base" hangingPunct="0">
-              <a:spcBef>
-                <a:spcPct val="0"/>
-              </a:spcBef>
-              <a:spcAft>
-                <a:spcPct val="0"/>
-              </a:spcAft>
-              <a:defRPr>
-                <a:solidFill>
-                  <a:schemeClr val="tx1"/>
-                </a:solidFill>
-                <a:latin typeface="Arial" panose="020B0604020202020204" pitchFamily="34" charset="0"/>
-              </a:defRPr>
-            </a:lvl8pPr>
-            <a:lvl9pPr marL="3657600" eaLnBrk="0" fontAlgn="base" hangingPunct="0">
-              <a:spcBef>
-                <a:spcPct val="0"/>
-              </a:spcBef>
-              <a:spcAft>
-                <a:spcPct val="0"/>
-              </a:spcAft>
-              <a:defRPr>
-                <a:solidFill>
-                  <a:schemeClr val="tx1"/>
-                </a:solidFill>
-                <a:latin typeface="Arial" panose="020B0604020202020204" pitchFamily="34" charset="0"/>
-              </a:defRPr>
-            </a:lvl9pPr>
-          </a:lstStyle>
-          <a:p>
-            <a:pPr marL="0" marR="0" lvl="0" indent="0" algn="l" defTabSz="914400" rtl="0" eaLnBrk="0" fontAlgn="base" latinLnBrk="0" hangingPunct="0">
-              <a:lnSpc>
-                <a:spcPct val="100000"/>
-              </a:lnSpc>
-              <a:spcBef>
-                <a:spcPct val="0"/>
-              </a:spcBef>
-              <a:spcAft>
-                <a:spcPct val="0"/>
-              </a:spcAft>
-              <a:buClrTx/>
-              <a:buSzTx/>
-              <a:buFontTx/>
-              <a:buNone/>
-              <a:tabLst/>
-            </a:pPr>
-            <a:r>
-              <a:rPr kumimoji="0" lang="en-US" altLang="en-US" sz="1200" b="0" i="0" u="none" strike="noStrike" cap="none" normalizeH="0" baseline="0" dirty="0">
-                <a:ln>
-                  <a:noFill/>
-                </a:ln>
-                <a:solidFill>
-                  <a:srgbClr val="333333"/>
-                </a:solidFill>
-                <a:effectLst/>
-                <a:latin typeface="Arial" panose="020B0604020202020204" pitchFamily="34" charset="0"/>
-                <a:cs typeface="Arial" panose="020B0604020202020204" pitchFamily="34" charset="0"/>
-              </a:rPr>
-              <a:t>(Web Graphics Library) is a JavaScript API for rendering high-performance interactive 3D and 2D </a:t>
-            </a:r>
-          </a:p>
-          <a:p>
-            <a:pPr marL="0" marR="0" lvl="0" indent="0" algn="l" defTabSz="914400" rtl="0" eaLnBrk="0" fontAlgn="base" latinLnBrk="0" hangingPunct="0">
-              <a:lnSpc>
-                <a:spcPct val="100000"/>
-              </a:lnSpc>
-              <a:spcBef>
-                <a:spcPct val="0"/>
-              </a:spcBef>
-              <a:spcAft>
-                <a:spcPct val="0"/>
-              </a:spcAft>
-              <a:buClrTx/>
-              <a:buSzTx/>
-              <a:buFontTx/>
-              <a:buNone/>
-              <a:tabLst/>
-            </a:pPr>
-            <a:r>
-              <a:rPr kumimoji="0" lang="en-US" altLang="en-US" sz="1200" b="0" i="0" u="none" strike="noStrike" cap="none" normalizeH="0" baseline="0" dirty="0">
-                <a:ln>
-                  <a:noFill/>
-                </a:ln>
-                <a:solidFill>
-                  <a:srgbClr val="333333"/>
-                </a:solidFill>
-                <a:effectLst/>
-                <a:latin typeface="Arial" panose="020B0604020202020204" pitchFamily="34" charset="0"/>
-                <a:cs typeface="Arial" panose="020B0604020202020204" pitchFamily="34" charset="0"/>
-              </a:rPr>
-              <a:t>graphics within any compatible web browser without the use of plug-ins. WebGL does so by introducing an </a:t>
-            </a:r>
-          </a:p>
-          <a:p>
-            <a:pPr marL="0" marR="0" lvl="0" indent="0" algn="l" defTabSz="914400" rtl="0" eaLnBrk="0" fontAlgn="base" latinLnBrk="0" hangingPunct="0">
-              <a:lnSpc>
-                <a:spcPct val="100000"/>
-              </a:lnSpc>
-              <a:spcBef>
-                <a:spcPct val="0"/>
-              </a:spcBef>
-              <a:spcAft>
-                <a:spcPct val="0"/>
-              </a:spcAft>
-              <a:buClrTx/>
-              <a:buSzTx/>
-              <a:buFontTx/>
-              <a:buNone/>
-              <a:tabLst/>
-            </a:pPr>
-            <a:r>
-              <a:rPr kumimoji="0" lang="en-US" altLang="en-US" sz="1200" b="0" i="0" u="none" strike="noStrike" cap="none" normalizeH="0" baseline="0" dirty="0">
-                <a:ln>
-                  <a:noFill/>
-                </a:ln>
-                <a:solidFill>
-                  <a:srgbClr val="333333"/>
-                </a:solidFill>
-                <a:effectLst/>
-                <a:latin typeface="Arial" panose="020B0604020202020204" pitchFamily="34" charset="0"/>
-                <a:cs typeface="Arial" panose="020B0604020202020204" pitchFamily="34" charset="0"/>
-              </a:rPr>
-              <a:t>API that closely conforms to OpenGL ES 2.0 that can be used in HTML5 &lt;canvas&gt; elements. </a:t>
-            </a:r>
-          </a:p>
-        </p:txBody>
-      </p:sp>
-    </p:spTree>
-    <p:extLst>
-      <p:ext uri="{BB962C8B-B14F-4D97-AF65-F5344CB8AC3E}">
-        <p14:creationId xmlns:p14="http://schemas.microsoft.com/office/powerpoint/2010/main" val="691019474"/>
-      </p:ext>
-    </p:extLst>
-  </p:cSld>
-  <p:clrMapOvr>
-    <a:masterClrMapping/>
-  </p:clrMapOvr>
-</p:sld>
-</file>
-
-<file path=ppt/slides/slide7.xml><?xml version="1.0" encoding="utf-8"?>
-<p:sld xmlns:a="http://schemas.openxmlformats.org/drawingml/2006/main" xmlns:r="http://schemas.openxmlformats.org/officeDocument/2006/relationships" xmlns:p="http://schemas.openxmlformats.org/presentationml/2006/main">
-  <p:cSld>
-    <p:spTree>
-      <p:nvGrpSpPr>
-        <p:cNvPr id="1" name=""/>
-        <p:cNvGrpSpPr/>
-        <p:nvPr/>
-      </p:nvGrpSpPr>
-      <p:grpSpPr>
-        <a:xfrm>
-          <a:off x="0" y="0"/>
-          <a:ext cx="0" cy="0"/>
-          <a:chOff x="0" y="0"/>
-          <a:chExt cx="0" cy="0"/>
-        </a:xfrm>
-      </p:grpSpPr>
-      <p:sp>
-        <p:nvSpPr>
-          <p:cNvPr id="2" name="Title 1">
-            <a:extLst>
-              <a:ext uri="{FF2B5EF4-FFF2-40B4-BE49-F238E27FC236}">
                 <a16:creationId xmlns:a16="http://schemas.microsoft.com/office/drawing/2014/main" id="{39EFB13C-C165-4D72-A890-A14DE7D9A8EC}"/>
               </a:ext>
             </a:extLst>
@@ -13718,7 +11425,7 @@
             <a:fld id="{9F5F539E-0E69-451B-AC12-57C40F9178F7}" type="slidenum">
               <a:rPr lang="en-GB" noProof="0" smtClean="0"/>
               <a:pPr/>
-              <a:t>7</a:t>
+              <a:t>10</a:t>
             </a:fld>
             <a:endParaRPr lang="en-GB" noProof="0" dirty="0"/>
           </a:p>
@@ -13797,7 +11504,7 @@
 </p:sld>
 </file>
 
-<file path=ppt/slides/slide8.xml><?xml version="1.0" encoding="utf-8"?>
+<file path=ppt/slides/slide11.xml><?xml version="1.0" encoding="utf-8"?>
 <p:sld xmlns:a="http://schemas.openxmlformats.org/drawingml/2006/main" xmlns:r="http://schemas.openxmlformats.org/officeDocument/2006/relationships" xmlns:p="http://schemas.openxmlformats.org/presentationml/2006/main">
   <p:cSld>
     <p:spTree>
@@ -13984,7 +11691,7 @@
             <a:fld id="{9F5F539E-0E69-451B-AC12-57C40F9178F7}" type="slidenum">
               <a:rPr lang="en-GB" noProof="0" smtClean="0"/>
               <a:pPr/>
-              <a:t>8</a:t>
+              <a:t>11</a:t>
             </a:fld>
             <a:endParaRPr lang="en-GB" noProof="0" dirty="0"/>
           </a:p>
@@ -14003,7 +11710,7 @@
 </p:sld>
 </file>
 
-<file path=ppt/slides/slide9.xml><?xml version="1.0" encoding="utf-8"?>
+<file path=ppt/slides/slide12.xml><?xml version="1.0" encoding="utf-8"?>
 <p:sld xmlns:a="http://schemas.openxmlformats.org/drawingml/2006/main" xmlns:r="http://schemas.openxmlformats.org/officeDocument/2006/relationships" xmlns:p="http://schemas.openxmlformats.org/presentationml/2006/main">
   <p:cSld>
     <p:spTree>
@@ -14184,7 +11891,7 @@
             <a:fld id="{9F5F539E-0E69-451B-AC12-57C40F9178F7}" type="slidenum">
               <a:rPr lang="en-GB" noProof="0" smtClean="0"/>
               <a:pPr/>
-              <a:t>9</a:t>
+              <a:t>12</a:t>
             </a:fld>
             <a:endParaRPr lang="en-GB" noProof="0" dirty="0"/>
           </a:p>
@@ -14224,6 +11931,2933 @@
     <p:extLst>
       <p:ext uri="{BB962C8B-B14F-4D97-AF65-F5344CB8AC3E}">
         <p14:creationId xmlns:p14="http://schemas.microsoft.com/office/powerpoint/2010/main" val="2593911369"/>
+      </p:ext>
+    </p:extLst>
+  </p:cSld>
+  <p:clrMapOvr>
+    <a:masterClrMapping/>
+  </p:clrMapOvr>
+</p:sld>
+</file>
+
+<file path=ppt/slides/slide13.xml><?xml version="1.0" encoding="utf-8"?>
+<p:sld xmlns:a="http://schemas.openxmlformats.org/drawingml/2006/main" xmlns:r="http://schemas.openxmlformats.org/officeDocument/2006/relationships" xmlns:p="http://schemas.openxmlformats.org/presentationml/2006/main">
+  <p:cSld>
+    <p:spTree>
+      <p:nvGrpSpPr>
+        <p:cNvPr id="1" name=""/>
+        <p:cNvGrpSpPr/>
+        <p:nvPr/>
+      </p:nvGrpSpPr>
+      <p:grpSpPr>
+        <a:xfrm>
+          <a:off x="0" y="0"/>
+          <a:ext cx="0" cy="0"/>
+          <a:chOff x="0" y="0"/>
+          <a:chExt cx="0" cy="0"/>
+        </a:xfrm>
+      </p:grpSpPr>
+      <p:sp>
+        <p:nvSpPr>
+          <p:cNvPr id="2" name="Title 1">
+            <a:extLst>
+              <a:ext uri="{FF2B5EF4-FFF2-40B4-BE49-F238E27FC236}">
+                <a16:creationId xmlns:a16="http://schemas.microsoft.com/office/drawing/2014/main" id="{0BA25EAF-76BD-4870-8ED9-DBD5F3677947}"/>
+              </a:ext>
+            </a:extLst>
+          </p:cNvPr>
+          <p:cNvSpPr>
+            <a:spLocks noGrp="1"/>
+          </p:cNvSpPr>
+          <p:nvPr>
+            <p:ph type="title"/>
+          </p:nvPr>
+        </p:nvSpPr>
+        <p:spPr/>
+        <p:txBody>
+          <a:bodyPr/>
+          <a:lstStyle/>
+          <a:p>
+            <a:r>
+              <a:rPr lang="en-PH" dirty="0"/>
+              <a:t>Materials, Lights, and Shadows</a:t>
+            </a:r>
+          </a:p>
+        </p:txBody>
+      </p:sp>
+      <p:sp>
+        <p:nvSpPr>
+          <p:cNvPr id="3" name="Text Placeholder 2">
+            <a:extLst>
+              <a:ext uri="{FF2B5EF4-FFF2-40B4-BE49-F238E27FC236}">
+                <a16:creationId xmlns:a16="http://schemas.microsoft.com/office/drawing/2014/main" id="{1A85301C-460C-4F21-BAEF-ADB3C94AD56B}"/>
+              </a:ext>
+            </a:extLst>
+          </p:cNvPr>
+          <p:cNvSpPr>
+            <a:spLocks noGrp="1"/>
+          </p:cNvSpPr>
+          <p:nvPr>
+            <p:ph type="body" sz="quarter" idx="10"/>
+          </p:nvPr>
+        </p:nvSpPr>
+        <p:spPr>
+          <a:xfrm>
+            <a:off x="245764" y="822614"/>
+            <a:ext cx="8549292" cy="1642794"/>
+          </a:xfrm>
+        </p:spPr>
+        <p:txBody>
+          <a:bodyPr/>
+          <a:lstStyle/>
+          <a:p>
+            <a:r>
+              <a:rPr lang="en-US" dirty="0"/>
+              <a:t>The material is like the skin of the object that defines what the outside of a geometry looks like.</a:t>
+            </a:r>
+          </a:p>
+          <a:p>
+            <a:r>
+              <a:rPr lang="en-US" dirty="0"/>
+              <a:t>Different materials respond differently to light.</a:t>
+            </a:r>
+          </a:p>
+          <a:p>
+            <a:endParaRPr lang="en-US" dirty="0"/>
+          </a:p>
+          <a:p>
+            <a:r>
+              <a:rPr lang="en-US" dirty="0"/>
+              <a:t>Lights - These have an effect on how materials are shown and used when creating shadow effects.</a:t>
+            </a:r>
+          </a:p>
+          <a:p>
+            <a:endParaRPr lang="en-PH" dirty="0"/>
+          </a:p>
+        </p:txBody>
+      </p:sp>
+      <p:sp>
+        <p:nvSpPr>
+          <p:cNvPr id="4" name="Footer Placeholder 3">
+            <a:extLst>
+              <a:ext uri="{FF2B5EF4-FFF2-40B4-BE49-F238E27FC236}">
+                <a16:creationId xmlns:a16="http://schemas.microsoft.com/office/drawing/2014/main" id="{84E83826-5BB3-4627-B4DB-43DDB3D16802}"/>
+              </a:ext>
+            </a:extLst>
+          </p:cNvPr>
+          <p:cNvSpPr>
+            <a:spLocks noGrp="1"/>
+          </p:cNvSpPr>
+          <p:nvPr>
+            <p:ph type="ftr" sz="quarter" idx="12"/>
+          </p:nvPr>
+        </p:nvSpPr>
+        <p:spPr/>
+        <p:txBody>
+          <a:bodyPr/>
+          <a:lstStyle/>
+          <a:p>
+            <a:r>
+              <a:rPr lang="en-GB" noProof="0"/>
+              <a:t>Swiss Software Engineering: </a:t>
+            </a:r>
+            <a:r>
+              <a:rPr lang="en-GB" b="1" noProof="0">
+                <a:latin typeface="Calibri"/>
+                <a:cs typeface="Calibri"/>
+              </a:rPr>
+              <a:t>betterask.erni</a:t>
+            </a:r>
+            <a:endParaRPr lang="en-GB" b="1" noProof="0" dirty="0">
+              <a:latin typeface="Calibri"/>
+              <a:cs typeface="Calibri"/>
+            </a:endParaRPr>
+          </a:p>
+        </p:txBody>
+      </p:sp>
+      <p:sp>
+        <p:nvSpPr>
+          <p:cNvPr id="5" name="Slide Number Placeholder 4">
+            <a:extLst>
+              <a:ext uri="{FF2B5EF4-FFF2-40B4-BE49-F238E27FC236}">
+                <a16:creationId xmlns:a16="http://schemas.microsoft.com/office/drawing/2014/main" id="{D071EBB8-A56D-4B75-BB58-00030B134957}"/>
+              </a:ext>
+            </a:extLst>
+          </p:cNvPr>
+          <p:cNvSpPr>
+            <a:spLocks noGrp="1"/>
+          </p:cNvSpPr>
+          <p:nvPr>
+            <p:ph type="sldNum" sz="quarter" idx="13"/>
+          </p:nvPr>
+        </p:nvSpPr>
+        <p:spPr/>
+        <p:txBody>
+          <a:bodyPr/>
+          <a:lstStyle/>
+          <a:p>
+            <a:fld id="{9F5F539E-0E69-451B-AC12-57C40F9178F7}" type="slidenum">
+              <a:rPr lang="en-GB" noProof="0" smtClean="0"/>
+              <a:pPr/>
+              <a:t>13</a:t>
+            </a:fld>
+            <a:endParaRPr lang="en-GB" noProof="0" dirty="0"/>
+          </a:p>
+        </p:txBody>
+      </p:sp>
+    </p:spTree>
+    <p:extLst>
+      <p:ext uri="{BB962C8B-B14F-4D97-AF65-F5344CB8AC3E}">
+        <p14:creationId xmlns:p14="http://schemas.microsoft.com/office/powerpoint/2010/main" val="4247981639"/>
+      </p:ext>
+    </p:extLst>
+  </p:cSld>
+  <p:clrMapOvr>
+    <a:masterClrMapping/>
+  </p:clrMapOvr>
+</p:sld>
+</file>
+
+<file path=ppt/slides/slide14.xml><?xml version="1.0" encoding="utf-8"?>
+<p:sld xmlns:a="http://schemas.openxmlformats.org/drawingml/2006/main" xmlns:r="http://schemas.openxmlformats.org/officeDocument/2006/relationships" xmlns:p="http://schemas.openxmlformats.org/presentationml/2006/main">
+  <p:cSld>
+    <p:spTree>
+      <p:nvGrpSpPr>
+        <p:cNvPr id="1" name=""/>
+        <p:cNvGrpSpPr/>
+        <p:nvPr/>
+      </p:nvGrpSpPr>
+      <p:grpSpPr>
+        <a:xfrm>
+          <a:off x="0" y="0"/>
+          <a:ext cx="0" cy="0"/>
+          <a:chOff x="0" y="0"/>
+          <a:chExt cx="0" cy="0"/>
+        </a:xfrm>
+      </p:grpSpPr>
+      <p:sp>
+        <p:nvSpPr>
+          <p:cNvPr id="2" name="Title 1">
+            <a:extLst>
+              <a:ext uri="{FF2B5EF4-FFF2-40B4-BE49-F238E27FC236}">
+                <a16:creationId xmlns:a16="http://schemas.microsoft.com/office/drawing/2014/main" id="{8A837DF9-6165-4DD3-9ECD-8C0B997AB081}"/>
+              </a:ext>
+            </a:extLst>
+          </p:cNvPr>
+          <p:cNvSpPr>
+            <a:spLocks noGrp="1"/>
+          </p:cNvSpPr>
+          <p:nvPr>
+            <p:ph type="title"/>
+          </p:nvPr>
+        </p:nvSpPr>
+        <p:spPr/>
+        <p:txBody>
+          <a:bodyPr/>
+          <a:lstStyle/>
+          <a:p>
+            <a:r>
+              <a:rPr lang="en-PH" dirty="0"/>
+              <a:t>Geometries (rendered with triangular Mesh technology)</a:t>
+            </a:r>
+          </a:p>
+        </p:txBody>
+      </p:sp>
+      <p:sp>
+        <p:nvSpPr>
+          <p:cNvPr id="3" name="Text Placeholder 2">
+            <a:extLst>
+              <a:ext uri="{FF2B5EF4-FFF2-40B4-BE49-F238E27FC236}">
+                <a16:creationId xmlns:a16="http://schemas.microsoft.com/office/drawing/2014/main" id="{1B65A60E-F2B7-451F-ABC0-8057B0E88657}"/>
+              </a:ext>
+            </a:extLst>
+          </p:cNvPr>
+          <p:cNvSpPr>
+            <a:spLocks noGrp="1"/>
+          </p:cNvSpPr>
+          <p:nvPr>
+            <p:ph type="body" sz="quarter" idx="10"/>
+          </p:nvPr>
+        </p:nvSpPr>
+        <p:spPr>
+          <a:xfrm>
+            <a:off x="245764" y="822612"/>
+            <a:ext cx="8549292" cy="3774325"/>
+          </a:xfrm>
+        </p:spPr>
+        <p:txBody>
+          <a:bodyPr/>
+          <a:lstStyle/>
+          <a:p>
+            <a:pPr marL="342900" indent="-342900">
+              <a:buAutoNum type="arabicPeriod"/>
+            </a:pPr>
+            <a:r>
+              <a:rPr lang="en-PH" dirty="0"/>
+              <a:t>Circle </a:t>
+            </a:r>
+          </a:p>
+          <a:p>
+            <a:pPr marL="342900" indent="-342900">
+              <a:buAutoNum type="arabicPeriod"/>
+            </a:pPr>
+            <a:r>
+              <a:rPr lang="en-PH" dirty="0"/>
+              <a:t>Ring</a:t>
+            </a:r>
+          </a:p>
+          <a:p>
+            <a:pPr marL="342900" indent="-342900">
+              <a:buAutoNum type="arabicPeriod"/>
+            </a:pPr>
+            <a:r>
+              <a:rPr lang="en-PH" dirty="0"/>
+              <a:t>Plane</a:t>
+            </a:r>
+          </a:p>
+          <a:p>
+            <a:pPr marL="342900" indent="-342900">
+              <a:buAutoNum type="arabicPeriod"/>
+            </a:pPr>
+            <a:r>
+              <a:rPr lang="en-PH" dirty="0"/>
+              <a:t>Shape</a:t>
+            </a:r>
+          </a:p>
+          <a:p>
+            <a:pPr marL="342900" indent="-342900">
+              <a:buAutoNum type="arabicPeriod"/>
+            </a:pPr>
+            <a:r>
+              <a:rPr lang="en-PH" dirty="0"/>
+              <a:t>Box</a:t>
+            </a:r>
+          </a:p>
+          <a:p>
+            <a:pPr marL="342900" indent="-342900">
+              <a:buAutoNum type="arabicPeriod"/>
+            </a:pPr>
+            <a:r>
+              <a:rPr lang="en-PH" dirty="0"/>
+              <a:t>Sphere </a:t>
+            </a:r>
+          </a:p>
+          <a:p>
+            <a:pPr marL="342900" indent="-342900">
+              <a:buAutoNum type="arabicPeriod"/>
+            </a:pPr>
+            <a:r>
+              <a:rPr lang="en-PH" dirty="0"/>
+              <a:t>Cylinder</a:t>
+            </a:r>
+          </a:p>
+          <a:p>
+            <a:pPr marL="342900" indent="-342900">
+              <a:buAutoNum type="arabicPeriod"/>
+            </a:pPr>
+            <a:r>
+              <a:rPr lang="en-PH" dirty="0"/>
+              <a:t>Torus</a:t>
+            </a:r>
+          </a:p>
+          <a:p>
+            <a:pPr marL="342900" indent="-342900">
+              <a:buAutoNum type="arabicPeriod"/>
+            </a:pPr>
+            <a:r>
+              <a:rPr lang="en-PH" dirty="0" err="1"/>
+              <a:t>TorusKnot</a:t>
+            </a:r>
+            <a:endParaRPr lang="en-PH" dirty="0"/>
+          </a:p>
+          <a:p>
+            <a:pPr marL="342900" indent="-342900">
+              <a:buAutoNum type="arabicPeriod"/>
+            </a:pPr>
+            <a:r>
+              <a:rPr lang="en-PH" dirty="0"/>
+              <a:t>Polyhedron</a:t>
+            </a:r>
+          </a:p>
+          <a:p>
+            <a:pPr marL="342900" indent="-342900">
+              <a:buAutoNum type="arabicPeriod"/>
+            </a:pPr>
+            <a:r>
+              <a:rPr lang="en-PH" dirty="0" err="1"/>
+              <a:t>IcosahedronGeometry</a:t>
+            </a:r>
+            <a:endParaRPr lang="en-PH" dirty="0"/>
+          </a:p>
+          <a:p>
+            <a:pPr marL="342900" indent="-342900">
+              <a:buAutoNum type="arabicPeriod"/>
+            </a:pPr>
+            <a:r>
+              <a:rPr lang="en-PH" dirty="0" err="1"/>
+              <a:t>OctahedronGeometry</a:t>
+            </a:r>
+            <a:endParaRPr lang="en-PH" dirty="0"/>
+          </a:p>
+          <a:p>
+            <a:pPr marL="342900" indent="-342900">
+              <a:buAutoNum type="arabicPeriod"/>
+            </a:pPr>
+            <a:r>
+              <a:rPr lang="en-PH" dirty="0"/>
+              <a:t>Text </a:t>
+            </a:r>
+            <a:r>
+              <a:rPr lang="en-PH" dirty="0" err="1"/>
+              <a:t>etc</a:t>
+            </a:r>
+            <a:endParaRPr lang="en-PH" dirty="0"/>
+          </a:p>
+        </p:txBody>
+      </p:sp>
+      <p:sp>
+        <p:nvSpPr>
+          <p:cNvPr id="4" name="Footer Placeholder 3">
+            <a:extLst>
+              <a:ext uri="{FF2B5EF4-FFF2-40B4-BE49-F238E27FC236}">
+                <a16:creationId xmlns:a16="http://schemas.microsoft.com/office/drawing/2014/main" id="{04966294-92F8-4A6A-8B08-460E6DD28B02}"/>
+              </a:ext>
+            </a:extLst>
+          </p:cNvPr>
+          <p:cNvSpPr>
+            <a:spLocks noGrp="1"/>
+          </p:cNvSpPr>
+          <p:nvPr>
+            <p:ph type="ftr" sz="quarter" idx="12"/>
+          </p:nvPr>
+        </p:nvSpPr>
+        <p:spPr/>
+        <p:txBody>
+          <a:bodyPr/>
+          <a:lstStyle/>
+          <a:p>
+            <a:r>
+              <a:rPr lang="en-GB" noProof="0"/>
+              <a:t>Swiss Software Engineering: </a:t>
+            </a:r>
+            <a:r>
+              <a:rPr lang="en-GB" b="1" noProof="0">
+                <a:latin typeface="Calibri"/>
+                <a:cs typeface="Calibri"/>
+              </a:rPr>
+              <a:t>betterask.erni</a:t>
+            </a:r>
+            <a:endParaRPr lang="en-GB" b="1" noProof="0" dirty="0">
+              <a:latin typeface="Calibri"/>
+              <a:cs typeface="Calibri"/>
+            </a:endParaRPr>
+          </a:p>
+        </p:txBody>
+      </p:sp>
+      <p:sp>
+        <p:nvSpPr>
+          <p:cNvPr id="5" name="Slide Number Placeholder 4">
+            <a:extLst>
+              <a:ext uri="{FF2B5EF4-FFF2-40B4-BE49-F238E27FC236}">
+                <a16:creationId xmlns:a16="http://schemas.microsoft.com/office/drawing/2014/main" id="{24D00C49-FDF7-466E-80A0-C13238577F17}"/>
+              </a:ext>
+            </a:extLst>
+          </p:cNvPr>
+          <p:cNvSpPr>
+            <a:spLocks noGrp="1"/>
+          </p:cNvSpPr>
+          <p:nvPr>
+            <p:ph type="sldNum" sz="quarter" idx="13"/>
+          </p:nvPr>
+        </p:nvSpPr>
+        <p:spPr/>
+        <p:txBody>
+          <a:bodyPr/>
+          <a:lstStyle/>
+          <a:p>
+            <a:fld id="{9F5F539E-0E69-451B-AC12-57C40F9178F7}" type="slidenum">
+              <a:rPr lang="en-GB" noProof="0" smtClean="0"/>
+              <a:pPr/>
+              <a:t>14</a:t>
+            </a:fld>
+            <a:endParaRPr lang="en-GB" noProof="0" dirty="0"/>
+          </a:p>
+        </p:txBody>
+      </p:sp>
+      <p:pic>
+        <p:nvPicPr>
+          <p:cNvPr id="6" name="Picture 5">
+            <a:extLst>
+              <a:ext uri="{FF2B5EF4-FFF2-40B4-BE49-F238E27FC236}">
+                <a16:creationId xmlns:a16="http://schemas.microsoft.com/office/drawing/2014/main" id="{0D55A50F-EB30-4BE8-877A-75B1B393453B}"/>
+              </a:ext>
+            </a:extLst>
+          </p:cNvPr>
+          <p:cNvPicPr>
+            <a:picLocks noChangeAspect="1"/>
+          </p:cNvPicPr>
+          <p:nvPr/>
+        </p:nvPicPr>
+        <p:blipFill>
+          <a:blip r:embed="rId3"/>
+          <a:stretch>
+            <a:fillRect/>
+          </a:stretch>
+        </p:blipFill>
+        <p:spPr>
+          <a:xfrm>
+            <a:off x="2996697" y="961051"/>
+            <a:ext cx="3680328" cy="3568086"/>
+          </a:xfrm>
+          <a:prstGeom prst="rect">
+            <a:avLst/>
+          </a:prstGeom>
+        </p:spPr>
+      </p:pic>
+    </p:spTree>
+    <p:extLst>
+      <p:ext uri="{BB962C8B-B14F-4D97-AF65-F5344CB8AC3E}">
+        <p14:creationId xmlns:p14="http://schemas.microsoft.com/office/powerpoint/2010/main" val="1481370410"/>
+      </p:ext>
+    </p:extLst>
+  </p:cSld>
+  <p:clrMapOvr>
+    <a:masterClrMapping/>
+  </p:clrMapOvr>
+</p:sld>
+</file>
+
+<file path=ppt/slides/slide15.xml><?xml version="1.0" encoding="utf-8"?>
+<p:sld xmlns:a="http://schemas.openxmlformats.org/drawingml/2006/main" xmlns:r="http://schemas.openxmlformats.org/officeDocument/2006/relationships" xmlns:p="http://schemas.openxmlformats.org/presentationml/2006/main">
+  <p:cSld>
+    <p:spTree>
+      <p:nvGrpSpPr>
+        <p:cNvPr id="1" name=""/>
+        <p:cNvGrpSpPr/>
+        <p:nvPr/>
+      </p:nvGrpSpPr>
+      <p:grpSpPr>
+        <a:xfrm>
+          <a:off x="0" y="0"/>
+          <a:ext cx="0" cy="0"/>
+          <a:chOff x="0" y="0"/>
+          <a:chExt cx="0" cy="0"/>
+        </a:xfrm>
+      </p:grpSpPr>
+      <p:sp>
+        <p:nvSpPr>
+          <p:cNvPr id="2" name="Title 1">
+            <a:extLst>
+              <a:ext uri="{FF2B5EF4-FFF2-40B4-BE49-F238E27FC236}">
+                <a16:creationId xmlns:a16="http://schemas.microsoft.com/office/drawing/2014/main" id="{8B569737-6362-443E-B5E8-B4F4AEA30A99}"/>
+              </a:ext>
+            </a:extLst>
+          </p:cNvPr>
+          <p:cNvSpPr>
+            <a:spLocks noGrp="1"/>
+          </p:cNvSpPr>
+          <p:nvPr>
+            <p:ph type="title"/>
+          </p:nvPr>
+        </p:nvSpPr>
+        <p:spPr/>
+        <p:txBody>
+          <a:bodyPr/>
+          <a:lstStyle/>
+          <a:p>
+            <a:r>
+              <a:rPr lang="en-PH" dirty="0"/>
+              <a:t>Sample</a:t>
+            </a:r>
+          </a:p>
+        </p:txBody>
+      </p:sp>
+      <p:sp>
+        <p:nvSpPr>
+          <p:cNvPr id="3" name="Text Placeholder 2">
+            <a:extLst>
+              <a:ext uri="{FF2B5EF4-FFF2-40B4-BE49-F238E27FC236}">
+                <a16:creationId xmlns:a16="http://schemas.microsoft.com/office/drawing/2014/main" id="{60C8D967-3AA6-4006-AF36-C7C8EC764784}"/>
+              </a:ext>
+            </a:extLst>
+          </p:cNvPr>
+          <p:cNvSpPr>
+            <a:spLocks noGrp="1"/>
+          </p:cNvSpPr>
+          <p:nvPr>
+            <p:ph type="body" sz="quarter" idx="10"/>
+          </p:nvPr>
+        </p:nvSpPr>
+        <p:spPr/>
+        <p:txBody>
+          <a:bodyPr/>
+          <a:lstStyle/>
+          <a:p>
+            <a:endParaRPr lang="en-PH"/>
+          </a:p>
+        </p:txBody>
+      </p:sp>
+      <p:sp>
+        <p:nvSpPr>
+          <p:cNvPr id="4" name="Footer Placeholder 3">
+            <a:extLst>
+              <a:ext uri="{FF2B5EF4-FFF2-40B4-BE49-F238E27FC236}">
+                <a16:creationId xmlns:a16="http://schemas.microsoft.com/office/drawing/2014/main" id="{F0202C52-58E7-4DBF-AB9B-C4CE1B34706F}"/>
+              </a:ext>
+            </a:extLst>
+          </p:cNvPr>
+          <p:cNvSpPr>
+            <a:spLocks noGrp="1"/>
+          </p:cNvSpPr>
+          <p:nvPr>
+            <p:ph type="ftr" sz="quarter" idx="12"/>
+          </p:nvPr>
+        </p:nvSpPr>
+        <p:spPr/>
+        <p:txBody>
+          <a:bodyPr/>
+          <a:lstStyle/>
+          <a:p>
+            <a:r>
+              <a:rPr lang="en-GB" noProof="0"/>
+              <a:t>Swiss Software Engineering: </a:t>
+            </a:r>
+            <a:r>
+              <a:rPr lang="en-GB" b="1" noProof="0">
+                <a:latin typeface="Calibri"/>
+                <a:cs typeface="Calibri"/>
+              </a:rPr>
+              <a:t>betterask.erni</a:t>
+            </a:r>
+            <a:endParaRPr lang="en-GB" b="1" noProof="0" dirty="0">
+              <a:latin typeface="Calibri"/>
+              <a:cs typeface="Calibri"/>
+            </a:endParaRPr>
+          </a:p>
+        </p:txBody>
+      </p:sp>
+      <p:sp>
+        <p:nvSpPr>
+          <p:cNvPr id="5" name="Slide Number Placeholder 4">
+            <a:extLst>
+              <a:ext uri="{FF2B5EF4-FFF2-40B4-BE49-F238E27FC236}">
+                <a16:creationId xmlns:a16="http://schemas.microsoft.com/office/drawing/2014/main" id="{DE146642-359F-4879-8F3A-63446852B4FA}"/>
+              </a:ext>
+            </a:extLst>
+          </p:cNvPr>
+          <p:cNvSpPr>
+            <a:spLocks noGrp="1"/>
+          </p:cNvSpPr>
+          <p:nvPr>
+            <p:ph type="sldNum" sz="quarter" idx="13"/>
+          </p:nvPr>
+        </p:nvSpPr>
+        <p:spPr/>
+        <p:txBody>
+          <a:bodyPr/>
+          <a:lstStyle/>
+          <a:p>
+            <a:fld id="{9F5F539E-0E69-451B-AC12-57C40F9178F7}" type="slidenum">
+              <a:rPr lang="en-GB" noProof="0" smtClean="0"/>
+              <a:pPr/>
+              <a:t>15</a:t>
+            </a:fld>
+            <a:endParaRPr lang="en-GB" noProof="0" dirty="0"/>
+          </a:p>
+        </p:txBody>
+      </p:sp>
+    </p:spTree>
+    <p:extLst>
+      <p:ext uri="{BB962C8B-B14F-4D97-AF65-F5344CB8AC3E}">
+        <p14:creationId xmlns:p14="http://schemas.microsoft.com/office/powerpoint/2010/main" val="2612721371"/>
+      </p:ext>
+    </p:extLst>
+  </p:cSld>
+  <p:clrMapOvr>
+    <a:masterClrMapping/>
+  </p:clrMapOvr>
+</p:sld>
+</file>
+
+<file path=ppt/slides/slide16.xml><?xml version="1.0" encoding="utf-8"?>
+<p:sld xmlns:a="http://schemas.openxmlformats.org/drawingml/2006/main" xmlns:r="http://schemas.openxmlformats.org/officeDocument/2006/relationships" xmlns:p="http://schemas.openxmlformats.org/presentationml/2006/main">
+  <p:cSld>
+    <p:spTree>
+      <p:nvGrpSpPr>
+        <p:cNvPr id="1" name=""/>
+        <p:cNvGrpSpPr/>
+        <p:nvPr/>
+      </p:nvGrpSpPr>
+      <p:grpSpPr>
+        <a:xfrm>
+          <a:off x="0" y="0"/>
+          <a:ext cx="0" cy="0"/>
+          <a:chOff x="0" y="0"/>
+          <a:chExt cx="0" cy="0"/>
+        </a:xfrm>
+      </p:grpSpPr>
+      <p:sp>
+        <p:nvSpPr>
+          <p:cNvPr id="2" name="Title 1">
+            <a:extLst>
+              <a:ext uri="{FF2B5EF4-FFF2-40B4-BE49-F238E27FC236}">
+                <a16:creationId xmlns:a16="http://schemas.microsoft.com/office/drawing/2014/main" id="{1EC31602-A94F-45AF-8978-33BC0F94D8B7}"/>
+              </a:ext>
+            </a:extLst>
+          </p:cNvPr>
+          <p:cNvSpPr>
+            <a:spLocks noGrp="1"/>
+          </p:cNvSpPr>
+          <p:nvPr>
+            <p:ph type="title"/>
+          </p:nvPr>
+        </p:nvSpPr>
+        <p:spPr/>
+        <p:txBody>
+          <a:bodyPr/>
+          <a:lstStyle/>
+          <a:p>
+            <a:r>
+              <a:rPr lang="en-PH" dirty="0"/>
+              <a:t>Gamepad API</a:t>
+            </a:r>
+          </a:p>
+        </p:txBody>
+      </p:sp>
+      <p:sp>
+        <p:nvSpPr>
+          <p:cNvPr id="3" name="Text Placeholder 2">
+            <a:extLst>
+              <a:ext uri="{FF2B5EF4-FFF2-40B4-BE49-F238E27FC236}">
+                <a16:creationId xmlns:a16="http://schemas.microsoft.com/office/drawing/2014/main" id="{DBF856BA-0D1B-4F35-A1DA-4DBB7DD3494D}"/>
+              </a:ext>
+            </a:extLst>
+          </p:cNvPr>
+          <p:cNvSpPr>
+            <a:spLocks noGrp="1"/>
+          </p:cNvSpPr>
+          <p:nvPr>
+            <p:ph type="body" sz="quarter" idx="10"/>
+          </p:nvPr>
+        </p:nvSpPr>
+        <p:spPr>
+          <a:xfrm>
+            <a:off x="245764" y="822614"/>
+            <a:ext cx="8549292" cy="855715"/>
+          </a:xfrm>
+        </p:spPr>
+        <p:txBody>
+          <a:bodyPr/>
+          <a:lstStyle/>
+          <a:p>
+            <a:r>
+              <a:rPr lang="en-US" dirty="0"/>
+              <a:t>The Gamepad API is a way for developers and designers to access and use gamepads and other game controllers.</a:t>
+            </a:r>
+          </a:p>
+          <a:p>
+            <a:r>
+              <a:rPr lang="en-US" dirty="0"/>
+              <a:t>- Connecting to gamepad</a:t>
+            </a:r>
+          </a:p>
+          <a:p>
+            <a:endParaRPr lang="en-PH" dirty="0"/>
+          </a:p>
+        </p:txBody>
+      </p:sp>
+      <p:sp>
+        <p:nvSpPr>
+          <p:cNvPr id="4" name="Footer Placeholder 3">
+            <a:extLst>
+              <a:ext uri="{FF2B5EF4-FFF2-40B4-BE49-F238E27FC236}">
+                <a16:creationId xmlns:a16="http://schemas.microsoft.com/office/drawing/2014/main" id="{6646BEA3-FA64-49FB-B7A6-49FC01A675B5}"/>
+              </a:ext>
+            </a:extLst>
+          </p:cNvPr>
+          <p:cNvSpPr>
+            <a:spLocks noGrp="1"/>
+          </p:cNvSpPr>
+          <p:nvPr>
+            <p:ph type="ftr" sz="quarter" idx="12"/>
+          </p:nvPr>
+        </p:nvSpPr>
+        <p:spPr/>
+        <p:txBody>
+          <a:bodyPr/>
+          <a:lstStyle/>
+          <a:p>
+            <a:r>
+              <a:rPr lang="en-GB" noProof="0"/>
+              <a:t>Swiss Software Engineering: </a:t>
+            </a:r>
+            <a:r>
+              <a:rPr lang="en-GB" b="1" noProof="0">
+                <a:latin typeface="Calibri"/>
+                <a:cs typeface="Calibri"/>
+              </a:rPr>
+              <a:t>betterask.erni</a:t>
+            </a:r>
+            <a:endParaRPr lang="en-GB" b="1" noProof="0" dirty="0">
+              <a:latin typeface="Calibri"/>
+              <a:cs typeface="Calibri"/>
+            </a:endParaRPr>
+          </a:p>
+        </p:txBody>
+      </p:sp>
+      <p:sp>
+        <p:nvSpPr>
+          <p:cNvPr id="5" name="Slide Number Placeholder 4">
+            <a:extLst>
+              <a:ext uri="{FF2B5EF4-FFF2-40B4-BE49-F238E27FC236}">
+                <a16:creationId xmlns:a16="http://schemas.microsoft.com/office/drawing/2014/main" id="{35F640F2-6243-4958-BB31-30FAF6034E9F}"/>
+              </a:ext>
+            </a:extLst>
+          </p:cNvPr>
+          <p:cNvSpPr>
+            <a:spLocks noGrp="1"/>
+          </p:cNvSpPr>
+          <p:nvPr>
+            <p:ph type="sldNum" sz="quarter" idx="13"/>
+          </p:nvPr>
+        </p:nvSpPr>
+        <p:spPr/>
+        <p:txBody>
+          <a:bodyPr/>
+          <a:lstStyle/>
+          <a:p>
+            <a:fld id="{9F5F539E-0E69-451B-AC12-57C40F9178F7}" type="slidenum">
+              <a:rPr lang="en-GB" noProof="0" smtClean="0"/>
+              <a:pPr/>
+              <a:t>16</a:t>
+            </a:fld>
+            <a:endParaRPr lang="en-GB" noProof="0" dirty="0"/>
+          </a:p>
+        </p:txBody>
+      </p:sp>
+    </p:spTree>
+    <p:extLst>
+      <p:ext uri="{BB962C8B-B14F-4D97-AF65-F5344CB8AC3E}">
+        <p14:creationId xmlns:p14="http://schemas.microsoft.com/office/powerpoint/2010/main" val="3446657906"/>
+      </p:ext>
+    </p:extLst>
+  </p:cSld>
+  <p:clrMapOvr>
+    <a:masterClrMapping/>
+  </p:clrMapOvr>
+</p:sld>
+</file>
+
+<file path=ppt/slides/slide17.xml><?xml version="1.0" encoding="utf-8"?>
+<p:sld xmlns:a="http://schemas.openxmlformats.org/drawingml/2006/main" xmlns:r="http://schemas.openxmlformats.org/officeDocument/2006/relationships" xmlns:p="http://schemas.openxmlformats.org/presentationml/2006/main">
+  <p:cSld>
+    <p:spTree>
+      <p:nvGrpSpPr>
+        <p:cNvPr id="1" name=""/>
+        <p:cNvGrpSpPr/>
+        <p:nvPr/>
+      </p:nvGrpSpPr>
+      <p:grpSpPr>
+        <a:xfrm>
+          <a:off x="0" y="0"/>
+          <a:ext cx="0" cy="0"/>
+          <a:chOff x="0" y="0"/>
+          <a:chExt cx="0" cy="0"/>
+        </a:xfrm>
+      </p:grpSpPr>
+      <p:sp>
+        <p:nvSpPr>
+          <p:cNvPr id="2" name="Title 1">
+            <a:extLst>
+              <a:ext uri="{FF2B5EF4-FFF2-40B4-BE49-F238E27FC236}">
+                <a16:creationId xmlns:a16="http://schemas.microsoft.com/office/drawing/2014/main" id="{47BB6A11-2BE6-49CD-ACD4-5E193752A81E}"/>
+              </a:ext>
+            </a:extLst>
+          </p:cNvPr>
+          <p:cNvSpPr>
+            <a:spLocks noGrp="1"/>
+          </p:cNvSpPr>
+          <p:nvPr>
+            <p:ph type="title"/>
+          </p:nvPr>
+        </p:nvSpPr>
+        <p:spPr/>
+        <p:txBody>
+          <a:bodyPr/>
+          <a:lstStyle/>
+          <a:p>
+            <a:r>
+              <a:rPr lang="en-PH" dirty="0"/>
+              <a:t>Thank you so much </a:t>
+            </a:r>
+            <a:r>
+              <a:rPr lang="en-PH" dirty="0">
+                <a:sym typeface="Wingdings" panose="05000000000000000000" pitchFamily="2" charset="2"/>
+              </a:rPr>
+              <a:t></a:t>
+            </a:r>
+            <a:endParaRPr lang="en-PH" dirty="0"/>
+          </a:p>
+        </p:txBody>
+      </p:sp>
+      <p:sp>
+        <p:nvSpPr>
+          <p:cNvPr id="3" name="Text Placeholder 2">
+            <a:extLst>
+              <a:ext uri="{FF2B5EF4-FFF2-40B4-BE49-F238E27FC236}">
+                <a16:creationId xmlns:a16="http://schemas.microsoft.com/office/drawing/2014/main" id="{786355E4-9103-4E17-B219-A00DAA773F18}"/>
+              </a:ext>
+            </a:extLst>
+          </p:cNvPr>
+          <p:cNvSpPr>
+            <a:spLocks noGrp="1"/>
+          </p:cNvSpPr>
+          <p:nvPr>
+            <p:ph type="body" sz="quarter" idx="10"/>
+          </p:nvPr>
+        </p:nvSpPr>
+        <p:spPr/>
+        <p:txBody>
+          <a:bodyPr/>
+          <a:lstStyle/>
+          <a:p>
+            <a:endParaRPr lang="en-PH" dirty="0"/>
+          </a:p>
+        </p:txBody>
+      </p:sp>
+      <p:sp>
+        <p:nvSpPr>
+          <p:cNvPr id="4" name="Footer Placeholder 3">
+            <a:extLst>
+              <a:ext uri="{FF2B5EF4-FFF2-40B4-BE49-F238E27FC236}">
+                <a16:creationId xmlns:a16="http://schemas.microsoft.com/office/drawing/2014/main" id="{13965F57-3AA5-4FE9-BA51-7B6A2CD0C57C}"/>
+              </a:ext>
+            </a:extLst>
+          </p:cNvPr>
+          <p:cNvSpPr>
+            <a:spLocks noGrp="1"/>
+          </p:cNvSpPr>
+          <p:nvPr>
+            <p:ph type="ftr" sz="quarter" idx="12"/>
+          </p:nvPr>
+        </p:nvSpPr>
+        <p:spPr/>
+        <p:txBody>
+          <a:bodyPr/>
+          <a:lstStyle/>
+          <a:p>
+            <a:r>
+              <a:rPr lang="en-GB" noProof="0"/>
+              <a:t>Swiss Software Engineering: </a:t>
+            </a:r>
+            <a:r>
+              <a:rPr lang="en-GB" b="1" noProof="0">
+                <a:latin typeface="Calibri"/>
+                <a:cs typeface="Calibri"/>
+              </a:rPr>
+              <a:t>betterask.erni</a:t>
+            </a:r>
+            <a:endParaRPr lang="en-GB" b="1" noProof="0" dirty="0">
+              <a:latin typeface="Calibri"/>
+              <a:cs typeface="Calibri"/>
+            </a:endParaRPr>
+          </a:p>
+        </p:txBody>
+      </p:sp>
+      <p:sp>
+        <p:nvSpPr>
+          <p:cNvPr id="5" name="Slide Number Placeholder 4">
+            <a:extLst>
+              <a:ext uri="{FF2B5EF4-FFF2-40B4-BE49-F238E27FC236}">
+                <a16:creationId xmlns:a16="http://schemas.microsoft.com/office/drawing/2014/main" id="{AA1DDC62-9103-4096-9C73-7BEC4BE7A779}"/>
+              </a:ext>
+            </a:extLst>
+          </p:cNvPr>
+          <p:cNvSpPr>
+            <a:spLocks noGrp="1"/>
+          </p:cNvSpPr>
+          <p:nvPr>
+            <p:ph type="sldNum" sz="quarter" idx="13"/>
+          </p:nvPr>
+        </p:nvSpPr>
+        <p:spPr/>
+        <p:txBody>
+          <a:bodyPr/>
+          <a:lstStyle/>
+          <a:p>
+            <a:fld id="{9F5F539E-0E69-451B-AC12-57C40F9178F7}" type="slidenum">
+              <a:rPr lang="en-GB" noProof="0" smtClean="0"/>
+              <a:pPr/>
+              <a:t>17</a:t>
+            </a:fld>
+            <a:endParaRPr lang="en-GB" noProof="0" dirty="0"/>
+          </a:p>
+        </p:txBody>
+      </p:sp>
+    </p:spTree>
+    <p:extLst>
+      <p:ext uri="{BB962C8B-B14F-4D97-AF65-F5344CB8AC3E}">
+        <p14:creationId xmlns:p14="http://schemas.microsoft.com/office/powerpoint/2010/main" val="3266900472"/>
+      </p:ext>
+    </p:extLst>
+  </p:cSld>
+  <p:clrMapOvr>
+    <a:masterClrMapping/>
+  </p:clrMapOvr>
+</p:sld>
+</file>
+
+<file path=ppt/slides/slide18.xml><?xml version="1.0" encoding="utf-8"?>
+<p:sld xmlns:a="http://schemas.openxmlformats.org/drawingml/2006/main" xmlns:r="http://schemas.openxmlformats.org/officeDocument/2006/relationships" xmlns:p="http://schemas.openxmlformats.org/presentationml/2006/main">
+  <p:cSld>
+    <p:spTree>
+      <p:nvGrpSpPr>
+        <p:cNvPr id="1" name=""/>
+        <p:cNvGrpSpPr/>
+        <p:nvPr/>
+      </p:nvGrpSpPr>
+      <p:grpSpPr>
+        <a:xfrm>
+          <a:off x="0" y="0"/>
+          <a:ext cx="0" cy="0"/>
+          <a:chOff x="0" y="0"/>
+          <a:chExt cx="0" cy="0"/>
+        </a:xfrm>
+      </p:grpSpPr>
+    </p:spTree>
+    <p:extLst>
+      <p:ext uri="{BB962C8B-B14F-4D97-AF65-F5344CB8AC3E}">
+        <p14:creationId xmlns:p14="http://schemas.microsoft.com/office/powerpoint/2010/main" val="269812124"/>
+      </p:ext>
+    </p:extLst>
+  </p:cSld>
+  <p:clrMapOvr>
+    <a:masterClrMapping/>
+  </p:clrMapOvr>
+</p:sld>
+</file>
+
+<file path=ppt/slides/slide2.xml><?xml version="1.0" encoding="utf-8"?>
+<p:sld xmlns:a="http://schemas.openxmlformats.org/drawingml/2006/main" xmlns:r="http://schemas.openxmlformats.org/officeDocument/2006/relationships" xmlns:p="http://schemas.openxmlformats.org/presentationml/2006/main">
+  <p:cSld>
+    <p:spTree>
+      <p:nvGrpSpPr>
+        <p:cNvPr id="1" name=""/>
+        <p:cNvGrpSpPr/>
+        <p:nvPr/>
+      </p:nvGrpSpPr>
+      <p:grpSpPr>
+        <a:xfrm>
+          <a:off x="0" y="0"/>
+          <a:ext cx="0" cy="0"/>
+          <a:chOff x="0" y="0"/>
+          <a:chExt cx="0" cy="0"/>
+        </a:xfrm>
+      </p:grpSpPr>
+      <p:sp>
+        <p:nvSpPr>
+          <p:cNvPr id="4" name="Footer Placeholder 3">
+            <a:extLst>
+              <a:ext uri="{FF2B5EF4-FFF2-40B4-BE49-F238E27FC236}">
+                <a16:creationId xmlns:a16="http://schemas.microsoft.com/office/drawing/2014/main" id="{E8DC8C89-64A4-4632-A5DD-DD38705F6181}"/>
+              </a:ext>
+            </a:extLst>
+          </p:cNvPr>
+          <p:cNvSpPr>
+            <a:spLocks noGrp="1"/>
+          </p:cNvSpPr>
+          <p:nvPr>
+            <p:ph type="ftr" sz="quarter" idx="12"/>
+          </p:nvPr>
+        </p:nvSpPr>
+        <p:spPr/>
+        <p:txBody>
+          <a:bodyPr/>
+          <a:lstStyle/>
+          <a:p>
+            <a:r>
+              <a:rPr lang="en-GB" noProof="0"/>
+              <a:t>Swiss Software Engineering: </a:t>
+            </a:r>
+            <a:r>
+              <a:rPr lang="en-GB" b="1" noProof="0">
+                <a:latin typeface="Calibri"/>
+                <a:cs typeface="Calibri"/>
+              </a:rPr>
+              <a:t>betterask.erni</a:t>
+            </a:r>
+            <a:endParaRPr lang="en-GB" b="1" noProof="0" dirty="0">
+              <a:latin typeface="Calibri"/>
+              <a:cs typeface="Calibri"/>
+            </a:endParaRPr>
+          </a:p>
+        </p:txBody>
+      </p:sp>
+      <p:sp>
+        <p:nvSpPr>
+          <p:cNvPr id="5" name="Slide Number Placeholder 4">
+            <a:extLst>
+              <a:ext uri="{FF2B5EF4-FFF2-40B4-BE49-F238E27FC236}">
+                <a16:creationId xmlns:a16="http://schemas.microsoft.com/office/drawing/2014/main" id="{31D66420-7FFC-4A61-9954-74F8639806A7}"/>
+              </a:ext>
+            </a:extLst>
+          </p:cNvPr>
+          <p:cNvSpPr>
+            <a:spLocks noGrp="1"/>
+          </p:cNvSpPr>
+          <p:nvPr>
+            <p:ph type="sldNum" sz="quarter" idx="13"/>
+          </p:nvPr>
+        </p:nvSpPr>
+        <p:spPr/>
+        <p:txBody>
+          <a:bodyPr/>
+          <a:lstStyle/>
+          <a:p>
+            <a:fld id="{9F5F539E-0E69-451B-AC12-57C40F9178F7}" type="slidenum">
+              <a:rPr lang="en-GB" noProof="0" smtClean="0"/>
+              <a:pPr/>
+              <a:t>2</a:t>
+            </a:fld>
+            <a:endParaRPr lang="en-GB" noProof="0" dirty="0"/>
+          </a:p>
+        </p:txBody>
+      </p:sp>
+      <p:sp>
+        <p:nvSpPr>
+          <p:cNvPr id="9" name="Text Placeholder 8">
+            <a:extLst>
+              <a:ext uri="{FF2B5EF4-FFF2-40B4-BE49-F238E27FC236}">
+                <a16:creationId xmlns:a16="http://schemas.microsoft.com/office/drawing/2014/main" id="{13808BCD-23A4-4E42-A3B9-228FFFCB1200}"/>
+              </a:ext>
+            </a:extLst>
+          </p:cNvPr>
+          <p:cNvSpPr>
+            <a:spLocks noGrp="1"/>
+          </p:cNvSpPr>
+          <p:nvPr>
+            <p:ph type="body" sz="quarter" idx="10"/>
+          </p:nvPr>
+        </p:nvSpPr>
+        <p:spPr/>
+        <p:txBody>
+          <a:bodyPr/>
+          <a:lstStyle/>
+          <a:p>
+            <a:endParaRPr lang="en-PH"/>
+          </a:p>
+        </p:txBody>
+      </p:sp>
+      <p:sp>
+        <p:nvSpPr>
+          <p:cNvPr id="11" name="Title 10">
+            <a:extLst>
+              <a:ext uri="{FF2B5EF4-FFF2-40B4-BE49-F238E27FC236}">
+                <a16:creationId xmlns:a16="http://schemas.microsoft.com/office/drawing/2014/main" id="{DE0AC23B-9C91-4A21-AF7F-D0149941C0C1}"/>
+              </a:ext>
+            </a:extLst>
+          </p:cNvPr>
+          <p:cNvSpPr>
+            <a:spLocks noGrp="1"/>
+          </p:cNvSpPr>
+          <p:nvPr>
+            <p:ph type="title"/>
+          </p:nvPr>
+        </p:nvSpPr>
+        <p:spPr/>
+        <p:txBody>
+          <a:bodyPr/>
+          <a:lstStyle/>
+          <a:p>
+            <a:endParaRPr lang="en-PH"/>
+          </a:p>
+        </p:txBody>
+      </p:sp>
+      <p:pic>
+        <p:nvPicPr>
+          <p:cNvPr id="13" name="Picture 12">
+            <a:extLst>
+              <a:ext uri="{FF2B5EF4-FFF2-40B4-BE49-F238E27FC236}">
+                <a16:creationId xmlns:a16="http://schemas.microsoft.com/office/drawing/2014/main" id="{716A200D-885D-4DFD-87F1-92139C1252EE}"/>
+              </a:ext>
+            </a:extLst>
+          </p:cNvPr>
+          <p:cNvPicPr>
+            <a:picLocks noChangeAspect="1"/>
+          </p:cNvPicPr>
+          <p:nvPr/>
+        </p:nvPicPr>
+        <p:blipFill>
+          <a:blip r:embed="rId3"/>
+          <a:stretch>
+            <a:fillRect/>
+          </a:stretch>
+        </p:blipFill>
+        <p:spPr>
+          <a:xfrm>
+            <a:off x="1071562" y="255182"/>
+            <a:ext cx="7000875" cy="4464418"/>
+          </a:xfrm>
+          <a:prstGeom prst="rect">
+            <a:avLst/>
+          </a:prstGeom>
+        </p:spPr>
+      </p:pic>
+    </p:spTree>
+    <p:extLst>
+      <p:ext uri="{BB962C8B-B14F-4D97-AF65-F5344CB8AC3E}">
+        <p14:creationId xmlns:p14="http://schemas.microsoft.com/office/powerpoint/2010/main" val="1970054128"/>
+      </p:ext>
+    </p:extLst>
+  </p:cSld>
+  <p:clrMapOvr>
+    <a:masterClrMapping/>
+  </p:clrMapOvr>
+</p:sld>
+</file>
+
+<file path=ppt/slides/slide3.xml><?xml version="1.0" encoding="utf-8"?>
+<p:sld xmlns:a="http://schemas.openxmlformats.org/drawingml/2006/main" xmlns:r="http://schemas.openxmlformats.org/officeDocument/2006/relationships" xmlns:p="http://schemas.openxmlformats.org/presentationml/2006/main">
+  <p:cSld>
+    <p:spTree>
+      <p:nvGrpSpPr>
+        <p:cNvPr id="1" name=""/>
+        <p:cNvGrpSpPr/>
+        <p:nvPr/>
+      </p:nvGrpSpPr>
+      <p:grpSpPr>
+        <a:xfrm>
+          <a:off x="0" y="0"/>
+          <a:ext cx="0" cy="0"/>
+          <a:chOff x="0" y="0"/>
+          <a:chExt cx="0" cy="0"/>
+        </a:xfrm>
+      </p:grpSpPr>
+      <p:sp>
+        <p:nvSpPr>
+          <p:cNvPr id="2" name="Title 1">
+            <a:extLst>
+              <a:ext uri="{FF2B5EF4-FFF2-40B4-BE49-F238E27FC236}">
+                <a16:creationId xmlns:a16="http://schemas.microsoft.com/office/drawing/2014/main" id="{A673E213-1DE2-4819-AC24-2BFFFCB6A88B}"/>
+              </a:ext>
+            </a:extLst>
+          </p:cNvPr>
+          <p:cNvSpPr>
+            <a:spLocks noGrp="1"/>
+          </p:cNvSpPr>
+          <p:nvPr>
+            <p:ph type="title"/>
+          </p:nvPr>
+        </p:nvSpPr>
+        <p:spPr/>
+        <p:txBody>
+          <a:bodyPr/>
+          <a:lstStyle/>
+          <a:p>
+            <a:endParaRPr lang="en-PH"/>
+          </a:p>
+        </p:txBody>
+      </p:sp>
+      <p:sp>
+        <p:nvSpPr>
+          <p:cNvPr id="3" name="Text Placeholder 2">
+            <a:extLst>
+              <a:ext uri="{FF2B5EF4-FFF2-40B4-BE49-F238E27FC236}">
+                <a16:creationId xmlns:a16="http://schemas.microsoft.com/office/drawing/2014/main" id="{FFE84B8B-FC02-40C9-A752-03CB4215E634}"/>
+              </a:ext>
+            </a:extLst>
+          </p:cNvPr>
+          <p:cNvSpPr>
+            <a:spLocks noGrp="1"/>
+          </p:cNvSpPr>
+          <p:nvPr>
+            <p:ph type="body" sz="quarter" idx="10"/>
+          </p:nvPr>
+        </p:nvSpPr>
+        <p:spPr/>
+        <p:txBody>
+          <a:bodyPr/>
+          <a:lstStyle/>
+          <a:p>
+            <a:endParaRPr lang="en-PH"/>
+          </a:p>
+        </p:txBody>
+      </p:sp>
+      <p:sp>
+        <p:nvSpPr>
+          <p:cNvPr id="4" name="Footer Placeholder 3">
+            <a:extLst>
+              <a:ext uri="{FF2B5EF4-FFF2-40B4-BE49-F238E27FC236}">
+                <a16:creationId xmlns:a16="http://schemas.microsoft.com/office/drawing/2014/main" id="{A4CF478B-9F53-4B3E-A675-937303B97E6F}"/>
+              </a:ext>
+            </a:extLst>
+          </p:cNvPr>
+          <p:cNvSpPr>
+            <a:spLocks noGrp="1"/>
+          </p:cNvSpPr>
+          <p:nvPr>
+            <p:ph type="ftr" sz="quarter" idx="12"/>
+          </p:nvPr>
+        </p:nvSpPr>
+        <p:spPr/>
+        <p:txBody>
+          <a:bodyPr/>
+          <a:lstStyle/>
+          <a:p>
+            <a:r>
+              <a:rPr lang="en-GB" noProof="0"/>
+              <a:t>Swiss Software Engineering: </a:t>
+            </a:r>
+            <a:r>
+              <a:rPr lang="en-GB" b="1" noProof="0">
+                <a:latin typeface="Calibri"/>
+                <a:cs typeface="Calibri"/>
+              </a:rPr>
+              <a:t>betterask.erni</a:t>
+            </a:r>
+            <a:endParaRPr lang="en-GB" b="1" noProof="0" dirty="0">
+              <a:latin typeface="Calibri"/>
+              <a:cs typeface="Calibri"/>
+            </a:endParaRPr>
+          </a:p>
+        </p:txBody>
+      </p:sp>
+      <p:sp>
+        <p:nvSpPr>
+          <p:cNvPr id="5" name="Slide Number Placeholder 4">
+            <a:extLst>
+              <a:ext uri="{FF2B5EF4-FFF2-40B4-BE49-F238E27FC236}">
+                <a16:creationId xmlns:a16="http://schemas.microsoft.com/office/drawing/2014/main" id="{3D51C4A3-7203-47F1-8EFB-52DB2E332D17}"/>
+              </a:ext>
+            </a:extLst>
+          </p:cNvPr>
+          <p:cNvSpPr>
+            <a:spLocks noGrp="1"/>
+          </p:cNvSpPr>
+          <p:nvPr>
+            <p:ph type="sldNum" sz="quarter" idx="13"/>
+          </p:nvPr>
+        </p:nvSpPr>
+        <p:spPr/>
+        <p:txBody>
+          <a:bodyPr/>
+          <a:lstStyle/>
+          <a:p>
+            <a:fld id="{9F5F539E-0E69-451B-AC12-57C40F9178F7}" type="slidenum">
+              <a:rPr lang="en-GB" noProof="0" smtClean="0"/>
+              <a:pPr/>
+              <a:t>3</a:t>
+            </a:fld>
+            <a:endParaRPr lang="en-GB" noProof="0" dirty="0"/>
+          </a:p>
+        </p:txBody>
+      </p:sp>
+      <p:pic>
+        <p:nvPicPr>
+          <p:cNvPr id="7" name="Picture 6">
+            <a:extLst>
+              <a:ext uri="{FF2B5EF4-FFF2-40B4-BE49-F238E27FC236}">
+                <a16:creationId xmlns:a16="http://schemas.microsoft.com/office/drawing/2014/main" id="{965966C7-AA71-4A46-A5AD-67BB833BFE21}"/>
+              </a:ext>
+            </a:extLst>
+          </p:cNvPr>
+          <p:cNvPicPr>
+            <a:picLocks noChangeAspect="1"/>
+          </p:cNvPicPr>
+          <p:nvPr/>
+        </p:nvPicPr>
+        <p:blipFill>
+          <a:blip r:embed="rId2"/>
+          <a:stretch>
+            <a:fillRect/>
+          </a:stretch>
+        </p:blipFill>
+        <p:spPr>
+          <a:xfrm>
+            <a:off x="915944" y="423900"/>
+            <a:ext cx="7312111" cy="4295699"/>
+          </a:xfrm>
+          <a:prstGeom prst="rect">
+            <a:avLst/>
+          </a:prstGeom>
+        </p:spPr>
+      </p:pic>
+    </p:spTree>
+    <p:extLst>
+      <p:ext uri="{BB962C8B-B14F-4D97-AF65-F5344CB8AC3E}">
+        <p14:creationId xmlns:p14="http://schemas.microsoft.com/office/powerpoint/2010/main" val="1912179104"/>
+      </p:ext>
+    </p:extLst>
+  </p:cSld>
+  <p:clrMapOvr>
+    <a:masterClrMapping/>
+  </p:clrMapOvr>
+</p:sld>
+</file>
+
+<file path=ppt/slides/slide4.xml><?xml version="1.0" encoding="utf-8"?>
+<p:sld xmlns:a="http://schemas.openxmlformats.org/drawingml/2006/main" xmlns:r="http://schemas.openxmlformats.org/officeDocument/2006/relationships" xmlns:p="http://schemas.openxmlformats.org/presentationml/2006/main">
+  <p:cSld>
+    <p:spTree>
+      <p:nvGrpSpPr>
+        <p:cNvPr id="1" name=""/>
+        <p:cNvGrpSpPr/>
+        <p:nvPr/>
+      </p:nvGrpSpPr>
+      <p:grpSpPr>
+        <a:xfrm>
+          <a:off x="0" y="0"/>
+          <a:ext cx="0" cy="0"/>
+          <a:chOff x="0" y="0"/>
+          <a:chExt cx="0" cy="0"/>
+        </a:xfrm>
+      </p:grpSpPr>
+      <p:sp>
+        <p:nvSpPr>
+          <p:cNvPr id="2" name="Title 1">
+            <a:extLst>
+              <a:ext uri="{FF2B5EF4-FFF2-40B4-BE49-F238E27FC236}">
+                <a16:creationId xmlns:a16="http://schemas.microsoft.com/office/drawing/2014/main" id="{0EE1B420-8342-4AE6-9456-7F27CE9A4822}"/>
+              </a:ext>
+            </a:extLst>
+          </p:cNvPr>
+          <p:cNvSpPr>
+            <a:spLocks noGrp="1"/>
+          </p:cNvSpPr>
+          <p:nvPr>
+            <p:ph type="title"/>
+          </p:nvPr>
+        </p:nvSpPr>
+        <p:spPr/>
+        <p:txBody>
+          <a:bodyPr/>
+          <a:lstStyle/>
+          <a:p>
+            <a:endParaRPr lang="en-PH"/>
+          </a:p>
+        </p:txBody>
+      </p:sp>
+      <p:sp>
+        <p:nvSpPr>
+          <p:cNvPr id="3" name="Text Placeholder 2">
+            <a:extLst>
+              <a:ext uri="{FF2B5EF4-FFF2-40B4-BE49-F238E27FC236}">
+                <a16:creationId xmlns:a16="http://schemas.microsoft.com/office/drawing/2014/main" id="{FC929E26-1456-4178-A5EB-C7CCA8552C0E}"/>
+              </a:ext>
+            </a:extLst>
+          </p:cNvPr>
+          <p:cNvSpPr>
+            <a:spLocks noGrp="1"/>
+          </p:cNvSpPr>
+          <p:nvPr>
+            <p:ph type="body" sz="quarter" idx="10"/>
+          </p:nvPr>
+        </p:nvSpPr>
+        <p:spPr/>
+        <p:txBody>
+          <a:bodyPr/>
+          <a:lstStyle/>
+          <a:p>
+            <a:endParaRPr lang="en-PH"/>
+          </a:p>
+        </p:txBody>
+      </p:sp>
+      <p:sp>
+        <p:nvSpPr>
+          <p:cNvPr id="4" name="Footer Placeholder 3">
+            <a:extLst>
+              <a:ext uri="{FF2B5EF4-FFF2-40B4-BE49-F238E27FC236}">
+                <a16:creationId xmlns:a16="http://schemas.microsoft.com/office/drawing/2014/main" id="{E3BBE71A-CFE9-4651-B981-7279D91BD189}"/>
+              </a:ext>
+            </a:extLst>
+          </p:cNvPr>
+          <p:cNvSpPr>
+            <a:spLocks noGrp="1"/>
+          </p:cNvSpPr>
+          <p:nvPr>
+            <p:ph type="ftr" sz="quarter" idx="12"/>
+          </p:nvPr>
+        </p:nvSpPr>
+        <p:spPr/>
+        <p:txBody>
+          <a:bodyPr/>
+          <a:lstStyle/>
+          <a:p>
+            <a:r>
+              <a:rPr lang="en-GB" noProof="0"/>
+              <a:t>Swiss Software Engineering: </a:t>
+            </a:r>
+            <a:r>
+              <a:rPr lang="en-GB" b="1" noProof="0">
+                <a:latin typeface="Calibri"/>
+                <a:cs typeface="Calibri"/>
+              </a:rPr>
+              <a:t>betterask.erni</a:t>
+            </a:r>
+            <a:endParaRPr lang="en-GB" b="1" noProof="0" dirty="0">
+              <a:latin typeface="Calibri"/>
+              <a:cs typeface="Calibri"/>
+            </a:endParaRPr>
+          </a:p>
+        </p:txBody>
+      </p:sp>
+      <p:sp>
+        <p:nvSpPr>
+          <p:cNvPr id="5" name="Slide Number Placeholder 4">
+            <a:extLst>
+              <a:ext uri="{FF2B5EF4-FFF2-40B4-BE49-F238E27FC236}">
+                <a16:creationId xmlns:a16="http://schemas.microsoft.com/office/drawing/2014/main" id="{85B3445E-6422-49FD-9ADC-77335CDB0875}"/>
+              </a:ext>
+            </a:extLst>
+          </p:cNvPr>
+          <p:cNvSpPr>
+            <a:spLocks noGrp="1"/>
+          </p:cNvSpPr>
+          <p:nvPr>
+            <p:ph type="sldNum" sz="quarter" idx="13"/>
+          </p:nvPr>
+        </p:nvSpPr>
+        <p:spPr/>
+        <p:txBody>
+          <a:bodyPr/>
+          <a:lstStyle/>
+          <a:p>
+            <a:fld id="{9F5F539E-0E69-451B-AC12-57C40F9178F7}" type="slidenum">
+              <a:rPr lang="en-GB" noProof="0" smtClean="0"/>
+              <a:pPr/>
+              <a:t>4</a:t>
+            </a:fld>
+            <a:endParaRPr lang="en-GB" noProof="0" dirty="0"/>
+          </a:p>
+        </p:txBody>
+      </p:sp>
+      <p:pic>
+        <p:nvPicPr>
+          <p:cNvPr id="6" name="Picture 5">
+            <a:extLst>
+              <a:ext uri="{FF2B5EF4-FFF2-40B4-BE49-F238E27FC236}">
+                <a16:creationId xmlns:a16="http://schemas.microsoft.com/office/drawing/2014/main" id="{18FBF97A-8668-4CEF-9E83-D65B204AD66F}"/>
+              </a:ext>
+            </a:extLst>
+          </p:cNvPr>
+          <p:cNvPicPr>
+            <a:picLocks noChangeAspect="1"/>
+          </p:cNvPicPr>
+          <p:nvPr/>
+        </p:nvPicPr>
+        <p:blipFill>
+          <a:blip r:embed="rId2"/>
+          <a:stretch>
+            <a:fillRect/>
+          </a:stretch>
+        </p:blipFill>
+        <p:spPr>
+          <a:xfrm>
+            <a:off x="2076450" y="428625"/>
+            <a:ext cx="4991100" cy="4286250"/>
+          </a:xfrm>
+          <a:prstGeom prst="rect">
+            <a:avLst/>
+          </a:prstGeom>
+        </p:spPr>
+      </p:pic>
+    </p:spTree>
+    <p:extLst>
+      <p:ext uri="{BB962C8B-B14F-4D97-AF65-F5344CB8AC3E}">
+        <p14:creationId xmlns:p14="http://schemas.microsoft.com/office/powerpoint/2010/main" val="1875663031"/>
+      </p:ext>
+    </p:extLst>
+  </p:cSld>
+  <p:clrMapOvr>
+    <a:masterClrMapping/>
+  </p:clrMapOvr>
+</p:sld>
+</file>
+
+<file path=ppt/slides/slide5.xml><?xml version="1.0" encoding="utf-8"?>
+<p:sld xmlns:a="http://schemas.openxmlformats.org/drawingml/2006/main" xmlns:r="http://schemas.openxmlformats.org/officeDocument/2006/relationships" xmlns:p="http://schemas.openxmlformats.org/presentationml/2006/main">
+  <p:cSld>
+    <p:spTree>
+      <p:nvGrpSpPr>
+        <p:cNvPr id="1" name=""/>
+        <p:cNvGrpSpPr/>
+        <p:nvPr/>
+      </p:nvGrpSpPr>
+      <p:grpSpPr>
+        <a:xfrm>
+          <a:off x="0" y="0"/>
+          <a:ext cx="0" cy="0"/>
+          <a:chOff x="0" y="0"/>
+          <a:chExt cx="0" cy="0"/>
+        </a:xfrm>
+      </p:grpSpPr>
+      <p:sp>
+        <p:nvSpPr>
+          <p:cNvPr id="2" name="Title 1">
+            <a:extLst>
+              <a:ext uri="{FF2B5EF4-FFF2-40B4-BE49-F238E27FC236}">
+                <a16:creationId xmlns:a16="http://schemas.microsoft.com/office/drawing/2014/main" id="{CAEC3679-2AFD-49B3-9677-F615FE2AAA96}"/>
+              </a:ext>
+            </a:extLst>
+          </p:cNvPr>
+          <p:cNvSpPr>
+            <a:spLocks noGrp="1"/>
+          </p:cNvSpPr>
+          <p:nvPr>
+            <p:ph type="title"/>
+          </p:nvPr>
+        </p:nvSpPr>
+        <p:spPr/>
+        <p:txBody>
+          <a:bodyPr/>
+          <a:lstStyle/>
+          <a:p>
+            <a:r>
+              <a:rPr lang="en-PH" dirty="0"/>
+              <a:t>Purpose</a:t>
+            </a:r>
+          </a:p>
+        </p:txBody>
+      </p:sp>
+      <p:sp>
+        <p:nvSpPr>
+          <p:cNvPr id="3" name="Text Placeholder 2">
+            <a:extLst>
+              <a:ext uri="{FF2B5EF4-FFF2-40B4-BE49-F238E27FC236}">
+                <a16:creationId xmlns:a16="http://schemas.microsoft.com/office/drawing/2014/main" id="{857A2F18-B8A2-4782-9390-FF89FB7CECB4}"/>
+              </a:ext>
+            </a:extLst>
+          </p:cNvPr>
+          <p:cNvSpPr>
+            <a:spLocks noGrp="1"/>
+          </p:cNvSpPr>
+          <p:nvPr>
+            <p:ph type="body" sz="quarter" idx="10"/>
+          </p:nvPr>
+        </p:nvSpPr>
+        <p:spPr>
+          <a:xfrm>
+            <a:off x="245764" y="822613"/>
+            <a:ext cx="8549292" cy="2022999"/>
+          </a:xfrm>
+        </p:spPr>
+        <p:txBody>
+          <a:bodyPr/>
+          <a:lstStyle/>
+          <a:p>
+            <a:pPr marL="285750" indent="-285750">
+              <a:buFontTx/>
+              <a:buChar char="-"/>
+            </a:pPr>
+            <a:r>
+              <a:rPr lang="en-PH" dirty="0"/>
+              <a:t>to motivate developers to work on 3D programming using their favorite browser</a:t>
+            </a:r>
+          </a:p>
+          <a:p>
+            <a:pPr marL="285750" indent="-285750">
+              <a:buFontTx/>
+              <a:buChar char="-"/>
+            </a:pPr>
+            <a:r>
+              <a:rPr lang="en-PH" dirty="0"/>
+              <a:t>encourage everyone to explore game programming</a:t>
+            </a:r>
+          </a:p>
+          <a:p>
+            <a:pPr marL="285750" indent="-285750">
+              <a:buFontTx/>
+              <a:buChar char="-"/>
+            </a:pPr>
+            <a:r>
+              <a:rPr lang="en-PH" dirty="0"/>
+              <a:t>discover modern browser’s potential</a:t>
+            </a:r>
+          </a:p>
+          <a:p>
+            <a:pPr marL="285750" indent="-285750">
+              <a:buFontTx/>
+              <a:buChar char="-"/>
+            </a:pPr>
+            <a:r>
+              <a:rPr lang="en-PH" dirty="0"/>
+              <a:t>To encourage developers to deep dive into web graphics language and libraries</a:t>
+            </a:r>
+          </a:p>
+          <a:p>
+            <a:pPr marL="285750" indent="-285750">
+              <a:buFontTx/>
+              <a:buChar char="-"/>
+            </a:pPr>
+            <a:r>
+              <a:rPr lang="en-PH" dirty="0"/>
+              <a:t>to refresh terms in 3D world</a:t>
+            </a:r>
+          </a:p>
+          <a:p>
+            <a:pPr marL="285750" indent="-285750">
+              <a:buFontTx/>
+              <a:buChar char="-"/>
+            </a:pPr>
+            <a:r>
+              <a:rPr lang="en-PH" dirty="0"/>
+              <a:t>to appreciate the shape of nature and art</a:t>
+            </a:r>
+          </a:p>
+        </p:txBody>
+      </p:sp>
+      <p:sp>
+        <p:nvSpPr>
+          <p:cNvPr id="4" name="Footer Placeholder 3">
+            <a:extLst>
+              <a:ext uri="{FF2B5EF4-FFF2-40B4-BE49-F238E27FC236}">
+                <a16:creationId xmlns:a16="http://schemas.microsoft.com/office/drawing/2014/main" id="{E8DC8C89-64A4-4632-A5DD-DD38705F6181}"/>
+              </a:ext>
+            </a:extLst>
+          </p:cNvPr>
+          <p:cNvSpPr>
+            <a:spLocks noGrp="1"/>
+          </p:cNvSpPr>
+          <p:nvPr>
+            <p:ph type="ftr" sz="quarter" idx="12"/>
+          </p:nvPr>
+        </p:nvSpPr>
+        <p:spPr/>
+        <p:txBody>
+          <a:bodyPr/>
+          <a:lstStyle/>
+          <a:p>
+            <a:r>
+              <a:rPr lang="en-GB" noProof="0"/>
+              <a:t>Swiss Software Engineering: </a:t>
+            </a:r>
+            <a:r>
+              <a:rPr lang="en-GB" b="1" noProof="0">
+                <a:latin typeface="Calibri"/>
+                <a:cs typeface="Calibri"/>
+              </a:rPr>
+              <a:t>betterask.erni</a:t>
+            </a:r>
+            <a:endParaRPr lang="en-GB" b="1" noProof="0" dirty="0">
+              <a:latin typeface="Calibri"/>
+              <a:cs typeface="Calibri"/>
+            </a:endParaRPr>
+          </a:p>
+        </p:txBody>
+      </p:sp>
+      <p:sp>
+        <p:nvSpPr>
+          <p:cNvPr id="5" name="Slide Number Placeholder 4">
+            <a:extLst>
+              <a:ext uri="{FF2B5EF4-FFF2-40B4-BE49-F238E27FC236}">
+                <a16:creationId xmlns:a16="http://schemas.microsoft.com/office/drawing/2014/main" id="{31D66420-7FFC-4A61-9954-74F8639806A7}"/>
+              </a:ext>
+            </a:extLst>
+          </p:cNvPr>
+          <p:cNvSpPr>
+            <a:spLocks noGrp="1"/>
+          </p:cNvSpPr>
+          <p:nvPr>
+            <p:ph type="sldNum" sz="quarter" idx="13"/>
+          </p:nvPr>
+        </p:nvSpPr>
+        <p:spPr/>
+        <p:txBody>
+          <a:bodyPr/>
+          <a:lstStyle/>
+          <a:p>
+            <a:fld id="{9F5F539E-0E69-451B-AC12-57C40F9178F7}" type="slidenum">
+              <a:rPr lang="en-GB" noProof="0" smtClean="0"/>
+              <a:pPr/>
+              <a:t>5</a:t>
+            </a:fld>
+            <a:endParaRPr lang="en-GB" noProof="0" dirty="0"/>
+          </a:p>
+        </p:txBody>
+      </p:sp>
+      <p:pic>
+        <p:nvPicPr>
+          <p:cNvPr id="7" name="Picture 6">
+            <a:extLst>
+              <a:ext uri="{FF2B5EF4-FFF2-40B4-BE49-F238E27FC236}">
+                <a16:creationId xmlns:a16="http://schemas.microsoft.com/office/drawing/2014/main" id="{E46197A6-9A8E-45AA-BE70-E42383844848}"/>
+              </a:ext>
+            </a:extLst>
+          </p:cNvPr>
+          <p:cNvPicPr>
+            <a:picLocks noChangeAspect="1"/>
+          </p:cNvPicPr>
+          <p:nvPr/>
+        </p:nvPicPr>
+        <p:blipFill>
+          <a:blip r:embed="rId3"/>
+          <a:stretch>
+            <a:fillRect/>
+          </a:stretch>
+        </p:blipFill>
+        <p:spPr>
+          <a:xfrm>
+            <a:off x="1191422" y="2712376"/>
+            <a:ext cx="6657975" cy="2119793"/>
+          </a:xfrm>
+          <a:prstGeom prst="rect">
+            <a:avLst/>
+          </a:prstGeom>
+        </p:spPr>
+      </p:pic>
+    </p:spTree>
+    <p:extLst>
+      <p:ext uri="{BB962C8B-B14F-4D97-AF65-F5344CB8AC3E}">
+        <p14:creationId xmlns:p14="http://schemas.microsoft.com/office/powerpoint/2010/main" val="2742413311"/>
+      </p:ext>
+    </p:extLst>
+  </p:cSld>
+  <p:clrMapOvr>
+    <a:masterClrMapping/>
+  </p:clrMapOvr>
+</p:sld>
+</file>
+
+<file path=ppt/slides/slide6.xml><?xml version="1.0" encoding="utf-8"?>
+<p:sld xmlns:a="http://schemas.openxmlformats.org/drawingml/2006/main" xmlns:r="http://schemas.openxmlformats.org/officeDocument/2006/relationships" xmlns:p="http://schemas.openxmlformats.org/presentationml/2006/main">
+  <p:cSld>
+    <p:spTree>
+      <p:nvGrpSpPr>
+        <p:cNvPr id="1" name=""/>
+        <p:cNvGrpSpPr/>
+        <p:nvPr/>
+      </p:nvGrpSpPr>
+      <p:grpSpPr>
+        <a:xfrm>
+          <a:off x="0" y="0"/>
+          <a:ext cx="0" cy="0"/>
+          <a:chOff x="0" y="0"/>
+          <a:chExt cx="0" cy="0"/>
+        </a:xfrm>
+      </p:grpSpPr>
+      <p:sp>
+        <p:nvSpPr>
+          <p:cNvPr id="2" name="Title 1">
+            <a:extLst>
+              <a:ext uri="{FF2B5EF4-FFF2-40B4-BE49-F238E27FC236}">
+                <a16:creationId xmlns:a16="http://schemas.microsoft.com/office/drawing/2014/main" id="{B76F2E55-D00D-4F94-9C44-7786478CAD6A}"/>
+              </a:ext>
+            </a:extLst>
+          </p:cNvPr>
+          <p:cNvSpPr>
+            <a:spLocks noGrp="1"/>
+          </p:cNvSpPr>
+          <p:nvPr>
+            <p:ph type="title"/>
+          </p:nvPr>
+        </p:nvSpPr>
+        <p:spPr/>
+        <p:txBody>
+          <a:bodyPr/>
+          <a:lstStyle/>
+          <a:p>
+            <a:r>
+              <a:rPr lang="en-PH" dirty="0"/>
+              <a:t>Benefits</a:t>
+            </a:r>
+          </a:p>
+        </p:txBody>
+      </p:sp>
+      <p:sp>
+        <p:nvSpPr>
+          <p:cNvPr id="3" name="Text Placeholder 2">
+            <a:extLst>
+              <a:ext uri="{FF2B5EF4-FFF2-40B4-BE49-F238E27FC236}">
+                <a16:creationId xmlns:a16="http://schemas.microsoft.com/office/drawing/2014/main" id="{F32C3765-E489-407D-B347-144E6ED9AA35}"/>
+              </a:ext>
+            </a:extLst>
+          </p:cNvPr>
+          <p:cNvSpPr>
+            <a:spLocks noGrp="1"/>
+          </p:cNvSpPr>
+          <p:nvPr>
+            <p:ph type="body" sz="quarter" idx="10"/>
+          </p:nvPr>
+        </p:nvSpPr>
+        <p:spPr>
+          <a:xfrm>
+            <a:off x="233535" y="1068200"/>
+            <a:ext cx="8549292" cy="1294609"/>
+          </a:xfrm>
+        </p:spPr>
+        <p:txBody>
+          <a:bodyPr/>
+          <a:lstStyle/>
+          <a:p>
+            <a:pPr marL="285750" indent="-285750">
+              <a:buFontTx/>
+              <a:buChar char="-"/>
+            </a:pPr>
+            <a:r>
+              <a:rPr lang="en-PH" dirty="0"/>
+              <a:t>Understanding JavaScript 3D is for everyone.</a:t>
+            </a:r>
+          </a:p>
+          <a:p>
+            <a:pPr marL="285750" indent="-285750">
+              <a:buFontTx/>
+              <a:buChar char="-"/>
+            </a:pPr>
+            <a:r>
+              <a:rPr lang="en-PH" dirty="0"/>
+              <a:t>Your imagination is your limit.</a:t>
+            </a:r>
+          </a:p>
+          <a:p>
+            <a:pPr marL="285750" indent="-285750">
+              <a:buFontTx/>
+              <a:buChar char="-"/>
+            </a:pPr>
+            <a:r>
+              <a:rPr lang="en-PH" dirty="0"/>
+              <a:t>Your browser is your best friend.</a:t>
+            </a:r>
+          </a:p>
+        </p:txBody>
+      </p:sp>
+      <p:sp>
+        <p:nvSpPr>
+          <p:cNvPr id="4" name="Footer Placeholder 3">
+            <a:extLst>
+              <a:ext uri="{FF2B5EF4-FFF2-40B4-BE49-F238E27FC236}">
+                <a16:creationId xmlns:a16="http://schemas.microsoft.com/office/drawing/2014/main" id="{CE0B1724-32FF-435E-AA41-3E5F327DE364}"/>
+              </a:ext>
+            </a:extLst>
+          </p:cNvPr>
+          <p:cNvSpPr>
+            <a:spLocks noGrp="1"/>
+          </p:cNvSpPr>
+          <p:nvPr>
+            <p:ph type="ftr" sz="quarter" idx="12"/>
+          </p:nvPr>
+        </p:nvSpPr>
+        <p:spPr/>
+        <p:txBody>
+          <a:bodyPr/>
+          <a:lstStyle/>
+          <a:p>
+            <a:r>
+              <a:rPr lang="en-GB" noProof="0"/>
+              <a:t>Swiss Software Engineering: </a:t>
+            </a:r>
+            <a:r>
+              <a:rPr lang="en-GB" b="1" noProof="0">
+                <a:latin typeface="Calibri"/>
+                <a:cs typeface="Calibri"/>
+              </a:rPr>
+              <a:t>betterask.erni</a:t>
+            </a:r>
+            <a:endParaRPr lang="en-GB" b="1" noProof="0" dirty="0">
+              <a:latin typeface="Calibri"/>
+              <a:cs typeface="Calibri"/>
+            </a:endParaRPr>
+          </a:p>
+        </p:txBody>
+      </p:sp>
+      <p:sp>
+        <p:nvSpPr>
+          <p:cNvPr id="5" name="Slide Number Placeholder 4">
+            <a:extLst>
+              <a:ext uri="{FF2B5EF4-FFF2-40B4-BE49-F238E27FC236}">
+                <a16:creationId xmlns:a16="http://schemas.microsoft.com/office/drawing/2014/main" id="{390E29E3-427C-4EBB-86CD-691D1299735E}"/>
+              </a:ext>
+            </a:extLst>
+          </p:cNvPr>
+          <p:cNvSpPr>
+            <a:spLocks noGrp="1"/>
+          </p:cNvSpPr>
+          <p:nvPr>
+            <p:ph type="sldNum" sz="quarter" idx="13"/>
+          </p:nvPr>
+        </p:nvSpPr>
+        <p:spPr/>
+        <p:txBody>
+          <a:bodyPr/>
+          <a:lstStyle/>
+          <a:p>
+            <a:fld id="{9F5F539E-0E69-451B-AC12-57C40F9178F7}" type="slidenum">
+              <a:rPr lang="en-GB" noProof="0" smtClean="0"/>
+              <a:pPr/>
+              <a:t>6</a:t>
+            </a:fld>
+            <a:endParaRPr lang="en-GB" noProof="0" dirty="0"/>
+          </a:p>
+        </p:txBody>
+      </p:sp>
+      <p:pic>
+        <p:nvPicPr>
+          <p:cNvPr id="7" name="Picture 6">
+            <a:extLst>
+              <a:ext uri="{FF2B5EF4-FFF2-40B4-BE49-F238E27FC236}">
+                <a16:creationId xmlns:a16="http://schemas.microsoft.com/office/drawing/2014/main" id="{FEEC4E9C-075A-425E-A333-F11B525F190E}"/>
+              </a:ext>
+            </a:extLst>
+          </p:cNvPr>
+          <p:cNvPicPr>
+            <a:picLocks noChangeAspect="1"/>
+          </p:cNvPicPr>
+          <p:nvPr/>
+        </p:nvPicPr>
+        <p:blipFill>
+          <a:blip r:embed="rId3"/>
+          <a:stretch>
+            <a:fillRect/>
+          </a:stretch>
+        </p:blipFill>
+        <p:spPr>
+          <a:xfrm>
+            <a:off x="1141093" y="2362809"/>
+            <a:ext cx="6734175" cy="2324100"/>
+          </a:xfrm>
+          <a:prstGeom prst="rect">
+            <a:avLst/>
+          </a:prstGeom>
+        </p:spPr>
+      </p:pic>
+    </p:spTree>
+    <p:extLst>
+      <p:ext uri="{BB962C8B-B14F-4D97-AF65-F5344CB8AC3E}">
+        <p14:creationId xmlns:p14="http://schemas.microsoft.com/office/powerpoint/2010/main" val="3242796477"/>
+      </p:ext>
+    </p:extLst>
+  </p:cSld>
+  <p:clrMapOvr>
+    <a:masterClrMapping/>
+  </p:clrMapOvr>
+</p:sld>
+</file>
+
+<file path=ppt/slides/slide7.xml><?xml version="1.0" encoding="utf-8"?>
+<p:sld xmlns:a="http://schemas.openxmlformats.org/drawingml/2006/main" xmlns:r="http://schemas.openxmlformats.org/officeDocument/2006/relationships" xmlns:p="http://schemas.openxmlformats.org/presentationml/2006/main">
+  <p:cSld>
+    <p:spTree>
+      <p:nvGrpSpPr>
+        <p:cNvPr id="1" name=""/>
+        <p:cNvGrpSpPr/>
+        <p:nvPr/>
+      </p:nvGrpSpPr>
+      <p:grpSpPr>
+        <a:xfrm>
+          <a:off x="0" y="0"/>
+          <a:ext cx="0" cy="0"/>
+          <a:chOff x="0" y="0"/>
+          <a:chExt cx="0" cy="0"/>
+        </a:xfrm>
+      </p:grpSpPr>
+      <p:sp>
+        <p:nvSpPr>
+          <p:cNvPr id="2" name="Title 1">
+            <a:extLst>
+              <a:ext uri="{FF2B5EF4-FFF2-40B4-BE49-F238E27FC236}">
+                <a16:creationId xmlns:a16="http://schemas.microsoft.com/office/drawing/2014/main" id="{A6A24204-527A-4594-A101-155E67964D0E}"/>
+              </a:ext>
+            </a:extLst>
+          </p:cNvPr>
+          <p:cNvSpPr>
+            <a:spLocks noGrp="1"/>
+          </p:cNvSpPr>
+          <p:nvPr>
+            <p:ph type="title"/>
+          </p:nvPr>
+        </p:nvSpPr>
+        <p:spPr/>
+        <p:txBody>
+          <a:bodyPr/>
+          <a:lstStyle/>
+          <a:p>
+            <a:r>
+              <a:rPr lang="en-PH" dirty="0"/>
+              <a:t>Common Solid Figures</a:t>
+            </a:r>
+          </a:p>
+        </p:txBody>
+      </p:sp>
+      <p:sp>
+        <p:nvSpPr>
+          <p:cNvPr id="3" name="Text Placeholder 2">
+            <a:extLst>
+              <a:ext uri="{FF2B5EF4-FFF2-40B4-BE49-F238E27FC236}">
+                <a16:creationId xmlns:a16="http://schemas.microsoft.com/office/drawing/2014/main" id="{ED30A696-020A-424A-A319-DE1A46487A55}"/>
+              </a:ext>
+            </a:extLst>
+          </p:cNvPr>
+          <p:cNvSpPr>
+            <a:spLocks noGrp="1"/>
+          </p:cNvSpPr>
+          <p:nvPr>
+            <p:ph type="body" sz="quarter" idx="10"/>
+          </p:nvPr>
+        </p:nvSpPr>
+        <p:spPr/>
+        <p:txBody>
+          <a:bodyPr/>
+          <a:lstStyle/>
+          <a:p>
+            <a:endParaRPr lang="en-PH"/>
+          </a:p>
+        </p:txBody>
+      </p:sp>
+      <p:sp>
+        <p:nvSpPr>
+          <p:cNvPr id="4" name="Footer Placeholder 3">
+            <a:extLst>
+              <a:ext uri="{FF2B5EF4-FFF2-40B4-BE49-F238E27FC236}">
+                <a16:creationId xmlns:a16="http://schemas.microsoft.com/office/drawing/2014/main" id="{612AA7EB-1075-4E87-A274-C58003DF95DE}"/>
+              </a:ext>
+            </a:extLst>
+          </p:cNvPr>
+          <p:cNvSpPr>
+            <a:spLocks noGrp="1"/>
+          </p:cNvSpPr>
+          <p:nvPr>
+            <p:ph type="ftr" sz="quarter" idx="12"/>
+          </p:nvPr>
+        </p:nvSpPr>
+        <p:spPr/>
+        <p:txBody>
+          <a:bodyPr/>
+          <a:lstStyle/>
+          <a:p>
+            <a:r>
+              <a:rPr lang="en-GB" noProof="0"/>
+              <a:t>Swiss Software Engineering: </a:t>
+            </a:r>
+            <a:r>
+              <a:rPr lang="en-GB" b="1" noProof="0">
+                <a:latin typeface="Calibri"/>
+                <a:cs typeface="Calibri"/>
+              </a:rPr>
+              <a:t>betterask.erni</a:t>
+            </a:r>
+            <a:endParaRPr lang="en-GB" b="1" noProof="0" dirty="0">
+              <a:latin typeface="Calibri"/>
+              <a:cs typeface="Calibri"/>
+            </a:endParaRPr>
+          </a:p>
+        </p:txBody>
+      </p:sp>
+      <p:sp>
+        <p:nvSpPr>
+          <p:cNvPr id="5" name="Slide Number Placeholder 4">
+            <a:extLst>
+              <a:ext uri="{FF2B5EF4-FFF2-40B4-BE49-F238E27FC236}">
+                <a16:creationId xmlns:a16="http://schemas.microsoft.com/office/drawing/2014/main" id="{E3F73E45-206A-4728-870A-8CE4802A117E}"/>
+              </a:ext>
+            </a:extLst>
+          </p:cNvPr>
+          <p:cNvSpPr>
+            <a:spLocks noGrp="1"/>
+          </p:cNvSpPr>
+          <p:nvPr>
+            <p:ph type="sldNum" sz="quarter" idx="13"/>
+          </p:nvPr>
+        </p:nvSpPr>
+        <p:spPr/>
+        <p:txBody>
+          <a:bodyPr/>
+          <a:lstStyle/>
+          <a:p>
+            <a:fld id="{9F5F539E-0E69-451B-AC12-57C40F9178F7}" type="slidenum">
+              <a:rPr lang="en-GB" noProof="0" smtClean="0"/>
+              <a:pPr/>
+              <a:t>7</a:t>
+            </a:fld>
+            <a:endParaRPr lang="en-GB" noProof="0" dirty="0"/>
+          </a:p>
+        </p:txBody>
+      </p:sp>
+      <p:pic>
+        <p:nvPicPr>
+          <p:cNvPr id="2050" name="Picture 2" descr="Parts of a Cube">
+            <a:extLst>
+              <a:ext uri="{FF2B5EF4-FFF2-40B4-BE49-F238E27FC236}">
+                <a16:creationId xmlns:a16="http://schemas.microsoft.com/office/drawing/2014/main" id="{D5C76EBC-EB72-48A7-AC17-1B8F47EC0C1F}"/>
+              </a:ext>
+            </a:extLst>
+          </p:cNvPr>
+          <p:cNvPicPr>
+            <a:picLocks noChangeAspect="1" noChangeArrowheads="1"/>
+          </p:cNvPicPr>
+          <p:nvPr/>
+        </p:nvPicPr>
+        <p:blipFill>
+          <a:blip r:embed="rId3">
+            <a:extLst>
+              <a:ext uri="{28A0092B-C50C-407E-A947-70E740481C1C}">
+                <a14:useLocalDpi xmlns:a14="http://schemas.microsoft.com/office/drawing/2010/main" val="0"/>
+              </a:ext>
+            </a:extLst>
+          </a:blip>
+          <a:srcRect/>
+          <a:stretch>
+            <a:fillRect/>
+          </a:stretch>
+        </p:blipFill>
+        <p:spPr bwMode="auto">
+          <a:xfrm>
+            <a:off x="139480" y="1081087"/>
+            <a:ext cx="3644869" cy="2612727"/>
+          </a:xfrm>
+          <a:prstGeom prst="rect">
+            <a:avLst/>
+          </a:prstGeom>
+          <a:noFill/>
+          <a:extLst>
+            <a:ext uri="{909E8E84-426E-40DD-AFC4-6F175D3DCCD1}">
+              <a14:hiddenFill xmlns:a14="http://schemas.microsoft.com/office/drawing/2010/main">
+                <a:solidFill>
+                  <a:srgbClr val="FFFFFF"/>
+                </a:solidFill>
+              </a14:hiddenFill>
+            </a:ext>
+          </a:extLst>
+        </p:spPr>
+      </p:pic>
+      <p:pic>
+        <p:nvPicPr>
+          <p:cNvPr id="2052" name="Picture 4" descr="Parts of a Cylinder">
+            <a:extLst>
+              <a:ext uri="{FF2B5EF4-FFF2-40B4-BE49-F238E27FC236}">
+                <a16:creationId xmlns:a16="http://schemas.microsoft.com/office/drawing/2014/main" id="{7F0E3A29-9C30-49FC-91CD-59ED7CDD907B}"/>
+              </a:ext>
+            </a:extLst>
+          </p:cNvPr>
+          <p:cNvPicPr>
+            <a:picLocks noChangeAspect="1" noChangeArrowheads="1"/>
+          </p:cNvPicPr>
+          <p:nvPr/>
+        </p:nvPicPr>
+        <p:blipFill>
+          <a:blip r:embed="rId4">
+            <a:extLst>
+              <a:ext uri="{28A0092B-C50C-407E-A947-70E740481C1C}">
+                <a14:useLocalDpi xmlns:a14="http://schemas.microsoft.com/office/drawing/2010/main" val="0"/>
+              </a:ext>
+            </a:extLst>
+          </a:blip>
+          <a:srcRect/>
+          <a:stretch>
+            <a:fillRect/>
+          </a:stretch>
+        </p:blipFill>
+        <p:spPr bwMode="auto">
+          <a:xfrm>
+            <a:off x="4761325" y="1081087"/>
+            <a:ext cx="3618240" cy="2141947"/>
+          </a:xfrm>
+          <a:prstGeom prst="rect">
+            <a:avLst/>
+          </a:prstGeom>
+          <a:noFill/>
+          <a:extLst>
+            <a:ext uri="{909E8E84-426E-40DD-AFC4-6F175D3DCCD1}">
+              <a14:hiddenFill xmlns:a14="http://schemas.microsoft.com/office/drawing/2010/main">
+                <a:solidFill>
+                  <a:srgbClr val="FFFFFF"/>
+                </a:solidFill>
+              </a14:hiddenFill>
+            </a:ext>
+          </a:extLst>
+        </p:spPr>
+      </p:pic>
+      <p:pic>
+        <p:nvPicPr>
+          <p:cNvPr id="2054" name="Picture 6" descr="Parts of a Cone">
+            <a:extLst>
+              <a:ext uri="{FF2B5EF4-FFF2-40B4-BE49-F238E27FC236}">
+                <a16:creationId xmlns:a16="http://schemas.microsoft.com/office/drawing/2014/main" id="{4D863AD8-7444-42CA-B984-20C18FD2BBCE}"/>
+              </a:ext>
+            </a:extLst>
+          </p:cNvPr>
+          <p:cNvPicPr>
+            <a:picLocks noChangeAspect="1" noChangeArrowheads="1"/>
+          </p:cNvPicPr>
+          <p:nvPr/>
+        </p:nvPicPr>
+        <p:blipFill>
+          <a:blip r:embed="rId5">
+            <a:extLst>
+              <a:ext uri="{28A0092B-C50C-407E-A947-70E740481C1C}">
+                <a14:useLocalDpi xmlns:a14="http://schemas.microsoft.com/office/drawing/2010/main" val="0"/>
+              </a:ext>
+            </a:extLst>
+          </a:blip>
+          <a:srcRect/>
+          <a:stretch>
+            <a:fillRect/>
+          </a:stretch>
+        </p:blipFill>
+        <p:spPr bwMode="auto">
+          <a:xfrm>
+            <a:off x="2653587" y="2978589"/>
+            <a:ext cx="3238500" cy="1765811"/>
+          </a:xfrm>
+          <a:prstGeom prst="rect">
+            <a:avLst/>
+          </a:prstGeom>
+          <a:noFill/>
+          <a:extLst>
+            <a:ext uri="{909E8E84-426E-40DD-AFC4-6F175D3DCCD1}">
+              <a14:hiddenFill xmlns:a14="http://schemas.microsoft.com/office/drawing/2010/main">
+                <a:solidFill>
+                  <a:srgbClr val="FFFFFF"/>
+                </a:solidFill>
+              </a14:hiddenFill>
+            </a:ext>
+          </a:extLst>
+        </p:spPr>
+      </p:pic>
+      <p:pic>
+        <p:nvPicPr>
+          <p:cNvPr id="2056" name="Picture 8" descr="Parts of a Sphere">
+            <a:extLst>
+              <a:ext uri="{FF2B5EF4-FFF2-40B4-BE49-F238E27FC236}">
+                <a16:creationId xmlns:a16="http://schemas.microsoft.com/office/drawing/2014/main" id="{65BB0E92-89B0-481B-BAD1-7E1009D0731F}"/>
+              </a:ext>
+            </a:extLst>
+          </p:cNvPr>
+          <p:cNvPicPr>
+            <a:picLocks noChangeAspect="1" noChangeArrowheads="1"/>
+          </p:cNvPicPr>
+          <p:nvPr/>
+        </p:nvPicPr>
+        <p:blipFill>
+          <a:blip r:embed="rId6">
+            <a:extLst>
+              <a:ext uri="{28A0092B-C50C-407E-A947-70E740481C1C}">
+                <a14:useLocalDpi xmlns:a14="http://schemas.microsoft.com/office/drawing/2010/main" val="0"/>
+              </a:ext>
+            </a:extLst>
+          </a:blip>
+          <a:srcRect/>
+          <a:stretch>
+            <a:fillRect/>
+          </a:stretch>
+        </p:blipFill>
+        <p:spPr bwMode="auto">
+          <a:xfrm>
+            <a:off x="6570445" y="3468468"/>
+            <a:ext cx="2252643" cy="1187889"/>
+          </a:xfrm>
+          <a:prstGeom prst="rect">
+            <a:avLst/>
+          </a:prstGeom>
+          <a:noFill/>
+          <a:extLst>
+            <a:ext uri="{909E8E84-426E-40DD-AFC4-6F175D3DCCD1}">
+              <a14:hiddenFill xmlns:a14="http://schemas.microsoft.com/office/drawing/2010/main">
+                <a:solidFill>
+                  <a:srgbClr val="FFFFFF"/>
+                </a:solidFill>
+              </a14:hiddenFill>
+            </a:ext>
+          </a:extLst>
+        </p:spPr>
+      </p:pic>
+    </p:spTree>
+    <p:extLst>
+      <p:ext uri="{BB962C8B-B14F-4D97-AF65-F5344CB8AC3E}">
+        <p14:creationId xmlns:p14="http://schemas.microsoft.com/office/powerpoint/2010/main" val="2143259789"/>
+      </p:ext>
+    </p:extLst>
+  </p:cSld>
+  <p:clrMapOvr>
+    <a:masterClrMapping/>
+  </p:clrMapOvr>
+</p:sld>
+</file>
+
+<file path=ppt/slides/slide8.xml><?xml version="1.0" encoding="utf-8"?>
+<p:sld xmlns:a="http://schemas.openxmlformats.org/drawingml/2006/main" xmlns:r="http://schemas.openxmlformats.org/officeDocument/2006/relationships" xmlns:p="http://schemas.openxmlformats.org/presentationml/2006/main">
+  <p:cSld>
+    <p:spTree>
+      <p:nvGrpSpPr>
+        <p:cNvPr id="1" name=""/>
+        <p:cNvGrpSpPr/>
+        <p:nvPr/>
+      </p:nvGrpSpPr>
+      <p:grpSpPr>
+        <a:xfrm>
+          <a:off x="0" y="0"/>
+          <a:ext cx="0" cy="0"/>
+          <a:chOff x="0" y="0"/>
+          <a:chExt cx="0" cy="0"/>
+        </a:xfrm>
+      </p:grpSpPr>
+      <p:sp>
+        <p:nvSpPr>
+          <p:cNvPr id="2" name="Title 1">
+            <a:extLst>
+              <a:ext uri="{FF2B5EF4-FFF2-40B4-BE49-F238E27FC236}">
+                <a16:creationId xmlns:a16="http://schemas.microsoft.com/office/drawing/2014/main" id="{8CFB6B93-7258-4FCF-B613-7FA9354164C9}"/>
+              </a:ext>
+            </a:extLst>
+          </p:cNvPr>
+          <p:cNvSpPr>
+            <a:spLocks noGrp="1"/>
+          </p:cNvSpPr>
+          <p:nvPr>
+            <p:ph type="title"/>
+          </p:nvPr>
+        </p:nvSpPr>
+        <p:spPr/>
+        <p:txBody>
+          <a:bodyPr/>
+          <a:lstStyle/>
+          <a:p>
+            <a:r>
+              <a:rPr lang="en-PH" dirty="0"/>
+              <a:t>Coordinates review</a:t>
+            </a:r>
+          </a:p>
+        </p:txBody>
+      </p:sp>
+      <p:sp>
+        <p:nvSpPr>
+          <p:cNvPr id="3" name="Text Placeholder 2">
+            <a:extLst>
+              <a:ext uri="{FF2B5EF4-FFF2-40B4-BE49-F238E27FC236}">
+                <a16:creationId xmlns:a16="http://schemas.microsoft.com/office/drawing/2014/main" id="{7A484010-3C8B-4792-8DFD-958390CB3727}"/>
+              </a:ext>
+            </a:extLst>
+          </p:cNvPr>
+          <p:cNvSpPr>
+            <a:spLocks noGrp="1"/>
+          </p:cNvSpPr>
+          <p:nvPr>
+            <p:ph type="body" sz="quarter" idx="10"/>
+          </p:nvPr>
+        </p:nvSpPr>
+        <p:spPr/>
+        <p:txBody>
+          <a:bodyPr/>
+          <a:lstStyle/>
+          <a:p>
+            <a:endParaRPr lang="en-PH"/>
+          </a:p>
+        </p:txBody>
+      </p:sp>
+      <p:sp>
+        <p:nvSpPr>
+          <p:cNvPr id="4" name="Footer Placeholder 3">
+            <a:extLst>
+              <a:ext uri="{FF2B5EF4-FFF2-40B4-BE49-F238E27FC236}">
+                <a16:creationId xmlns:a16="http://schemas.microsoft.com/office/drawing/2014/main" id="{570E42A7-FAD4-4B4C-95B9-A63098FB1D48}"/>
+              </a:ext>
+            </a:extLst>
+          </p:cNvPr>
+          <p:cNvSpPr>
+            <a:spLocks noGrp="1"/>
+          </p:cNvSpPr>
+          <p:nvPr>
+            <p:ph type="ftr" sz="quarter" idx="12"/>
+          </p:nvPr>
+        </p:nvSpPr>
+        <p:spPr/>
+        <p:txBody>
+          <a:bodyPr/>
+          <a:lstStyle/>
+          <a:p>
+            <a:r>
+              <a:rPr lang="en-GB" noProof="0"/>
+              <a:t>Swiss Software Engineering: </a:t>
+            </a:r>
+            <a:r>
+              <a:rPr lang="en-GB" b="1" noProof="0">
+                <a:latin typeface="Calibri"/>
+                <a:cs typeface="Calibri"/>
+              </a:rPr>
+              <a:t>betterask.erni</a:t>
+            </a:r>
+            <a:endParaRPr lang="en-GB" b="1" noProof="0" dirty="0">
+              <a:latin typeface="Calibri"/>
+              <a:cs typeface="Calibri"/>
+            </a:endParaRPr>
+          </a:p>
+        </p:txBody>
+      </p:sp>
+      <p:sp>
+        <p:nvSpPr>
+          <p:cNvPr id="5" name="Slide Number Placeholder 4">
+            <a:extLst>
+              <a:ext uri="{FF2B5EF4-FFF2-40B4-BE49-F238E27FC236}">
+                <a16:creationId xmlns:a16="http://schemas.microsoft.com/office/drawing/2014/main" id="{DD1687FA-83D8-4381-AA10-0F8FD4191599}"/>
+              </a:ext>
+            </a:extLst>
+          </p:cNvPr>
+          <p:cNvSpPr>
+            <a:spLocks noGrp="1"/>
+          </p:cNvSpPr>
+          <p:nvPr>
+            <p:ph type="sldNum" sz="quarter" idx="13"/>
+          </p:nvPr>
+        </p:nvSpPr>
+        <p:spPr/>
+        <p:txBody>
+          <a:bodyPr/>
+          <a:lstStyle/>
+          <a:p>
+            <a:fld id="{9F5F539E-0E69-451B-AC12-57C40F9178F7}" type="slidenum">
+              <a:rPr lang="en-GB" noProof="0" smtClean="0"/>
+              <a:pPr/>
+              <a:t>8</a:t>
+            </a:fld>
+            <a:endParaRPr lang="en-GB" noProof="0" dirty="0"/>
+          </a:p>
+        </p:txBody>
+      </p:sp>
+      <p:pic>
+        <p:nvPicPr>
+          <p:cNvPr id="6" name="Picture 5">
+            <a:extLst>
+              <a:ext uri="{FF2B5EF4-FFF2-40B4-BE49-F238E27FC236}">
+                <a16:creationId xmlns:a16="http://schemas.microsoft.com/office/drawing/2014/main" id="{5FC0B263-F65A-48DD-9858-8CBC07F70C3A}"/>
+              </a:ext>
+            </a:extLst>
+          </p:cNvPr>
+          <p:cNvPicPr>
+            <a:picLocks noChangeAspect="1"/>
+          </p:cNvPicPr>
+          <p:nvPr/>
+        </p:nvPicPr>
+        <p:blipFill>
+          <a:blip r:embed="rId3"/>
+          <a:stretch>
+            <a:fillRect/>
+          </a:stretch>
+        </p:blipFill>
+        <p:spPr>
+          <a:xfrm>
+            <a:off x="0" y="937631"/>
+            <a:ext cx="8157172" cy="3718033"/>
+          </a:xfrm>
+          <a:prstGeom prst="rect">
+            <a:avLst/>
+          </a:prstGeom>
+        </p:spPr>
+      </p:pic>
+    </p:spTree>
+    <p:extLst>
+      <p:ext uri="{BB962C8B-B14F-4D97-AF65-F5344CB8AC3E}">
+        <p14:creationId xmlns:p14="http://schemas.microsoft.com/office/powerpoint/2010/main" val="3042201063"/>
+      </p:ext>
+    </p:extLst>
+  </p:cSld>
+  <p:clrMapOvr>
+    <a:masterClrMapping/>
+  </p:clrMapOvr>
+</p:sld>
+</file>
+
+<file path=ppt/slides/slide9.xml><?xml version="1.0" encoding="utf-8"?>
+<p:sld xmlns:a="http://schemas.openxmlformats.org/drawingml/2006/main" xmlns:r="http://schemas.openxmlformats.org/officeDocument/2006/relationships" xmlns:p="http://schemas.openxmlformats.org/presentationml/2006/main">
+  <p:cSld>
+    <p:spTree>
+      <p:nvGrpSpPr>
+        <p:cNvPr id="1" name=""/>
+        <p:cNvGrpSpPr/>
+        <p:nvPr/>
+      </p:nvGrpSpPr>
+      <p:grpSpPr>
+        <a:xfrm>
+          <a:off x="0" y="0"/>
+          <a:ext cx="0" cy="0"/>
+          <a:chOff x="0" y="0"/>
+          <a:chExt cx="0" cy="0"/>
+        </a:xfrm>
+      </p:grpSpPr>
+      <p:sp>
+        <p:nvSpPr>
+          <p:cNvPr id="2" name="Title 1">
+            <a:extLst>
+              <a:ext uri="{FF2B5EF4-FFF2-40B4-BE49-F238E27FC236}">
+                <a16:creationId xmlns:a16="http://schemas.microsoft.com/office/drawing/2014/main" id="{6E31C451-ABDE-4D14-971D-66245A78D68C}"/>
+              </a:ext>
+            </a:extLst>
+          </p:cNvPr>
+          <p:cNvSpPr>
+            <a:spLocks noGrp="1"/>
+          </p:cNvSpPr>
+          <p:nvPr>
+            <p:ph type="title"/>
+          </p:nvPr>
+        </p:nvSpPr>
+        <p:spPr/>
+        <p:txBody>
+          <a:bodyPr/>
+          <a:lstStyle/>
+          <a:p>
+            <a:r>
+              <a:rPr lang="en-PH" dirty="0"/>
+              <a:t>WebGL</a:t>
+            </a:r>
+          </a:p>
+        </p:txBody>
+      </p:sp>
+      <p:sp>
+        <p:nvSpPr>
+          <p:cNvPr id="4" name="Footer Placeholder 3">
+            <a:extLst>
+              <a:ext uri="{FF2B5EF4-FFF2-40B4-BE49-F238E27FC236}">
+                <a16:creationId xmlns:a16="http://schemas.microsoft.com/office/drawing/2014/main" id="{BA4EBAF4-503F-4AAA-BF09-A93992ED3972}"/>
+              </a:ext>
+            </a:extLst>
+          </p:cNvPr>
+          <p:cNvSpPr>
+            <a:spLocks noGrp="1"/>
+          </p:cNvSpPr>
+          <p:nvPr>
+            <p:ph type="ftr" sz="quarter" idx="12"/>
+          </p:nvPr>
+        </p:nvSpPr>
+        <p:spPr/>
+        <p:txBody>
+          <a:bodyPr/>
+          <a:lstStyle/>
+          <a:p>
+            <a:r>
+              <a:rPr lang="en-GB" noProof="0"/>
+              <a:t>Swiss Software Engineering: </a:t>
+            </a:r>
+            <a:r>
+              <a:rPr lang="en-GB" b="1" noProof="0">
+                <a:latin typeface="Calibri"/>
+                <a:cs typeface="Calibri"/>
+              </a:rPr>
+              <a:t>betterask.erni</a:t>
+            </a:r>
+            <a:endParaRPr lang="en-GB" b="1" noProof="0" dirty="0">
+              <a:latin typeface="Calibri"/>
+              <a:cs typeface="Calibri"/>
+            </a:endParaRPr>
+          </a:p>
+        </p:txBody>
+      </p:sp>
+      <p:sp>
+        <p:nvSpPr>
+          <p:cNvPr id="5" name="Slide Number Placeholder 4">
+            <a:extLst>
+              <a:ext uri="{FF2B5EF4-FFF2-40B4-BE49-F238E27FC236}">
+                <a16:creationId xmlns:a16="http://schemas.microsoft.com/office/drawing/2014/main" id="{3D0220FA-602F-4881-B55B-680AB3C8866E}"/>
+              </a:ext>
+            </a:extLst>
+          </p:cNvPr>
+          <p:cNvSpPr>
+            <a:spLocks noGrp="1"/>
+          </p:cNvSpPr>
+          <p:nvPr>
+            <p:ph type="sldNum" sz="quarter" idx="13"/>
+          </p:nvPr>
+        </p:nvSpPr>
+        <p:spPr/>
+        <p:txBody>
+          <a:bodyPr/>
+          <a:lstStyle/>
+          <a:p>
+            <a:fld id="{9F5F539E-0E69-451B-AC12-57C40F9178F7}" type="slidenum">
+              <a:rPr lang="en-GB" noProof="0" smtClean="0"/>
+              <a:pPr/>
+              <a:t>9</a:t>
+            </a:fld>
+            <a:endParaRPr lang="en-GB" noProof="0" dirty="0"/>
+          </a:p>
+        </p:txBody>
+      </p:sp>
+      <p:sp>
+        <p:nvSpPr>
+          <p:cNvPr id="6" name="Rectangle 1">
+            <a:extLst>
+              <a:ext uri="{FF2B5EF4-FFF2-40B4-BE49-F238E27FC236}">
+                <a16:creationId xmlns:a16="http://schemas.microsoft.com/office/drawing/2014/main" id="{BC0F07C7-4771-4801-8C82-D111609FDD70}"/>
+              </a:ext>
+            </a:extLst>
+          </p:cNvPr>
+          <p:cNvSpPr>
+            <a:spLocks noGrp="1" noChangeArrowheads="1"/>
+          </p:cNvSpPr>
+          <p:nvPr>
+            <p:ph type="body" sz="quarter" idx="10"/>
+          </p:nvPr>
+        </p:nvSpPr>
+        <p:spPr bwMode="auto">
+          <a:xfrm>
+            <a:off x="245764" y="1174124"/>
+            <a:ext cx="7257949" cy="553998"/>
+          </a:xfrm>
+          <a:prstGeom prst="rect">
+            <a:avLst/>
+          </a:prstGeom>
+          <a:solidFill>
+            <a:srgbClr val="FFFFFF"/>
+          </a:solidFill>
+          <a:ln>
+            <a:noFill/>
+          </a:ln>
+          <a:effectLst/>
+          <a:extLst>
+            <a:ext uri="{91240B29-F687-4F45-9708-019B960494DF}">
+              <a14:hiddenLine xmlns:a14="http://schemas.microsoft.com/office/drawing/2010/main" w="9525">
+                <a:solidFill>
+                  <a:schemeClr val="tx1"/>
+                </a:solidFill>
+                <a:miter lim="800000"/>
+                <a:headEnd/>
+                <a:tailEnd/>
+              </a14:hiddenLine>
+            </a:ext>
+            <a:ext uri="{AF507438-7753-43E0-B8FC-AC1667EBCBE1}">
+              <a14:hiddenEffects xmlns:a14="http://schemas.microsoft.com/office/drawing/2010/main">
+                <a:effectLst>
+                  <a:outerShdw dist="35921" dir="2700000" algn="ctr" rotWithShape="0">
+                    <a:schemeClr val="bg2"/>
+                  </a:outerShdw>
+                </a:effectLst>
+              </a14:hiddenEffects>
+            </a:ext>
+          </a:extLst>
+        </p:spPr>
+        <p:txBody>
+          <a:bodyPr vert="horz" wrap="none" lIns="0" tIns="0" rIns="0" bIns="0" numCol="1" anchor="ctr" anchorCtr="0" compatLnSpc="1">
+            <a:prstTxWarp prst="textNoShape">
+              <a:avLst/>
+            </a:prstTxWarp>
+            <a:spAutoFit/>
+          </a:bodyPr>
+          <a:lstStyle>
+            <a:lvl1pPr eaLnBrk="0" fontAlgn="base" hangingPunct="0">
+              <a:spcBef>
+                <a:spcPct val="0"/>
+              </a:spcBef>
+              <a:spcAft>
+                <a:spcPct val="0"/>
+              </a:spcAft>
+              <a:defRPr>
+                <a:solidFill>
+                  <a:schemeClr val="tx1"/>
+                </a:solidFill>
+                <a:latin typeface="Arial" panose="020B0604020202020204" pitchFamily="34" charset="0"/>
+              </a:defRPr>
+            </a:lvl1pPr>
+            <a:lvl2pPr marL="457200" eaLnBrk="0" fontAlgn="base" hangingPunct="0">
+              <a:spcBef>
+                <a:spcPct val="0"/>
+              </a:spcBef>
+              <a:spcAft>
+                <a:spcPct val="0"/>
+              </a:spcAft>
+              <a:defRPr>
+                <a:solidFill>
+                  <a:schemeClr val="tx1"/>
+                </a:solidFill>
+                <a:latin typeface="Arial" panose="020B0604020202020204" pitchFamily="34" charset="0"/>
+              </a:defRPr>
+            </a:lvl2pPr>
+            <a:lvl3pPr marL="914400" eaLnBrk="0" fontAlgn="base" hangingPunct="0">
+              <a:spcBef>
+                <a:spcPct val="0"/>
+              </a:spcBef>
+              <a:spcAft>
+                <a:spcPct val="0"/>
+              </a:spcAft>
+              <a:defRPr>
+                <a:solidFill>
+                  <a:schemeClr val="tx1"/>
+                </a:solidFill>
+                <a:latin typeface="Arial" panose="020B0604020202020204" pitchFamily="34" charset="0"/>
+              </a:defRPr>
+            </a:lvl3pPr>
+            <a:lvl4pPr marL="1371600" eaLnBrk="0" fontAlgn="base" hangingPunct="0">
+              <a:spcBef>
+                <a:spcPct val="0"/>
+              </a:spcBef>
+              <a:spcAft>
+                <a:spcPct val="0"/>
+              </a:spcAft>
+              <a:defRPr>
+                <a:solidFill>
+                  <a:schemeClr val="tx1"/>
+                </a:solidFill>
+                <a:latin typeface="Arial" panose="020B0604020202020204" pitchFamily="34" charset="0"/>
+              </a:defRPr>
+            </a:lvl4pPr>
+            <a:lvl5pPr marL="1828800" eaLnBrk="0" fontAlgn="base" hangingPunct="0">
+              <a:spcBef>
+                <a:spcPct val="0"/>
+              </a:spcBef>
+              <a:spcAft>
+                <a:spcPct val="0"/>
+              </a:spcAft>
+              <a:defRPr>
+                <a:solidFill>
+                  <a:schemeClr val="tx1"/>
+                </a:solidFill>
+                <a:latin typeface="Arial" panose="020B0604020202020204" pitchFamily="34" charset="0"/>
+              </a:defRPr>
+            </a:lvl5pPr>
+            <a:lvl6pPr marL="2286000" eaLnBrk="0" fontAlgn="base" hangingPunct="0">
+              <a:spcBef>
+                <a:spcPct val="0"/>
+              </a:spcBef>
+              <a:spcAft>
+                <a:spcPct val="0"/>
+              </a:spcAft>
+              <a:defRPr>
+                <a:solidFill>
+                  <a:schemeClr val="tx1"/>
+                </a:solidFill>
+                <a:latin typeface="Arial" panose="020B0604020202020204" pitchFamily="34" charset="0"/>
+              </a:defRPr>
+            </a:lvl6pPr>
+            <a:lvl7pPr marL="2743200" eaLnBrk="0" fontAlgn="base" hangingPunct="0">
+              <a:spcBef>
+                <a:spcPct val="0"/>
+              </a:spcBef>
+              <a:spcAft>
+                <a:spcPct val="0"/>
+              </a:spcAft>
+              <a:defRPr>
+                <a:solidFill>
+                  <a:schemeClr val="tx1"/>
+                </a:solidFill>
+                <a:latin typeface="Arial" panose="020B0604020202020204" pitchFamily="34" charset="0"/>
+              </a:defRPr>
+            </a:lvl7pPr>
+            <a:lvl8pPr marL="3200400" eaLnBrk="0" fontAlgn="base" hangingPunct="0">
+              <a:spcBef>
+                <a:spcPct val="0"/>
+              </a:spcBef>
+              <a:spcAft>
+                <a:spcPct val="0"/>
+              </a:spcAft>
+              <a:defRPr>
+                <a:solidFill>
+                  <a:schemeClr val="tx1"/>
+                </a:solidFill>
+                <a:latin typeface="Arial" panose="020B0604020202020204" pitchFamily="34" charset="0"/>
+              </a:defRPr>
+            </a:lvl8pPr>
+            <a:lvl9pPr marL="3657600" eaLnBrk="0" fontAlgn="base" hangingPunct="0">
+              <a:spcBef>
+                <a:spcPct val="0"/>
+              </a:spcBef>
+              <a:spcAft>
+                <a:spcPct val="0"/>
+              </a:spcAft>
+              <a:defRPr>
+                <a:solidFill>
+                  <a:schemeClr val="tx1"/>
+                </a:solidFill>
+                <a:latin typeface="Arial" panose="020B0604020202020204" pitchFamily="34" charset="0"/>
+              </a:defRPr>
+            </a:lvl9pPr>
+          </a:lstStyle>
+          <a:p>
+            <a:pPr marL="0" marR="0" lvl="0" indent="0" algn="l" defTabSz="914400" rtl="0" eaLnBrk="0" fontAlgn="base" latinLnBrk="0" hangingPunct="0">
+              <a:lnSpc>
+                <a:spcPct val="100000"/>
+              </a:lnSpc>
+              <a:spcBef>
+                <a:spcPct val="0"/>
+              </a:spcBef>
+              <a:spcAft>
+                <a:spcPct val="0"/>
+              </a:spcAft>
+              <a:buClrTx/>
+              <a:buSzTx/>
+              <a:buFontTx/>
+              <a:buNone/>
+              <a:tabLst/>
+            </a:pPr>
+            <a:r>
+              <a:rPr kumimoji="0" lang="en-US" altLang="en-US" sz="1200" b="0" i="0" u="none" strike="noStrike" cap="none" normalizeH="0" baseline="0" dirty="0">
+                <a:ln>
+                  <a:noFill/>
+                </a:ln>
+                <a:solidFill>
+                  <a:srgbClr val="333333"/>
+                </a:solidFill>
+                <a:effectLst/>
+                <a:latin typeface="Arial" panose="020B0604020202020204" pitchFamily="34" charset="0"/>
+                <a:cs typeface="Arial" panose="020B0604020202020204" pitchFamily="34" charset="0"/>
+              </a:rPr>
+              <a:t>(Web Graphics Library) is a JavaScript API for rendering high-performance interactive 3D and 2D </a:t>
+            </a:r>
+          </a:p>
+          <a:p>
+            <a:pPr marL="0" marR="0" lvl="0" indent="0" algn="l" defTabSz="914400" rtl="0" eaLnBrk="0" fontAlgn="base" latinLnBrk="0" hangingPunct="0">
+              <a:lnSpc>
+                <a:spcPct val="100000"/>
+              </a:lnSpc>
+              <a:spcBef>
+                <a:spcPct val="0"/>
+              </a:spcBef>
+              <a:spcAft>
+                <a:spcPct val="0"/>
+              </a:spcAft>
+              <a:buClrTx/>
+              <a:buSzTx/>
+              <a:buFontTx/>
+              <a:buNone/>
+              <a:tabLst/>
+            </a:pPr>
+            <a:r>
+              <a:rPr kumimoji="0" lang="en-US" altLang="en-US" sz="1200" b="0" i="0" u="none" strike="noStrike" cap="none" normalizeH="0" baseline="0" dirty="0">
+                <a:ln>
+                  <a:noFill/>
+                </a:ln>
+                <a:solidFill>
+                  <a:srgbClr val="333333"/>
+                </a:solidFill>
+                <a:effectLst/>
+                <a:latin typeface="Arial" panose="020B0604020202020204" pitchFamily="34" charset="0"/>
+                <a:cs typeface="Arial" panose="020B0604020202020204" pitchFamily="34" charset="0"/>
+              </a:rPr>
+              <a:t>graphics within any compatible web browser without the use of plug-ins. WebGL does so by introducing an </a:t>
+            </a:r>
+          </a:p>
+          <a:p>
+            <a:pPr marL="0" marR="0" lvl="0" indent="0" algn="l" defTabSz="914400" rtl="0" eaLnBrk="0" fontAlgn="base" latinLnBrk="0" hangingPunct="0">
+              <a:lnSpc>
+                <a:spcPct val="100000"/>
+              </a:lnSpc>
+              <a:spcBef>
+                <a:spcPct val="0"/>
+              </a:spcBef>
+              <a:spcAft>
+                <a:spcPct val="0"/>
+              </a:spcAft>
+              <a:buClrTx/>
+              <a:buSzTx/>
+              <a:buFontTx/>
+              <a:buNone/>
+              <a:tabLst/>
+            </a:pPr>
+            <a:r>
+              <a:rPr kumimoji="0" lang="en-US" altLang="en-US" sz="1200" b="0" i="0" u="none" strike="noStrike" cap="none" normalizeH="0" baseline="0" dirty="0">
+                <a:ln>
+                  <a:noFill/>
+                </a:ln>
+                <a:solidFill>
+                  <a:srgbClr val="333333"/>
+                </a:solidFill>
+                <a:effectLst/>
+                <a:latin typeface="Arial" panose="020B0604020202020204" pitchFamily="34" charset="0"/>
+                <a:cs typeface="Arial" panose="020B0604020202020204" pitchFamily="34" charset="0"/>
+              </a:rPr>
+              <a:t>API that closely conforms to OpenGL ES 2.0 that can be used in HTML5 &lt;canvas&gt; elements. </a:t>
+            </a:r>
+          </a:p>
+        </p:txBody>
+      </p:sp>
+    </p:spTree>
+    <p:extLst>
+      <p:ext uri="{BB962C8B-B14F-4D97-AF65-F5344CB8AC3E}">
+        <p14:creationId xmlns:p14="http://schemas.microsoft.com/office/powerpoint/2010/main" val="691019474"/>
       </p:ext>
     </p:extLst>
   </p:cSld>
